--- a/Article/Article.pptx
+++ b/Article/Article.pptx
@@ -3837,12 +3837,12 @@
               <a:t>Automatic Code </a:t>
             </a:r>
             <a:r>
-              <a:rPr lang="en-US" sz="6000" dirty="0" err="1"/>
-              <a:t>Verication</a:t>
+              <a:rPr lang="en-US" sz="6000" dirty="0" smtClean="0"/>
+              <a:t>Verification </a:t>
             </a:r>
             <a:r>
               <a:rPr lang="en-US" sz="6000" dirty="0"/>
-              <a:t> by Formal Analysis</a:t>
+              <a:t>by Formal Analysis</a:t>
             </a:r>
             <a:endParaRPr lang="en-US" dirty="0"/>
           </a:p>
@@ -4015,15 +4015,19 @@
           <a:p>
             <a:r>
               <a:rPr lang="en-US" dirty="0"/>
-              <a:t>Project full title: Automatic Code </a:t>
-            </a:r>
-            <a:r>
-              <a:rPr lang="en-US" dirty="0" err="1"/>
-              <a:t>Verication</a:t>
+              <a:t>Project full title: Automatic </a:t>
+            </a:r>
+            <a:r>
+              <a:rPr lang="en-US"/>
+              <a:t>Code </a:t>
+            </a:r>
+            <a:r>
+              <a:rPr lang="en-US" smtClean="0"/>
+              <a:t>Verification </a:t>
             </a:r>
             <a:r>
               <a:rPr lang="en-US" dirty="0"/>
-              <a:t> by Formal Analysis</a:t>
+              <a:t>by Formal Analysis</a:t>
             </a:r>
           </a:p>
           <a:p>
@@ -4220,7 +4224,7 @@
         </p:blipFill>
         <p:spPr>
           <a:xfrm>
-            <a:off x="3408949" y="1846263"/>
+            <a:off x="3409266" y="1837950"/>
             <a:ext cx="5434427" cy="4022725"/>
           </a:xfrm>
         </p:spPr>
@@ -4449,8 +4453,8 @@
         </p:blipFill>
         <p:spPr bwMode="auto">
           <a:xfrm>
-            <a:off x="4827328" y="1845734"/>
-            <a:ext cx="6195348" cy="4404155"/>
+            <a:off x="3466195" y="1966268"/>
+            <a:ext cx="5320569" cy="3782291"/>
           </a:xfrm>
           <a:prstGeom prst="rect">
             <a:avLst/>
@@ -4542,7 +4546,11 @@
           <a:bodyPr/>
           <a:lstStyle/>
           <a:p>
-            <a:endParaRPr lang="en-GB"/>
+            <a:r>
+              <a:rPr lang="en-GB" dirty="0" smtClean="0"/>
+              <a:t>Verified</a:t>
+            </a:r>
+            <a:endParaRPr lang="en-GB" dirty="0"/>
           </a:p>
         </p:txBody>
       </p:sp>

--- a/Article/Article.pptx
+++ b/Article/Article.pptx
@@ -62,7 +62,7 @@
       </p:grpSpPr>
       <p:sp>
         <p:nvSpPr>
-          <p:cNvPr id="32" name="PlaceHolder 1"/>
+          <p:cNvPr id="29" name="PlaceHolder 1"/>
           <p:cNvSpPr>
             <a:spLocks noGrp="1"/>
           </p:cNvSpPr>
@@ -72,8 +72,8 @@
         </p:nvSpPr>
         <p:spPr>
           <a:xfrm>
-            <a:off x="1097280" y="286560"/>
-            <a:ext cx="10058040" cy="1450440"/>
+            <a:off x="609480" y="273600"/>
+            <a:ext cx="10972440" cy="1144800"/>
           </a:xfrm>
           <a:prstGeom prst="rect">
             <a:avLst/>
@@ -82,18 +82,16 @@
         <p:txBody>
           <a:bodyPr lIns="0" rIns="0" tIns="0" bIns="0" anchor="ctr"/>
           <a:p>
-            <a:endParaRPr b="0" lang="en-US" sz="1800" spc="-1" strike="noStrike">
-              <a:solidFill>
-                <a:srgbClr val="000000"/>
-              </a:solidFill>
-              <a:latin typeface="Calibri"/>
-            </a:endParaRPr>
-          </a:p>
-        </p:txBody>
-      </p:sp>
-      <p:sp>
-        <p:nvSpPr>
-          <p:cNvPr id="33" name="PlaceHolder 2"/>
+            <a:pPr algn="ctr"/>
+            <a:endParaRPr b="0" lang="en-US" sz="4400" spc="-1" strike="noStrike">
+              <a:latin typeface="Arial"/>
+            </a:endParaRPr>
+          </a:p>
+        </p:txBody>
+      </p:sp>
+      <p:sp>
+        <p:nvSpPr>
+          <p:cNvPr id="30" name="PlaceHolder 2"/>
           <p:cNvSpPr>
             <a:spLocks noGrp="1"/>
           </p:cNvSpPr>
@@ -103,8 +101,8 @@
         </p:nvSpPr>
         <p:spPr>
           <a:xfrm>
-            <a:off x="1097280" y="1845720"/>
-            <a:ext cx="10058040" cy="1918800"/>
+            <a:off x="609480" y="1604520"/>
+            <a:ext cx="10972440" cy="1896840"/>
           </a:xfrm>
           <a:prstGeom prst="rect">
             <a:avLst/>
@@ -115,18 +113,15 @@
             <a:normAutofit/>
           </a:bodyPr>
           <a:p>
-            <a:endParaRPr b="0" lang="en-US" sz="2000" spc="-1" strike="noStrike">
-              <a:solidFill>
-                <a:srgbClr val="404040"/>
-              </a:solidFill>
-              <a:latin typeface="Calibri"/>
-            </a:endParaRPr>
-          </a:p>
-        </p:txBody>
-      </p:sp>
-      <p:sp>
-        <p:nvSpPr>
-          <p:cNvPr id="34" name="PlaceHolder 3"/>
+            <a:endParaRPr b="0" lang="en-US" sz="3200" spc="-1" strike="noStrike">
+              <a:latin typeface="Arial"/>
+            </a:endParaRPr>
+          </a:p>
+        </p:txBody>
+      </p:sp>
+      <p:sp>
+        <p:nvSpPr>
+          <p:cNvPr id="31" name="PlaceHolder 3"/>
           <p:cNvSpPr>
             <a:spLocks noGrp="1"/>
           </p:cNvSpPr>
@@ -136,8 +131,8 @@
         </p:nvSpPr>
         <p:spPr>
           <a:xfrm>
-            <a:off x="1097280" y="3947040"/>
-            <a:ext cx="10058040" cy="1918800"/>
+            <a:off x="609480" y="3682080"/>
+            <a:ext cx="10972440" cy="1896840"/>
           </a:xfrm>
           <a:prstGeom prst="rect">
             <a:avLst/>
@@ -148,11 +143,8 @@
             <a:normAutofit/>
           </a:bodyPr>
           <a:p>
-            <a:endParaRPr b="0" lang="en-US" sz="2000" spc="-1" strike="noStrike">
-              <a:solidFill>
-                <a:srgbClr val="404040"/>
-              </a:solidFill>
-              <a:latin typeface="Calibri"/>
+            <a:endParaRPr b="0" lang="en-US" sz="3200" spc="-1" strike="noStrike">
+              <a:latin typeface="Arial"/>
             </a:endParaRPr>
           </a:p>
         </p:txBody>
@@ -181,7 +173,7 @@
       </p:grpSpPr>
       <p:sp>
         <p:nvSpPr>
-          <p:cNvPr id="35" name="PlaceHolder 1"/>
+          <p:cNvPr id="32" name="PlaceHolder 1"/>
           <p:cNvSpPr>
             <a:spLocks noGrp="1"/>
           </p:cNvSpPr>
@@ -191,8 +183,8 @@
         </p:nvSpPr>
         <p:spPr>
           <a:xfrm>
-            <a:off x="1097280" y="286560"/>
-            <a:ext cx="10058040" cy="1450440"/>
+            <a:off x="609480" y="273600"/>
+            <a:ext cx="10972440" cy="1144800"/>
           </a:xfrm>
           <a:prstGeom prst="rect">
             <a:avLst/>
@@ -201,18 +193,16 @@
         <p:txBody>
           <a:bodyPr lIns="0" rIns="0" tIns="0" bIns="0" anchor="ctr"/>
           <a:p>
-            <a:endParaRPr b="0" lang="en-US" sz="1800" spc="-1" strike="noStrike">
-              <a:solidFill>
-                <a:srgbClr val="000000"/>
-              </a:solidFill>
-              <a:latin typeface="Calibri"/>
-            </a:endParaRPr>
-          </a:p>
-        </p:txBody>
-      </p:sp>
-      <p:sp>
-        <p:nvSpPr>
-          <p:cNvPr id="36" name="PlaceHolder 2"/>
+            <a:pPr algn="ctr"/>
+            <a:endParaRPr b="0" lang="en-US" sz="4400" spc="-1" strike="noStrike">
+              <a:latin typeface="Arial"/>
+            </a:endParaRPr>
+          </a:p>
+        </p:txBody>
+      </p:sp>
+      <p:sp>
+        <p:nvSpPr>
+          <p:cNvPr id="33" name="PlaceHolder 2"/>
           <p:cNvSpPr>
             <a:spLocks noGrp="1"/>
           </p:cNvSpPr>
@@ -222,8 +212,8 @@
         </p:nvSpPr>
         <p:spPr>
           <a:xfrm>
-            <a:off x="1097280" y="1845720"/>
-            <a:ext cx="4908240" cy="1918800"/>
+            <a:off x="609480" y="1604520"/>
+            <a:ext cx="5354280" cy="1896840"/>
           </a:xfrm>
           <a:prstGeom prst="rect">
             <a:avLst/>
@@ -234,18 +224,15 @@
             <a:normAutofit/>
           </a:bodyPr>
           <a:p>
-            <a:endParaRPr b="0" lang="en-US" sz="2000" spc="-1" strike="noStrike">
-              <a:solidFill>
-                <a:srgbClr val="404040"/>
-              </a:solidFill>
-              <a:latin typeface="Calibri"/>
-            </a:endParaRPr>
-          </a:p>
-        </p:txBody>
-      </p:sp>
-      <p:sp>
-        <p:nvSpPr>
-          <p:cNvPr id="37" name="PlaceHolder 3"/>
+            <a:endParaRPr b="0" lang="en-US" sz="3200" spc="-1" strike="noStrike">
+              <a:latin typeface="Arial"/>
+            </a:endParaRPr>
+          </a:p>
+        </p:txBody>
+      </p:sp>
+      <p:sp>
+        <p:nvSpPr>
+          <p:cNvPr id="34" name="PlaceHolder 3"/>
           <p:cNvSpPr>
             <a:spLocks noGrp="1"/>
           </p:cNvSpPr>
@@ -255,8 +242,8 @@
         </p:nvSpPr>
         <p:spPr>
           <a:xfrm>
-            <a:off x="6251400" y="1845720"/>
-            <a:ext cx="4908240" cy="1918800"/>
+            <a:off x="6231960" y="1604520"/>
+            <a:ext cx="5354280" cy="1896840"/>
           </a:xfrm>
           <a:prstGeom prst="rect">
             <a:avLst/>
@@ -267,18 +254,15 @@
             <a:normAutofit/>
           </a:bodyPr>
           <a:p>
-            <a:endParaRPr b="0" lang="en-US" sz="2000" spc="-1" strike="noStrike">
-              <a:solidFill>
-                <a:srgbClr val="404040"/>
-              </a:solidFill>
-              <a:latin typeface="Calibri"/>
-            </a:endParaRPr>
-          </a:p>
-        </p:txBody>
-      </p:sp>
-      <p:sp>
-        <p:nvSpPr>
-          <p:cNvPr id="38" name="PlaceHolder 4"/>
+            <a:endParaRPr b="0" lang="en-US" sz="3200" spc="-1" strike="noStrike">
+              <a:latin typeface="Arial"/>
+            </a:endParaRPr>
+          </a:p>
+        </p:txBody>
+      </p:sp>
+      <p:sp>
+        <p:nvSpPr>
+          <p:cNvPr id="35" name="PlaceHolder 4"/>
           <p:cNvSpPr>
             <a:spLocks noGrp="1"/>
           </p:cNvSpPr>
@@ -288,8 +272,8 @@
         </p:nvSpPr>
         <p:spPr>
           <a:xfrm>
-            <a:off x="1097280" y="3947040"/>
-            <a:ext cx="4908240" cy="1918800"/>
+            <a:off x="609480" y="3682080"/>
+            <a:ext cx="5354280" cy="1896840"/>
           </a:xfrm>
           <a:prstGeom prst="rect">
             <a:avLst/>
@@ -300,18 +284,15 @@
             <a:normAutofit/>
           </a:bodyPr>
           <a:p>
-            <a:endParaRPr b="0" lang="en-US" sz="2000" spc="-1" strike="noStrike">
-              <a:solidFill>
-                <a:srgbClr val="404040"/>
-              </a:solidFill>
-              <a:latin typeface="Calibri"/>
-            </a:endParaRPr>
-          </a:p>
-        </p:txBody>
-      </p:sp>
-      <p:sp>
-        <p:nvSpPr>
-          <p:cNvPr id="39" name="PlaceHolder 5"/>
+            <a:endParaRPr b="0" lang="en-US" sz="3200" spc="-1" strike="noStrike">
+              <a:latin typeface="Arial"/>
+            </a:endParaRPr>
+          </a:p>
+        </p:txBody>
+      </p:sp>
+      <p:sp>
+        <p:nvSpPr>
+          <p:cNvPr id="36" name="PlaceHolder 5"/>
           <p:cNvSpPr>
             <a:spLocks noGrp="1"/>
           </p:cNvSpPr>
@@ -321,8 +302,8 @@
         </p:nvSpPr>
         <p:spPr>
           <a:xfrm>
-            <a:off x="6251400" y="3947040"/>
-            <a:ext cx="4908240" cy="1918800"/>
+            <a:off x="6231960" y="3682080"/>
+            <a:ext cx="5354280" cy="1896840"/>
           </a:xfrm>
           <a:prstGeom prst="rect">
             <a:avLst/>
@@ -333,11 +314,8 @@
             <a:normAutofit/>
           </a:bodyPr>
           <a:p>
-            <a:endParaRPr b="0" lang="en-US" sz="2000" spc="-1" strike="noStrike">
-              <a:solidFill>
-                <a:srgbClr val="404040"/>
-              </a:solidFill>
-              <a:latin typeface="Calibri"/>
+            <a:endParaRPr b="0" lang="en-US" sz="3200" spc="-1" strike="noStrike">
+              <a:latin typeface="Arial"/>
             </a:endParaRPr>
           </a:p>
         </p:txBody>
@@ -366,7 +344,7 @@
       </p:grpSpPr>
       <p:sp>
         <p:nvSpPr>
-          <p:cNvPr id="40" name="PlaceHolder 1"/>
+          <p:cNvPr id="37" name="PlaceHolder 1"/>
           <p:cNvSpPr>
             <a:spLocks noGrp="1"/>
           </p:cNvSpPr>
@@ -376,8 +354,8 @@
         </p:nvSpPr>
         <p:spPr>
           <a:xfrm>
-            <a:off x="1097280" y="286560"/>
-            <a:ext cx="10058040" cy="1450440"/>
+            <a:off x="609480" y="273600"/>
+            <a:ext cx="10972440" cy="1144800"/>
           </a:xfrm>
           <a:prstGeom prst="rect">
             <a:avLst/>
@@ -386,18 +364,16 @@
         <p:txBody>
           <a:bodyPr lIns="0" rIns="0" tIns="0" bIns="0" anchor="ctr"/>
           <a:p>
-            <a:endParaRPr b="0" lang="en-US" sz="1800" spc="-1" strike="noStrike">
-              <a:solidFill>
-                <a:srgbClr val="000000"/>
-              </a:solidFill>
-              <a:latin typeface="Calibri"/>
-            </a:endParaRPr>
-          </a:p>
-        </p:txBody>
-      </p:sp>
-      <p:sp>
-        <p:nvSpPr>
-          <p:cNvPr id="41" name="PlaceHolder 2"/>
+            <a:pPr algn="ctr"/>
+            <a:endParaRPr b="0" lang="en-US" sz="4400" spc="-1" strike="noStrike">
+              <a:latin typeface="Arial"/>
+            </a:endParaRPr>
+          </a:p>
+        </p:txBody>
+      </p:sp>
+      <p:sp>
+        <p:nvSpPr>
+          <p:cNvPr id="38" name="PlaceHolder 2"/>
           <p:cNvSpPr>
             <a:spLocks noGrp="1"/>
           </p:cNvSpPr>
@@ -407,8 +383,8 @@
         </p:nvSpPr>
         <p:spPr>
           <a:xfrm>
-            <a:off x="1097280" y="1845720"/>
-            <a:ext cx="3238560" cy="1918800"/>
+            <a:off x="609480" y="1604520"/>
+            <a:ext cx="3533040" cy="1896840"/>
           </a:xfrm>
           <a:prstGeom prst="rect">
             <a:avLst/>
@@ -419,18 +395,15 @@
             <a:normAutofit/>
           </a:bodyPr>
           <a:p>
-            <a:endParaRPr b="0" lang="en-US" sz="2000" spc="-1" strike="noStrike">
-              <a:solidFill>
-                <a:srgbClr val="404040"/>
-              </a:solidFill>
-              <a:latin typeface="Calibri"/>
-            </a:endParaRPr>
-          </a:p>
-        </p:txBody>
-      </p:sp>
-      <p:sp>
-        <p:nvSpPr>
-          <p:cNvPr id="42" name="PlaceHolder 3"/>
+            <a:endParaRPr b="0" lang="en-US" sz="3200" spc="-1" strike="noStrike">
+              <a:latin typeface="Arial"/>
+            </a:endParaRPr>
+          </a:p>
+        </p:txBody>
+      </p:sp>
+      <p:sp>
+        <p:nvSpPr>
+          <p:cNvPr id="39" name="PlaceHolder 3"/>
           <p:cNvSpPr>
             <a:spLocks noGrp="1"/>
           </p:cNvSpPr>
@@ -440,8 +413,8 @@
         </p:nvSpPr>
         <p:spPr>
           <a:xfrm>
-            <a:off x="4498200" y="1845720"/>
-            <a:ext cx="3238560" cy="1918800"/>
+            <a:off x="4319640" y="1604520"/>
+            <a:ext cx="3533040" cy="1896840"/>
           </a:xfrm>
           <a:prstGeom prst="rect">
             <a:avLst/>
@@ -452,18 +425,15 @@
             <a:normAutofit/>
           </a:bodyPr>
           <a:p>
-            <a:endParaRPr b="0" lang="en-US" sz="2000" spc="-1" strike="noStrike">
-              <a:solidFill>
-                <a:srgbClr val="404040"/>
-              </a:solidFill>
-              <a:latin typeface="Calibri"/>
-            </a:endParaRPr>
-          </a:p>
-        </p:txBody>
-      </p:sp>
-      <p:sp>
-        <p:nvSpPr>
-          <p:cNvPr id="43" name="PlaceHolder 4"/>
+            <a:endParaRPr b="0" lang="en-US" sz="3200" spc="-1" strike="noStrike">
+              <a:latin typeface="Arial"/>
+            </a:endParaRPr>
+          </a:p>
+        </p:txBody>
+      </p:sp>
+      <p:sp>
+        <p:nvSpPr>
+          <p:cNvPr id="40" name="PlaceHolder 4"/>
           <p:cNvSpPr>
             <a:spLocks noGrp="1"/>
           </p:cNvSpPr>
@@ -473,8 +443,8 @@
         </p:nvSpPr>
         <p:spPr>
           <a:xfrm>
-            <a:off x="7899120" y="1845720"/>
-            <a:ext cx="3238560" cy="1918800"/>
+            <a:off x="8029800" y="1604520"/>
+            <a:ext cx="3533040" cy="1896840"/>
           </a:xfrm>
           <a:prstGeom prst="rect">
             <a:avLst/>
@@ -485,18 +455,15 @@
             <a:normAutofit/>
           </a:bodyPr>
           <a:p>
-            <a:endParaRPr b="0" lang="en-US" sz="2000" spc="-1" strike="noStrike">
-              <a:solidFill>
-                <a:srgbClr val="404040"/>
-              </a:solidFill>
-              <a:latin typeface="Calibri"/>
-            </a:endParaRPr>
-          </a:p>
-        </p:txBody>
-      </p:sp>
-      <p:sp>
-        <p:nvSpPr>
-          <p:cNvPr id="44" name="PlaceHolder 5"/>
+            <a:endParaRPr b="0" lang="en-US" sz="3200" spc="-1" strike="noStrike">
+              <a:latin typeface="Arial"/>
+            </a:endParaRPr>
+          </a:p>
+        </p:txBody>
+      </p:sp>
+      <p:sp>
+        <p:nvSpPr>
+          <p:cNvPr id="41" name="PlaceHolder 5"/>
           <p:cNvSpPr>
             <a:spLocks noGrp="1"/>
           </p:cNvSpPr>
@@ -506,8 +473,8 @@
         </p:nvSpPr>
         <p:spPr>
           <a:xfrm>
-            <a:off x="1097280" y="3947040"/>
-            <a:ext cx="3238560" cy="1918800"/>
+            <a:off x="609480" y="3682080"/>
+            <a:ext cx="3533040" cy="1896840"/>
           </a:xfrm>
           <a:prstGeom prst="rect">
             <a:avLst/>
@@ -518,18 +485,15 @@
             <a:normAutofit/>
           </a:bodyPr>
           <a:p>
-            <a:endParaRPr b="0" lang="en-US" sz="2000" spc="-1" strike="noStrike">
-              <a:solidFill>
-                <a:srgbClr val="404040"/>
-              </a:solidFill>
-              <a:latin typeface="Calibri"/>
-            </a:endParaRPr>
-          </a:p>
-        </p:txBody>
-      </p:sp>
-      <p:sp>
-        <p:nvSpPr>
-          <p:cNvPr id="45" name="PlaceHolder 6"/>
+            <a:endParaRPr b="0" lang="en-US" sz="3200" spc="-1" strike="noStrike">
+              <a:latin typeface="Arial"/>
+            </a:endParaRPr>
+          </a:p>
+        </p:txBody>
+      </p:sp>
+      <p:sp>
+        <p:nvSpPr>
+          <p:cNvPr id="42" name="PlaceHolder 6"/>
           <p:cNvSpPr>
             <a:spLocks noGrp="1"/>
           </p:cNvSpPr>
@@ -539,8 +503,8 @@
         </p:nvSpPr>
         <p:spPr>
           <a:xfrm>
-            <a:off x="4498200" y="3947040"/>
-            <a:ext cx="3238560" cy="1918800"/>
+            <a:off x="4319640" y="3682080"/>
+            <a:ext cx="3533040" cy="1896840"/>
           </a:xfrm>
           <a:prstGeom prst="rect">
             <a:avLst/>
@@ -551,18 +515,15 @@
             <a:normAutofit/>
           </a:bodyPr>
           <a:p>
-            <a:endParaRPr b="0" lang="en-US" sz="2000" spc="-1" strike="noStrike">
-              <a:solidFill>
-                <a:srgbClr val="404040"/>
-              </a:solidFill>
-              <a:latin typeface="Calibri"/>
-            </a:endParaRPr>
-          </a:p>
-        </p:txBody>
-      </p:sp>
-      <p:sp>
-        <p:nvSpPr>
-          <p:cNvPr id="46" name="PlaceHolder 7"/>
+            <a:endParaRPr b="0" lang="en-US" sz="3200" spc="-1" strike="noStrike">
+              <a:latin typeface="Arial"/>
+            </a:endParaRPr>
+          </a:p>
+        </p:txBody>
+      </p:sp>
+      <p:sp>
+        <p:nvSpPr>
+          <p:cNvPr id="43" name="PlaceHolder 7"/>
           <p:cNvSpPr>
             <a:spLocks noGrp="1"/>
           </p:cNvSpPr>
@@ -572,8 +533,8 @@
         </p:nvSpPr>
         <p:spPr>
           <a:xfrm>
-            <a:off x="7899120" y="3947040"/>
-            <a:ext cx="3238560" cy="1918800"/>
+            <a:off x="8029800" y="3682080"/>
+            <a:ext cx="3533040" cy="1896840"/>
           </a:xfrm>
           <a:prstGeom prst="rect">
             <a:avLst/>
@@ -584,11 +545,8 @@
             <a:normAutofit/>
           </a:bodyPr>
           <a:p>
-            <a:endParaRPr b="0" lang="en-US" sz="2000" spc="-1" strike="noStrike">
-              <a:solidFill>
-                <a:srgbClr val="404040"/>
-              </a:solidFill>
-              <a:latin typeface="Calibri"/>
+            <a:endParaRPr b="0" lang="en-US" sz="3200" spc="-1" strike="noStrike">
+              <a:latin typeface="Arial"/>
             </a:endParaRPr>
           </a:p>
         </p:txBody>
@@ -639,7 +597,7 @@
       </p:grpSpPr>
       <p:sp>
         <p:nvSpPr>
-          <p:cNvPr id="55" name="PlaceHolder 1"/>
+          <p:cNvPr id="49" name="PlaceHolder 1"/>
           <p:cNvSpPr>
             <a:spLocks noGrp="1"/>
           </p:cNvSpPr>
@@ -649,8 +607,8 @@
         </p:nvSpPr>
         <p:spPr>
           <a:xfrm>
-            <a:off x="1097280" y="286560"/>
-            <a:ext cx="10058040" cy="1450440"/>
+            <a:off x="609480" y="273600"/>
+            <a:ext cx="10972440" cy="1144800"/>
           </a:xfrm>
           <a:prstGeom prst="rect">
             <a:avLst/>
@@ -659,18 +617,16 @@
         <p:txBody>
           <a:bodyPr lIns="0" rIns="0" tIns="0" bIns="0" anchor="ctr"/>
           <a:p>
-            <a:endParaRPr b="0" lang="en-US" sz="1800" spc="-1" strike="noStrike">
-              <a:solidFill>
-                <a:srgbClr val="000000"/>
-              </a:solidFill>
-              <a:latin typeface="Calibri"/>
-            </a:endParaRPr>
-          </a:p>
-        </p:txBody>
-      </p:sp>
-      <p:sp>
-        <p:nvSpPr>
-          <p:cNvPr id="56" name="PlaceHolder 2"/>
+            <a:pPr algn="ctr"/>
+            <a:endParaRPr b="0" lang="en-US" sz="4400" spc="-1" strike="noStrike">
+              <a:latin typeface="Arial"/>
+            </a:endParaRPr>
+          </a:p>
+        </p:txBody>
+      </p:sp>
+      <p:sp>
+        <p:nvSpPr>
+          <p:cNvPr id="50" name="PlaceHolder 2"/>
           <p:cNvSpPr>
             <a:spLocks noGrp="1"/>
           </p:cNvSpPr>
@@ -680,8 +636,8 @@
         </p:nvSpPr>
         <p:spPr>
           <a:xfrm>
-            <a:off x="1097280" y="1845720"/>
-            <a:ext cx="10058040" cy="4023000"/>
+            <a:off x="609480" y="1604520"/>
+            <a:ext cx="10972440" cy="3977280"/>
           </a:xfrm>
           <a:prstGeom prst="rect">
             <a:avLst/>
@@ -721,7 +677,7 @@
       </p:grpSpPr>
       <p:sp>
         <p:nvSpPr>
-          <p:cNvPr id="57" name="PlaceHolder 1"/>
+          <p:cNvPr id="51" name="PlaceHolder 1"/>
           <p:cNvSpPr>
             <a:spLocks noGrp="1"/>
           </p:cNvSpPr>
@@ -731,8 +687,8 @@
         </p:nvSpPr>
         <p:spPr>
           <a:xfrm>
-            <a:off x="1097280" y="286560"/>
-            <a:ext cx="10058040" cy="1450440"/>
+            <a:off x="609480" y="273600"/>
+            <a:ext cx="10972440" cy="1144800"/>
           </a:xfrm>
           <a:prstGeom prst="rect">
             <a:avLst/>
@@ -741,18 +697,16 @@
         <p:txBody>
           <a:bodyPr lIns="0" rIns="0" tIns="0" bIns="0" anchor="ctr"/>
           <a:p>
-            <a:endParaRPr b="0" lang="en-US" sz="1800" spc="-1" strike="noStrike">
-              <a:solidFill>
-                <a:srgbClr val="000000"/>
-              </a:solidFill>
-              <a:latin typeface="Calibri"/>
-            </a:endParaRPr>
-          </a:p>
-        </p:txBody>
-      </p:sp>
-      <p:sp>
-        <p:nvSpPr>
-          <p:cNvPr id="58" name="PlaceHolder 2"/>
+            <a:pPr algn="ctr"/>
+            <a:endParaRPr b="0" lang="en-US" sz="4400" spc="-1" strike="noStrike">
+              <a:latin typeface="Arial"/>
+            </a:endParaRPr>
+          </a:p>
+        </p:txBody>
+      </p:sp>
+      <p:sp>
+        <p:nvSpPr>
+          <p:cNvPr id="52" name="PlaceHolder 2"/>
           <p:cNvSpPr>
             <a:spLocks noGrp="1"/>
           </p:cNvSpPr>
@@ -762,8 +716,8 @@
         </p:nvSpPr>
         <p:spPr>
           <a:xfrm>
-            <a:off x="1097280" y="1845720"/>
-            <a:ext cx="10058040" cy="4023000"/>
+            <a:off x="609480" y="1604520"/>
+            <a:ext cx="10972440" cy="3977280"/>
           </a:xfrm>
           <a:prstGeom prst="rect">
             <a:avLst/>
@@ -774,11 +728,8 @@
             <a:normAutofit/>
           </a:bodyPr>
           <a:p>
-            <a:endParaRPr b="0" lang="en-US" sz="2000" spc="-1" strike="noStrike">
-              <a:solidFill>
-                <a:srgbClr val="404040"/>
-              </a:solidFill>
-              <a:latin typeface="Calibri"/>
+            <a:endParaRPr b="0" lang="en-US" sz="3200" spc="-1" strike="noStrike">
+              <a:latin typeface="Arial"/>
             </a:endParaRPr>
           </a:p>
         </p:txBody>
@@ -807,7 +758,7 @@
       </p:grpSpPr>
       <p:sp>
         <p:nvSpPr>
-          <p:cNvPr id="59" name="PlaceHolder 1"/>
+          <p:cNvPr id="53" name="PlaceHolder 1"/>
           <p:cNvSpPr>
             <a:spLocks noGrp="1"/>
           </p:cNvSpPr>
@@ -817,8 +768,8 @@
         </p:nvSpPr>
         <p:spPr>
           <a:xfrm>
-            <a:off x="1097280" y="286560"/>
-            <a:ext cx="10058040" cy="1450440"/>
+            <a:off x="609480" y="273600"/>
+            <a:ext cx="10972440" cy="1144800"/>
           </a:xfrm>
           <a:prstGeom prst="rect">
             <a:avLst/>
@@ -827,18 +778,16 @@
         <p:txBody>
           <a:bodyPr lIns="0" rIns="0" tIns="0" bIns="0" anchor="ctr"/>
           <a:p>
-            <a:endParaRPr b="0" lang="en-US" sz="1800" spc="-1" strike="noStrike">
-              <a:solidFill>
-                <a:srgbClr val="000000"/>
-              </a:solidFill>
-              <a:latin typeface="Calibri"/>
-            </a:endParaRPr>
-          </a:p>
-        </p:txBody>
-      </p:sp>
-      <p:sp>
-        <p:nvSpPr>
-          <p:cNvPr id="60" name="PlaceHolder 2"/>
+            <a:pPr algn="ctr"/>
+            <a:endParaRPr b="0" lang="en-US" sz="4400" spc="-1" strike="noStrike">
+              <a:latin typeface="Arial"/>
+            </a:endParaRPr>
+          </a:p>
+        </p:txBody>
+      </p:sp>
+      <p:sp>
+        <p:nvSpPr>
+          <p:cNvPr id="54" name="PlaceHolder 2"/>
           <p:cNvSpPr>
             <a:spLocks noGrp="1"/>
           </p:cNvSpPr>
@@ -848,8 +797,8 @@
         </p:nvSpPr>
         <p:spPr>
           <a:xfrm>
-            <a:off x="1097280" y="1845720"/>
-            <a:ext cx="4908240" cy="4023000"/>
+            <a:off x="609480" y="1604520"/>
+            <a:ext cx="5354280" cy="3977280"/>
           </a:xfrm>
           <a:prstGeom prst="rect">
             <a:avLst/>
@@ -860,18 +809,15 @@
             <a:normAutofit/>
           </a:bodyPr>
           <a:p>
-            <a:endParaRPr b="0" lang="en-US" sz="2000" spc="-1" strike="noStrike">
-              <a:solidFill>
-                <a:srgbClr val="404040"/>
-              </a:solidFill>
-              <a:latin typeface="Calibri"/>
-            </a:endParaRPr>
-          </a:p>
-        </p:txBody>
-      </p:sp>
-      <p:sp>
-        <p:nvSpPr>
-          <p:cNvPr id="61" name="PlaceHolder 3"/>
+            <a:endParaRPr b="0" lang="en-US" sz="3200" spc="-1" strike="noStrike">
+              <a:latin typeface="Arial"/>
+            </a:endParaRPr>
+          </a:p>
+        </p:txBody>
+      </p:sp>
+      <p:sp>
+        <p:nvSpPr>
+          <p:cNvPr id="55" name="PlaceHolder 3"/>
           <p:cNvSpPr>
             <a:spLocks noGrp="1"/>
           </p:cNvSpPr>
@@ -881,8 +827,8 @@
         </p:nvSpPr>
         <p:spPr>
           <a:xfrm>
-            <a:off x="6251400" y="1845720"/>
-            <a:ext cx="4908240" cy="4023000"/>
+            <a:off x="6231960" y="1604520"/>
+            <a:ext cx="5354280" cy="3977280"/>
           </a:xfrm>
           <a:prstGeom prst="rect">
             <a:avLst/>
@@ -893,11 +839,8 @@
             <a:normAutofit/>
           </a:bodyPr>
           <a:p>
-            <a:endParaRPr b="0" lang="en-US" sz="2000" spc="-1" strike="noStrike">
-              <a:solidFill>
-                <a:srgbClr val="404040"/>
-              </a:solidFill>
-              <a:latin typeface="Calibri"/>
+            <a:endParaRPr b="0" lang="en-US" sz="3200" spc="-1" strike="noStrike">
+              <a:latin typeface="Arial"/>
             </a:endParaRPr>
           </a:p>
         </p:txBody>
@@ -926,7 +869,7 @@
       </p:grpSpPr>
       <p:sp>
         <p:nvSpPr>
-          <p:cNvPr id="62" name="PlaceHolder 1"/>
+          <p:cNvPr id="56" name="PlaceHolder 1"/>
           <p:cNvSpPr>
             <a:spLocks noGrp="1"/>
           </p:cNvSpPr>
@@ -936,8 +879,8 @@
         </p:nvSpPr>
         <p:spPr>
           <a:xfrm>
-            <a:off x="1097280" y="286560"/>
-            <a:ext cx="10058040" cy="1450440"/>
+            <a:off x="609480" y="273600"/>
+            <a:ext cx="10972440" cy="1144800"/>
           </a:xfrm>
           <a:prstGeom prst="rect">
             <a:avLst/>
@@ -946,11 +889,9 @@
         <p:txBody>
           <a:bodyPr lIns="0" rIns="0" tIns="0" bIns="0" anchor="ctr"/>
           <a:p>
-            <a:endParaRPr b="0" lang="en-US" sz="1800" spc="-1" strike="noStrike">
-              <a:solidFill>
-                <a:srgbClr val="000000"/>
-              </a:solidFill>
-              <a:latin typeface="Calibri"/>
+            <a:pPr algn="ctr"/>
+            <a:endParaRPr b="0" lang="en-US" sz="4400" spc="-1" strike="noStrike">
+              <a:latin typeface="Arial"/>
             </a:endParaRPr>
           </a:p>
         </p:txBody>
@@ -979,7 +920,7 @@
       </p:grpSpPr>
       <p:sp>
         <p:nvSpPr>
-          <p:cNvPr id="63" name="PlaceHolder 1"/>
+          <p:cNvPr id="57" name="PlaceHolder 1"/>
           <p:cNvSpPr>
             <a:spLocks noGrp="1"/>
           </p:cNvSpPr>
@@ -989,8 +930,8 @@
         </p:nvSpPr>
         <p:spPr>
           <a:xfrm>
-            <a:off x="1097280" y="286560"/>
-            <a:ext cx="10058040" cy="6724800"/>
+            <a:off x="609480" y="273600"/>
+            <a:ext cx="10972440" cy="5307840"/>
           </a:xfrm>
           <a:prstGeom prst="rect">
             <a:avLst/>
@@ -1030,7 +971,7 @@
       </p:grpSpPr>
       <p:sp>
         <p:nvSpPr>
-          <p:cNvPr id="64" name="PlaceHolder 1"/>
+          <p:cNvPr id="58" name="PlaceHolder 1"/>
           <p:cNvSpPr>
             <a:spLocks noGrp="1"/>
           </p:cNvSpPr>
@@ -1040,8 +981,8 @@
         </p:nvSpPr>
         <p:spPr>
           <a:xfrm>
-            <a:off x="1097280" y="286560"/>
-            <a:ext cx="10058040" cy="1450440"/>
+            <a:off x="609480" y="273600"/>
+            <a:ext cx="10972440" cy="1144800"/>
           </a:xfrm>
           <a:prstGeom prst="rect">
             <a:avLst/>
@@ -1050,18 +991,16 @@
         <p:txBody>
           <a:bodyPr lIns="0" rIns="0" tIns="0" bIns="0" anchor="ctr"/>
           <a:p>
-            <a:endParaRPr b="0" lang="en-US" sz="1800" spc="-1" strike="noStrike">
-              <a:solidFill>
-                <a:srgbClr val="000000"/>
-              </a:solidFill>
-              <a:latin typeface="Calibri"/>
-            </a:endParaRPr>
-          </a:p>
-        </p:txBody>
-      </p:sp>
-      <p:sp>
-        <p:nvSpPr>
-          <p:cNvPr id="65" name="PlaceHolder 2"/>
+            <a:pPr algn="ctr"/>
+            <a:endParaRPr b="0" lang="en-US" sz="4400" spc="-1" strike="noStrike">
+              <a:latin typeface="Arial"/>
+            </a:endParaRPr>
+          </a:p>
+        </p:txBody>
+      </p:sp>
+      <p:sp>
+        <p:nvSpPr>
+          <p:cNvPr id="59" name="PlaceHolder 2"/>
           <p:cNvSpPr>
             <a:spLocks noGrp="1"/>
           </p:cNvSpPr>
@@ -1071,8 +1010,8 @@
         </p:nvSpPr>
         <p:spPr>
           <a:xfrm>
-            <a:off x="1097280" y="1845720"/>
-            <a:ext cx="4908240" cy="1918800"/>
+            <a:off x="609480" y="1604520"/>
+            <a:ext cx="5354280" cy="1896840"/>
           </a:xfrm>
           <a:prstGeom prst="rect">
             <a:avLst/>
@@ -1083,18 +1022,15 @@
             <a:normAutofit/>
           </a:bodyPr>
           <a:p>
-            <a:endParaRPr b="0" lang="en-US" sz="2000" spc="-1" strike="noStrike">
-              <a:solidFill>
-                <a:srgbClr val="404040"/>
-              </a:solidFill>
-              <a:latin typeface="Calibri"/>
-            </a:endParaRPr>
-          </a:p>
-        </p:txBody>
-      </p:sp>
-      <p:sp>
-        <p:nvSpPr>
-          <p:cNvPr id="66" name="PlaceHolder 3"/>
+            <a:endParaRPr b="0" lang="en-US" sz="3200" spc="-1" strike="noStrike">
+              <a:latin typeface="Arial"/>
+            </a:endParaRPr>
+          </a:p>
+        </p:txBody>
+      </p:sp>
+      <p:sp>
+        <p:nvSpPr>
+          <p:cNvPr id="60" name="PlaceHolder 3"/>
           <p:cNvSpPr>
             <a:spLocks noGrp="1"/>
           </p:cNvSpPr>
@@ -1104,8 +1040,8 @@
         </p:nvSpPr>
         <p:spPr>
           <a:xfrm>
-            <a:off x="6251400" y="1845720"/>
-            <a:ext cx="4908240" cy="4023000"/>
+            <a:off x="6231960" y="1604520"/>
+            <a:ext cx="5354280" cy="3977280"/>
           </a:xfrm>
           <a:prstGeom prst="rect">
             <a:avLst/>
@@ -1116,18 +1052,15 @@
             <a:normAutofit/>
           </a:bodyPr>
           <a:p>
-            <a:endParaRPr b="0" lang="en-US" sz="2000" spc="-1" strike="noStrike">
-              <a:solidFill>
-                <a:srgbClr val="404040"/>
-              </a:solidFill>
-              <a:latin typeface="Calibri"/>
-            </a:endParaRPr>
-          </a:p>
-        </p:txBody>
-      </p:sp>
-      <p:sp>
-        <p:nvSpPr>
-          <p:cNvPr id="67" name="PlaceHolder 4"/>
+            <a:endParaRPr b="0" lang="en-US" sz="3200" spc="-1" strike="noStrike">
+              <a:latin typeface="Arial"/>
+            </a:endParaRPr>
+          </a:p>
+        </p:txBody>
+      </p:sp>
+      <p:sp>
+        <p:nvSpPr>
+          <p:cNvPr id="61" name="PlaceHolder 4"/>
           <p:cNvSpPr>
             <a:spLocks noGrp="1"/>
           </p:cNvSpPr>
@@ -1137,8 +1070,8 @@
         </p:nvSpPr>
         <p:spPr>
           <a:xfrm>
-            <a:off x="1097280" y="3947040"/>
-            <a:ext cx="4908240" cy="1918800"/>
+            <a:off x="609480" y="3682080"/>
+            <a:ext cx="5354280" cy="1896840"/>
           </a:xfrm>
           <a:prstGeom prst="rect">
             <a:avLst/>
@@ -1149,11 +1082,8 @@
             <a:normAutofit/>
           </a:bodyPr>
           <a:p>
-            <a:endParaRPr b="0" lang="en-US" sz="2000" spc="-1" strike="noStrike">
-              <a:solidFill>
-                <a:srgbClr val="404040"/>
-              </a:solidFill>
-              <a:latin typeface="Calibri"/>
+            <a:endParaRPr b="0" lang="en-US" sz="3200" spc="-1" strike="noStrike">
+              <a:latin typeface="Arial"/>
             </a:endParaRPr>
           </a:p>
         </p:txBody>
@@ -1182,7 +1112,7 @@
       </p:grpSpPr>
       <p:sp>
         <p:nvSpPr>
-          <p:cNvPr id="11" name="PlaceHolder 1"/>
+          <p:cNvPr id="8" name="PlaceHolder 1"/>
           <p:cNvSpPr>
             <a:spLocks noGrp="1"/>
           </p:cNvSpPr>
@@ -1192,8 +1122,8 @@
         </p:nvSpPr>
         <p:spPr>
           <a:xfrm>
-            <a:off x="1097280" y="286560"/>
-            <a:ext cx="10058040" cy="1450440"/>
+            <a:off x="609480" y="273600"/>
+            <a:ext cx="10972440" cy="1144800"/>
           </a:xfrm>
           <a:prstGeom prst="rect">
             <a:avLst/>
@@ -1202,18 +1132,16 @@
         <p:txBody>
           <a:bodyPr lIns="0" rIns="0" tIns="0" bIns="0" anchor="ctr"/>
           <a:p>
-            <a:endParaRPr b="0" lang="en-US" sz="1800" spc="-1" strike="noStrike">
-              <a:solidFill>
-                <a:srgbClr val="000000"/>
-              </a:solidFill>
-              <a:latin typeface="Calibri"/>
-            </a:endParaRPr>
-          </a:p>
-        </p:txBody>
-      </p:sp>
-      <p:sp>
-        <p:nvSpPr>
-          <p:cNvPr id="12" name="PlaceHolder 2"/>
+            <a:pPr algn="ctr"/>
+            <a:endParaRPr b="0" lang="en-US" sz="4400" spc="-1" strike="noStrike">
+              <a:latin typeface="Arial"/>
+            </a:endParaRPr>
+          </a:p>
+        </p:txBody>
+      </p:sp>
+      <p:sp>
+        <p:nvSpPr>
+          <p:cNvPr id="9" name="PlaceHolder 2"/>
           <p:cNvSpPr>
             <a:spLocks noGrp="1"/>
           </p:cNvSpPr>
@@ -1223,8 +1151,8 @@
         </p:nvSpPr>
         <p:spPr>
           <a:xfrm>
-            <a:off x="1097280" y="1845720"/>
-            <a:ext cx="10058040" cy="4023000"/>
+            <a:off x="609480" y="1604520"/>
+            <a:ext cx="10972440" cy="3977280"/>
           </a:xfrm>
           <a:prstGeom prst="rect">
             <a:avLst/>
@@ -1264,7 +1192,7 @@
       </p:grpSpPr>
       <p:sp>
         <p:nvSpPr>
-          <p:cNvPr id="68" name="PlaceHolder 1"/>
+          <p:cNvPr id="62" name="PlaceHolder 1"/>
           <p:cNvSpPr>
             <a:spLocks noGrp="1"/>
           </p:cNvSpPr>
@@ -1274,8 +1202,8 @@
         </p:nvSpPr>
         <p:spPr>
           <a:xfrm>
-            <a:off x="1097280" y="286560"/>
-            <a:ext cx="10058040" cy="1450440"/>
+            <a:off x="609480" y="273600"/>
+            <a:ext cx="10972440" cy="1144800"/>
           </a:xfrm>
           <a:prstGeom prst="rect">
             <a:avLst/>
@@ -1284,18 +1212,16 @@
         <p:txBody>
           <a:bodyPr lIns="0" rIns="0" tIns="0" bIns="0" anchor="ctr"/>
           <a:p>
-            <a:endParaRPr b="0" lang="en-US" sz="1800" spc="-1" strike="noStrike">
-              <a:solidFill>
-                <a:srgbClr val="000000"/>
-              </a:solidFill>
-              <a:latin typeface="Calibri"/>
-            </a:endParaRPr>
-          </a:p>
-        </p:txBody>
-      </p:sp>
-      <p:sp>
-        <p:nvSpPr>
-          <p:cNvPr id="69" name="PlaceHolder 2"/>
+            <a:pPr algn="ctr"/>
+            <a:endParaRPr b="0" lang="en-US" sz="4400" spc="-1" strike="noStrike">
+              <a:latin typeface="Arial"/>
+            </a:endParaRPr>
+          </a:p>
+        </p:txBody>
+      </p:sp>
+      <p:sp>
+        <p:nvSpPr>
+          <p:cNvPr id="63" name="PlaceHolder 2"/>
           <p:cNvSpPr>
             <a:spLocks noGrp="1"/>
           </p:cNvSpPr>
@@ -1305,8 +1231,8 @@
         </p:nvSpPr>
         <p:spPr>
           <a:xfrm>
-            <a:off x="1097280" y="1845720"/>
-            <a:ext cx="4908240" cy="4023000"/>
+            <a:off x="609480" y="1604520"/>
+            <a:ext cx="5354280" cy="3977280"/>
           </a:xfrm>
           <a:prstGeom prst="rect">
             <a:avLst/>
@@ -1317,18 +1243,15 @@
             <a:normAutofit/>
           </a:bodyPr>
           <a:p>
-            <a:endParaRPr b="0" lang="en-US" sz="2000" spc="-1" strike="noStrike">
-              <a:solidFill>
-                <a:srgbClr val="404040"/>
-              </a:solidFill>
-              <a:latin typeface="Calibri"/>
-            </a:endParaRPr>
-          </a:p>
-        </p:txBody>
-      </p:sp>
-      <p:sp>
-        <p:nvSpPr>
-          <p:cNvPr id="70" name="PlaceHolder 3"/>
+            <a:endParaRPr b="0" lang="en-US" sz="3200" spc="-1" strike="noStrike">
+              <a:latin typeface="Arial"/>
+            </a:endParaRPr>
+          </a:p>
+        </p:txBody>
+      </p:sp>
+      <p:sp>
+        <p:nvSpPr>
+          <p:cNvPr id="64" name="PlaceHolder 3"/>
           <p:cNvSpPr>
             <a:spLocks noGrp="1"/>
           </p:cNvSpPr>
@@ -1338,8 +1261,8 @@
         </p:nvSpPr>
         <p:spPr>
           <a:xfrm>
-            <a:off x="6251400" y="1845720"/>
-            <a:ext cx="4908240" cy="1918800"/>
+            <a:off x="6231960" y="1604520"/>
+            <a:ext cx="5354280" cy="1896840"/>
           </a:xfrm>
           <a:prstGeom prst="rect">
             <a:avLst/>
@@ -1350,18 +1273,15 @@
             <a:normAutofit/>
           </a:bodyPr>
           <a:p>
-            <a:endParaRPr b="0" lang="en-US" sz="2000" spc="-1" strike="noStrike">
-              <a:solidFill>
-                <a:srgbClr val="404040"/>
-              </a:solidFill>
-              <a:latin typeface="Calibri"/>
-            </a:endParaRPr>
-          </a:p>
-        </p:txBody>
-      </p:sp>
-      <p:sp>
-        <p:nvSpPr>
-          <p:cNvPr id="71" name="PlaceHolder 4"/>
+            <a:endParaRPr b="0" lang="en-US" sz="3200" spc="-1" strike="noStrike">
+              <a:latin typeface="Arial"/>
+            </a:endParaRPr>
+          </a:p>
+        </p:txBody>
+      </p:sp>
+      <p:sp>
+        <p:nvSpPr>
+          <p:cNvPr id="65" name="PlaceHolder 4"/>
           <p:cNvSpPr>
             <a:spLocks noGrp="1"/>
           </p:cNvSpPr>
@@ -1371,8 +1291,8 @@
         </p:nvSpPr>
         <p:spPr>
           <a:xfrm>
-            <a:off x="6251400" y="3947040"/>
-            <a:ext cx="4908240" cy="1918800"/>
+            <a:off x="6231960" y="3682080"/>
+            <a:ext cx="5354280" cy="1896840"/>
           </a:xfrm>
           <a:prstGeom prst="rect">
             <a:avLst/>
@@ -1383,11 +1303,8 @@
             <a:normAutofit/>
           </a:bodyPr>
           <a:p>
-            <a:endParaRPr b="0" lang="en-US" sz="2000" spc="-1" strike="noStrike">
-              <a:solidFill>
-                <a:srgbClr val="404040"/>
-              </a:solidFill>
-              <a:latin typeface="Calibri"/>
+            <a:endParaRPr b="0" lang="en-US" sz="3200" spc="-1" strike="noStrike">
+              <a:latin typeface="Arial"/>
             </a:endParaRPr>
           </a:p>
         </p:txBody>
@@ -1416,7 +1333,7 @@
       </p:grpSpPr>
       <p:sp>
         <p:nvSpPr>
-          <p:cNvPr id="72" name="PlaceHolder 1"/>
+          <p:cNvPr id="66" name="PlaceHolder 1"/>
           <p:cNvSpPr>
             <a:spLocks noGrp="1"/>
           </p:cNvSpPr>
@@ -1426,8 +1343,8 @@
         </p:nvSpPr>
         <p:spPr>
           <a:xfrm>
-            <a:off x="1097280" y="286560"/>
-            <a:ext cx="10058040" cy="1450440"/>
+            <a:off x="609480" y="273600"/>
+            <a:ext cx="10972440" cy="1144800"/>
           </a:xfrm>
           <a:prstGeom prst="rect">
             <a:avLst/>
@@ -1436,18 +1353,16 @@
         <p:txBody>
           <a:bodyPr lIns="0" rIns="0" tIns="0" bIns="0" anchor="ctr"/>
           <a:p>
-            <a:endParaRPr b="0" lang="en-US" sz="1800" spc="-1" strike="noStrike">
-              <a:solidFill>
-                <a:srgbClr val="000000"/>
-              </a:solidFill>
-              <a:latin typeface="Calibri"/>
-            </a:endParaRPr>
-          </a:p>
-        </p:txBody>
-      </p:sp>
-      <p:sp>
-        <p:nvSpPr>
-          <p:cNvPr id="73" name="PlaceHolder 2"/>
+            <a:pPr algn="ctr"/>
+            <a:endParaRPr b="0" lang="en-US" sz="4400" spc="-1" strike="noStrike">
+              <a:latin typeface="Arial"/>
+            </a:endParaRPr>
+          </a:p>
+        </p:txBody>
+      </p:sp>
+      <p:sp>
+        <p:nvSpPr>
+          <p:cNvPr id="67" name="PlaceHolder 2"/>
           <p:cNvSpPr>
             <a:spLocks noGrp="1"/>
           </p:cNvSpPr>
@@ -1457,8 +1372,8 @@
         </p:nvSpPr>
         <p:spPr>
           <a:xfrm>
-            <a:off x="1097280" y="1845720"/>
-            <a:ext cx="4908240" cy="1918800"/>
+            <a:off x="609480" y="1604520"/>
+            <a:ext cx="5354280" cy="1896840"/>
           </a:xfrm>
           <a:prstGeom prst="rect">
             <a:avLst/>
@@ -1469,18 +1384,15 @@
             <a:normAutofit/>
           </a:bodyPr>
           <a:p>
-            <a:endParaRPr b="0" lang="en-US" sz="2000" spc="-1" strike="noStrike">
-              <a:solidFill>
-                <a:srgbClr val="404040"/>
-              </a:solidFill>
-              <a:latin typeface="Calibri"/>
-            </a:endParaRPr>
-          </a:p>
-        </p:txBody>
-      </p:sp>
-      <p:sp>
-        <p:nvSpPr>
-          <p:cNvPr id="74" name="PlaceHolder 3"/>
+            <a:endParaRPr b="0" lang="en-US" sz="3200" spc="-1" strike="noStrike">
+              <a:latin typeface="Arial"/>
+            </a:endParaRPr>
+          </a:p>
+        </p:txBody>
+      </p:sp>
+      <p:sp>
+        <p:nvSpPr>
+          <p:cNvPr id="68" name="PlaceHolder 3"/>
           <p:cNvSpPr>
             <a:spLocks noGrp="1"/>
           </p:cNvSpPr>
@@ -1490,8 +1402,8 @@
         </p:nvSpPr>
         <p:spPr>
           <a:xfrm>
-            <a:off x="6251400" y="1845720"/>
-            <a:ext cx="4908240" cy="1918800"/>
+            <a:off x="6231960" y="1604520"/>
+            <a:ext cx="5354280" cy="1896840"/>
           </a:xfrm>
           <a:prstGeom prst="rect">
             <a:avLst/>
@@ -1502,18 +1414,15 @@
             <a:normAutofit/>
           </a:bodyPr>
           <a:p>
-            <a:endParaRPr b="0" lang="en-US" sz="2000" spc="-1" strike="noStrike">
-              <a:solidFill>
-                <a:srgbClr val="404040"/>
-              </a:solidFill>
-              <a:latin typeface="Calibri"/>
-            </a:endParaRPr>
-          </a:p>
-        </p:txBody>
-      </p:sp>
-      <p:sp>
-        <p:nvSpPr>
-          <p:cNvPr id="75" name="PlaceHolder 4"/>
+            <a:endParaRPr b="0" lang="en-US" sz="3200" spc="-1" strike="noStrike">
+              <a:latin typeface="Arial"/>
+            </a:endParaRPr>
+          </a:p>
+        </p:txBody>
+      </p:sp>
+      <p:sp>
+        <p:nvSpPr>
+          <p:cNvPr id="69" name="PlaceHolder 4"/>
           <p:cNvSpPr>
             <a:spLocks noGrp="1"/>
           </p:cNvSpPr>
@@ -1523,8 +1432,8 @@
         </p:nvSpPr>
         <p:spPr>
           <a:xfrm>
-            <a:off x="1097280" y="3947040"/>
-            <a:ext cx="10058040" cy="1918800"/>
+            <a:off x="609480" y="3682080"/>
+            <a:ext cx="10972440" cy="1896840"/>
           </a:xfrm>
           <a:prstGeom prst="rect">
             <a:avLst/>
@@ -1535,11 +1444,8 @@
             <a:normAutofit/>
           </a:bodyPr>
           <a:p>
-            <a:endParaRPr b="0" lang="en-US" sz="2000" spc="-1" strike="noStrike">
-              <a:solidFill>
-                <a:srgbClr val="404040"/>
-              </a:solidFill>
-              <a:latin typeface="Calibri"/>
+            <a:endParaRPr b="0" lang="en-US" sz="3200" spc="-1" strike="noStrike">
+              <a:latin typeface="Arial"/>
             </a:endParaRPr>
           </a:p>
         </p:txBody>
@@ -1568,7 +1474,7 @@
       </p:grpSpPr>
       <p:sp>
         <p:nvSpPr>
-          <p:cNvPr id="76" name="PlaceHolder 1"/>
+          <p:cNvPr id="70" name="PlaceHolder 1"/>
           <p:cNvSpPr>
             <a:spLocks noGrp="1"/>
           </p:cNvSpPr>
@@ -1578,8 +1484,8 @@
         </p:nvSpPr>
         <p:spPr>
           <a:xfrm>
-            <a:off x="1097280" y="286560"/>
-            <a:ext cx="10058040" cy="1450440"/>
+            <a:off x="609480" y="273600"/>
+            <a:ext cx="10972440" cy="1144800"/>
           </a:xfrm>
           <a:prstGeom prst="rect">
             <a:avLst/>
@@ -1588,18 +1494,16 @@
         <p:txBody>
           <a:bodyPr lIns="0" rIns="0" tIns="0" bIns="0" anchor="ctr"/>
           <a:p>
-            <a:endParaRPr b="0" lang="en-US" sz="1800" spc="-1" strike="noStrike">
-              <a:solidFill>
-                <a:srgbClr val="000000"/>
-              </a:solidFill>
-              <a:latin typeface="Calibri"/>
-            </a:endParaRPr>
-          </a:p>
-        </p:txBody>
-      </p:sp>
-      <p:sp>
-        <p:nvSpPr>
-          <p:cNvPr id="77" name="PlaceHolder 2"/>
+            <a:pPr algn="ctr"/>
+            <a:endParaRPr b="0" lang="en-US" sz="4400" spc="-1" strike="noStrike">
+              <a:latin typeface="Arial"/>
+            </a:endParaRPr>
+          </a:p>
+        </p:txBody>
+      </p:sp>
+      <p:sp>
+        <p:nvSpPr>
+          <p:cNvPr id="71" name="PlaceHolder 2"/>
           <p:cNvSpPr>
             <a:spLocks noGrp="1"/>
           </p:cNvSpPr>
@@ -1609,8 +1513,8 @@
         </p:nvSpPr>
         <p:spPr>
           <a:xfrm>
-            <a:off x="1097280" y="1845720"/>
-            <a:ext cx="10058040" cy="1918800"/>
+            <a:off x="609480" y="1604520"/>
+            <a:ext cx="10972440" cy="1896840"/>
           </a:xfrm>
           <a:prstGeom prst="rect">
             <a:avLst/>
@@ -1621,18 +1525,15 @@
             <a:normAutofit/>
           </a:bodyPr>
           <a:p>
-            <a:endParaRPr b="0" lang="en-US" sz="2000" spc="-1" strike="noStrike">
-              <a:solidFill>
-                <a:srgbClr val="404040"/>
-              </a:solidFill>
-              <a:latin typeface="Calibri"/>
-            </a:endParaRPr>
-          </a:p>
-        </p:txBody>
-      </p:sp>
-      <p:sp>
-        <p:nvSpPr>
-          <p:cNvPr id="78" name="PlaceHolder 3"/>
+            <a:endParaRPr b="0" lang="en-US" sz="3200" spc="-1" strike="noStrike">
+              <a:latin typeface="Arial"/>
+            </a:endParaRPr>
+          </a:p>
+        </p:txBody>
+      </p:sp>
+      <p:sp>
+        <p:nvSpPr>
+          <p:cNvPr id="72" name="PlaceHolder 3"/>
           <p:cNvSpPr>
             <a:spLocks noGrp="1"/>
           </p:cNvSpPr>
@@ -1642,8 +1543,8 @@
         </p:nvSpPr>
         <p:spPr>
           <a:xfrm>
-            <a:off x="1097280" y="3947040"/>
-            <a:ext cx="10058040" cy="1918800"/>
+            <a:off x="609480" y="3682080"/>
+            <a:ext cx="10972440" cy="1896840"/>
           </a:xfrm>
           <a:prstGeom prst="rect">
             <a:avLst/>
@@ -1654,11 +1555,8 @@
             <a:normAutofit/>
           </a:bodyPr>
           <a:p>
-            <a:endParaRPr b="0" lang="en-US" sz="2000" spc="-1" strike="noStrike">
-              <a:solidFill>
-                <a:srgbClr val="404040"/>
-              </a:solidFill>
-              <a:latin typeface="Calibri"/>
+            <a:endParaRPr b="0" lang="en-US" sz="3200" spc="-1" strike="noStrike">
+              <a:latin typeface="Arial"/>
             </a:endParaRPr>
           </a:p>
         </p:txBody>
@@ -1687,7 +1585,7 @@
       </p:grpSpPr>
       <p:sp>
         <p:nvSpPr>
-          <p:cNvPr id="79" name="PlaceHolder 1"/>
+          <p:cNvPr id="73" name="PlaceHolder 1"/>
           <p:cNvSpPr>
             <a:spLocks noGrp="1"/>
           </p:cNvSpPr>
@@ -1697,8 +1595,8 @@
         </p:nvSpPr>
         <p:spPr>
           <a:xfrm>
-            <a:off x="1097280" y="286560"/>
-            <a:ext cx="10058040" cy="1450440"/>
+            <a:off x="609480" y="273600"/>
+            <a:ext cx="10972440" cy="1144800"/>
           </a:xfrm>
           <a:prstGeom prst="rect">
             <a:avLst/>
@@ -1707,18 +1605,16 @@
         <p:txBody>
           <a:bodyPr lIns="0" rIns="0" tIns="0" bIns="0" anchor="ctr"/>
           <a:p>
-            <a:endParaRPr b="0" lang="en-US" sz="1800" spc="-1" strike="noStrike">
-              <a:solidFill>
-                <a:srgbClr val="000000"/>
-              </a:solidFill>
-              <a:latin typeface="Calibri"/>
-            </a:endParaRPr>
-          </a:p>
-        </p:txBody>
-      </p:sp>
-      <p:sp>
-        <p:nvSpPr>
-          <p:cNvPr id="80" name="PlaceHolder 2"/>
+            <a:pPr algn="ctr"/>
+            <a:endParaRPr b="0" lang="en-US" sz="4400" spc="-1" strike="noStrike">
+              <a:latin typeface="Arial"/>
+            </a:endParaRPr>
+          </a:p>
+        </p:txBody>
+      </p:sp>
+      <p:sp>
+        <p:nvSpPr>
+          <p:cNvPr id="74" name="PlaceHolder 2"/>
           <p:cNvSpPr>
             <a:spLocks noGrp="1"/>
           </p:cNvSpPr>
@@ -1728,8 +1624,8 @@
         </p:nvSpPr>
         <p:spPr>
           <a:xfrm>
-            <a:off x="1097280" y="1845720"/>
-            <a:ext cx="4908240" cy="1918800"/>
+            <a:off x="609480" y="1604520"/>
+            <a:ext cx="5354280" cy="1896840"/>
           </a:xfrm>
           <a:prstGeom prst="rect">
             <a:avLst/>
@@ -1740,18 +1636,15 @@
             <a:normAutofit/>
           </a:bodyPr>
           <a:p>
-            <a:endParaRPr b="0" lang="en-US" sz="2000" spc="-1" strike="noStrike">
-              <a:solidFill>
-                <a:srgbClr val="404040"/>
-              </a:solidFill>
-              <a:latin typeface="Calibri"/>
-            </a:endParaRPr>
-          </a:p>
-        </p:txBody>
-      </p:sp>
-      <p:sp>
-        <p:nvSpPr>
-          <p:cNvPr id="81" name="PlaceHolder 3"/>
+            <a:endParaRPr b="0" lang="en-US" sz="3200" spc="-1" strike="noStrike">
+              <a:latin typeface="Arial"/>
+            </a:endParaRPr>
+          </a:p>
+        </p:txBody>
+      </p:sp>
+      <p:sp>
+        <p:nvSpPr>
+          <p:cNvPr id="75" name="PlaceHolder 3"/>
           <p:cNvSpPr>
             <a:spLocks noGrp="1"/>
           </p:cNvSpPr>
@@ -1761,8 +1654,8 @@
         </p:nvSpPr>
         <p:spPr>
           <a:xfrm>
-            <a:off x="6251400" y="1845720"/>
-            <a:ext cx="4908240" cy="1918800"/>
+            <a:off x="6231960" y="1604520"/>
+            <a:ext cx="5354280" cy="1896840"/>
           </a:xfrm>
           <a:prstGeom prst="rect">
             <a:avLst/>
@@ -1773,18 +1666,15 @@
             <a:normAutofit/>
           </a:bodyPr>
           <a:p>
-            <a:endParaRPr b="0" lang="en-US" sz="2000" spc="-1" strike="noStrike">
-              <a:solidFill>
-                <a:srgbClr val="404040"/>
-              </a:solidFill>
-              <a:latin typeface="Calibri"/>
-            </a:endParaRPr>
-          </a:p>
-        </p:txBody>
-      </p:sp>
-      <p:sp>
-        <p:nvSpPr>
-          <p:cNvPr id="82" name="PlaceHolder 4"/>
+            <a:endParaRPr b="0" lang="en-US" sz="3200" spc="-1" strike="noStrike">
+              <a:latin typeface="Arial"/>
+            </a:endParaRPr>
+          </a:p>
+        </p:txBody>
+      </p:sp>
+      <p:sp>
+        <p:nvSpPr>
+          <p:cNvPr id="76" name="PlaceHolder 4"/>
           <p:cNvSpPr>
             <a:spLocks noGrp="1"/>
           </p:cNvSpPr>
@@ -1794,8 +1684,8 @@
         </p:nvSpPr>
         <p:spPr>
           <a:xfrm>
-            <a:off x="1097280" y="3947040"/>
-            <a:ext cx="4908240" cy="1918800"/>
+            <a:off x="609480" y="3682080"/>
+            <a:ext cx="5354280" cy="1896840"/>
           </a:xfrm>
           <a:prstGeom prst="rect">
             <a:avLst/>
@@ -1806,18 +1696,15 @@
             <a:normAutofit/>
           </a:bodyPr>
           <a:p>
-            <a:endParaRPr b="0" lang="en-US" sz="2000" spc="-1" strike="noStrike">
-              <a:solidFill>
-                <a:srgbClr val="404040"/>
-              </a:solidFill>
-              <a:latin typeface="Calibri"/>
-            </a:endParaRPr>
-          </a:p>
-        </p:txBody>
-      </p:sp>
-      <p:sp>
-        <p:nvSpPr>
-          <p:cNvPr id="83" name="PlaceHolder 5"/>
+            <a:endParaRPr b="0" lang="en-US" sz="3200" spc="-1" strike="noStrike">
+              <a:latin typeface="Arial"/>
+            </a:endParaRPr>
+          </a:p>
+        </p:txBody>
+      </p:sp>
+      <p:sp>
+        <p:nvSpPr>
+          <p:cNvPr id="77" name="PlaceHolder 5"/>
           <p:cNvSpPr>
             <a:spLocks noGrp="1"/>
           </p:cNvSpPr>
@@ -1827,8 +1714,8 @@
         </p:nvSpPr>
         <p:spPr>
           <a:xfrm>
-            <a:off x="6251400" y="3947040"/>
-            <a:ext cx="4908240" cy="1918800"/>
+            <a:off x="6231960" y="3682080"/>
+            <a:ext cx="5354280" cy="1896840"/>
           </a:xfrm>
           <a:prstGeom prst="rect">
             <a:avLst/>
@@ -1839,11 +1726,8 @@
             <a:normAutofit/>
           </a:bodyPr>
           <a:p>
-            <a:endParaRPr b="0" lang="en-US" sz="2000" spc="-1" strike="noStrike">
-              <a:solidFill>
-                <a:srgbClr val="404040"/>
-              </a:solidFill>
-              <a:latin typeface="Calibri"/>
+            <a:endParaRPr b="0" lang="en-US" sz="3200" spc="-1" strike="noStrike">
+              <a:latin typeface="Arial"/>
             </a:endParaRPr>
           </a:p>
         </p:txBody>
@@ -1872,7 +1756,7 @@
       </p:grpSpPr>
       <p:sp>
         <p:nvSpPr>
-          <p:cNvPr id="84" name="PlaceHolder 1"/>
+          <p:cNvPr id="78" name="PlaceHolder 1"/>
           <p:cNvSpPr>
             <a:spLocks noGrp="1"/>
           </p:cNvSpPr>
@@ -1882,8 +1766,8 @@
         </p:nvSpPr>
         <p:spPr>
           <a:xfrm>
-            <a:off x="1097280" y="286560"/>
-            <a:ext cx="10058040" cy="1450440"/>
+            <a:off x="609480" y="273600"/>
+            <a:ext cx="10972440" cy="1144800"/>
           </a:xfrm>
           <a:prstGeom prst="rect">
             <a:avLst/>
@@ -1892,18 +1776,16 @@
         <p:txBody>
           <a:bodyPr lIns="0" rIns="0" tIns="0" bIns="0" anchor="ctr"/>
           <a:p>
-            <a:endParaRPr b="0" lang="en-US" sz="1800" spc="-1" strike="noStrike">
-              <a:solidFill>
-                <a:srgbClr val="000000"/>
-              </a:solidFill>
-              <a:latin typeface="Calibri"/>
-            </a:endParaRPr>
-          </a:p>
-        </p:txBody>
-      </p:sp>
-      <p:sp>
-        <p:nvSpPr>
-          <p:cNvPr id="85" name="PlaceHolder 2"/>
+            <a:pPr algn="ctr"/>
+            <a:endParaRPr b="0" lang="en-US" sz="4400" spc="-1" strike="noStrike">
+              <a:latin typeface="Arial"/>
+            </a:endParaRPr>
+          </a:p>
+        </p:txBody>
+      </p:sp>
+      <p:sp>
+        <p:nvSpPr>
+          <p:cNvPr id="79" name="PlaceHolder 2"/>
           <p:cNvSpPr>
             <a:spLocks noGrp="1"/>
           </p:cNvSpPr>
@@ -1913,8 +1795,8 @@
         </p:nvSpPr>
         <p:spPr>
           <a:xfrm>
-            <a:off x="1097280" y="1845720"/>
-            <a:ext cx="3238560" cy="1918800"/>
+            <a:off x="609480" y="1604520"/>
+            <a:ext cx="3533040" cy="1896840"/>
           </a:xfrm>
           <a:prstGeom prst="rect">
             <a:avLst/>
@@ -1925,18 +1807,15 @@
             <a:normAutofit/>
           </a:bodyPr>
           <a:p>
-            <a:endParaRPr b="0" lang="en-US" sz="2000" spc="-1" strike="noStrike">
-              <a:solidFill>
-                <a:srgbClr val="404040"/>
-              </a:solidFill>
-              <a:latin typeface="Calibri"/>
-            </a:endParaRPr>
-          </a:p>
-        </p:txBody>
-      </p:sp>
-      <p:sp>
-        <p:nvSpPr>
-          <p:cNvPr id="86" name="PlaceHolder 3"/>
+            <a:endParaRPr b="0" lang="en-US" sz="3200" spc="-1" strike="noStrike">
+              <a:latin typeface="Arial"/>
+            </a:endParaRPr>
+          </a:p>
+        </p:txBody>
+      </p:sp>
+      <p:sp>
+        <p:nvSpPr>
+          <p:cNvPr id="80" name="PlaceHolder 3"/>
           <p:cNvSpPr>
             <a:spLocks noGrp="1"/>
           </p:cNvSpPr>
@@ -1946,8 +1825,8 @@
         </p:nvSpPr>
         <p:spPr>
           <a:xfrm>
-            <a:off x="4498200" y="1845720"/>
-            <a:ext cx="3238560" cy="1918800"/>
+            <a:off x="4319640" y="1604520"/>
+            <a:ext cx="3533040" cy="1896840"/>
           </a:xfrm>
           <a:prstGeom prst="rect">
             <a:avLst/>
@@ -1958,18 +1837,15 @@
             <a:normAutofit/>
           </a:bodyPr>
           <a:p>
-            <a:endParaRPr b="0" lang="en-US" sz="2000" spc="-1" strike="noStrike">
-              <a:solidFill>
-                <a:srgbClr val="404040"/>
-              </a:solidFill>
-              <a:latin typeface="Calibri"/>
-            </a:endParaRPr>
-          </a:p>
-        </p:txBody>
-      </p:sp>
-      <p:sp>
-        <p:nvSpPr>
-          <p:cNvPr id="87" name="PlaceHolder 4"/>
+            <a:endParaRPr b="0" lang="en-US" sz="3200" spc="-1" strike="noStrike">
+              <a:latin typeface="Arial"/>
+            </a:endParaRPr>
+          </a:p>
+        </p:txBody>
+      </p:sp>
+      <p:sp>
+        <p:nvSpPr>
+          <p:cNvPr id="81" name="PlaceHolder 4"/>
           <p:cNvSpPr>
             <a:spLocks noGrp="1"/>
           </p:cNvSpPr>
@@ -1979,8 +1855,8 @@
         </p:nvSpPr>
         <p:spPr>
           <a:xfrm>
-            <a:off x="7899120" y="1845720"/>
-            <a:ext cx="3238560" cy="1918800"/>
+            <a:off x="8029800" y="1604520"/>
+            <a:ext cx="3533040" cy="1896840"/>
           </a:xfrm>
           <a:prstGeom prst="rect">
             <a:avLst/>
@@ -1991,18 +1867,15 @@
             <a:normAutofit/>
           </a:bodyPr>
           <a:p>
-            <a:endParaRPr b="0" lang="en-US" sz="2000" spc="-1" strike="noStrike">
-              <a:solidFill>
-                <a:srgbClr val="404040"/>
-              </a:solidFill>
-              <a:latin typeface="Calibri"/>
-            </a:endParaRPr>
-          </a:p>
-        </p:txBody>
-      </p:sp>
-      <p:sp>
-        <p:nvSpPr>
-          <p:cNvPr id="88" name="PlaceHolder 5"/>
+            <a:endParaRPr b="0" lang="en-US" sz="3200" spc="-1" strike="noStrike">
+              <a:latin typeface="Arial"/>
+            </a:endParaRPr>
+          </a:p>
+        </p:txBody>
+      </p:sp>
+      <p:sp>
+        <p:nvSpPr>
+          <p:cNvPr id="82" name="PlaceHolder 5"/>
           <p:cNvSpPr>
             <a:spLocks noGrp="1"/>
           </p:cNvSpPr>
@@ -2012,8 +1885,8 @@
         </p:nvSpPr>
         <p:spPr>
           <a:xfrm>
-            <a:off x="1097280" y="3947040"/>
-            <a:ext cx="3238560" cy="1918800"/>
+            <a:off x="609480" y="3682080"/>
+            <a:ext cx="3533040" cy="1896840"/>
           </a:xfrm>
           <a:prstGeom prst="rect">
             <a:avLst/>
@@ -2024,18 +1897,15 @@
             <a:normAutofit/>
           </a:bodyPr>
           <a:p>
-            <a:endParaRPr b="0" lang="en-US" sz="2000" spc="-1" strike="noStrike">
-              <a:solidFill>
-                <a:srgbClr val="404040"/>
-              </a:solidFill>
-              <a:latin typeface="Calibri"/>
-            </a:endParaRPr>
-          </a:p>
-        </p:txBody>
-      </p:sp>
-      <p:sp>
-        <p:nvSpPr>
-          <p:cNvPr id="89" name="PlaceHolder 6"/>
+            <a:endParaRPr b="0" lang="en-US" sz="3200" spc="-1" strike="noStrike">
+              <a:latin typeface="Arial"/>
+            </a:endParaRPr>
+          </a:p>
+        </p:txBody>
+      </p:sp>
+      <p:sp>
+        <p:nvSpPr>
+          <p:cNvPr id="83" name="PlaceHolder 6"/>
           <p:cNvSpPr>
             <a:spLocks noGrp="1"/>
           </p:cNvSpPr>
@@ -2045,8 +1915,8 @@
         </p:nvSpPr>
         <p:spPr>
           <a:xfrm>
-            <a:off x="4498200" y="3947040"/>
-            <a:ext cx="3238560" cy="1918800"/>
+            <a:off x="4319640" y="3682080"/>
+            <a:ext cx="3533040" cy="1896840"/>
           </a:xfrm>
           <a:prstGeom prst="rect">
             <a:avLst/>
@@ -2057,18 +1927,15 @@
             <a:normAutofit/>
           </a:bodyPr>
           <a:p>
-            <a:endParaRPr b="0" lang="en-US" sz="2000" spc="-1" strike="noStrike">
-              <a:solidFill>
-                <a:srgbClr val="404040"/>
-              </a:solidFill>
-              <a:latin typeface="Calibri"/>
-            </a:endParaRPr>
-          </a:p>
-        </p:txBody>
-      </p:sp>
-      <p:sp>
-        <p:nvSpPr>
-          <p:cNvPr id="90" name="PlaceHolder 7"/>
+            <a:endParaRPr b="0" lang="en-US" sz="3200" spc="-1" strike="noStrike">
+              <a:latin typeface="Arial"/>
+            </a:endParaRPr>
+          </a:p>
+        </p:txBody>
+      </p:sp>
+      <p:sp>
+        <p:nvSpPr>
+          <p:cNvPr id="84" name="PlaceHolder 7"/>
           <p:cNvSpPr>
             <a:spLocks noGrp="1"/>
           </p:cNvSpPr>
@@ -2078,8 +1945,8 @@
         </p:nvSpPr>
         <p:spPr>
           <a:xfrm>
-            <a:off x="7899120" y="3947040"/>
-            <a:ext cx="3238560" cy="1918800"/>
+            <a:off x="8029800" y="3682080"/>
+            <a:ext cx="3533040" cy="1896840"/>
           </a:xfrm>
           <a:prstGeom prst="rect">
             <a:avLst/>
@@ -2090,11 +1957,8 @@
             <a:normAutofit/>
           </a:bodyPr>
           <a:p>
-            <a:endParaRPr b="0" lang="en-US" sz="2000" spc="-1" strike="noStrike">
-              <a:solidFill>
-                <a:srgbClr val="404040"/>
-              </a:solidFill>
-              <a:latin typeface="Calibri"/>
+            <a:endParaRPr b="0" lang="en-US" sz="3200" spc="-1" strike="noStrike">
+              <a:latin typeface="Arial"/>
             </a:endParaRPr>
           </a:p>
         </p:txBody>
@@ -2145,7 +2009,7 @@
       </p:grpSpPr>
       <p:sp>
         <p:nvSpPr>
-          <p:cNvPr id="99" name="PlaceHolder 1"/>
+          <p:cNvPr id="90" name="PlaceHolder 1"/>
           <p:cNvSpPr>
             <a:spLocks noGrp="1"/>
           </p:cNvSpPr>
@@ -2155,8 +2019,8 @@
         </p:nvSpPr>
         <p:spPr>
           <a:xfrm>
-            <a:off x="1097280" y="286560"/>
-            <a:ext cx="10058040" cy="1450440"/>
+            <a:off x="609480" y="273600"/>
+            <a:ext cx="10972440" cy="1144800"/>
           </a:xfrm>
           <a:prstGeom prst="rect">
             <a:avLst/>
@@ -2165,18 +2029,16 @@
         <p:txBody>
           <a:bodyPr lIns="0" rIns="0" tIns="0" bIns="0" anchor="ctr"/>
           <a:p>
-            <a:endParaRPr b="0" lang="en-US" sz="1800" spc="-1" strike="noStrike">
-              <a:solidFill>
-                <a:srgbClr val="000000"/>
-              </a:solidFill>
-              <a:latin typeface="Calibri"/>
-            </a:endParaRPr>
-          </a:p>
-        </p:txBody>
-      </p:sp>
-      <p:sp>
-        <p:nvSpPr>
-          <p:cNvPr id="100" name="PlaceHolder 2"/>
+            <a:pPr algn="ctr"/>
+            <a:endParaRPr b="0" lang="en-US" sz="4400" spc="-1" strike="noStrike">
+              <a:latin typeface="Arial"/>
+            </a:endParaRPr>
+          </a:p>
+        </p:txBody>
+      </p:sp>
+      <p:sp>
+        <p:nvSpPr>
+          <p:cNvPr id="91" name="PlaceHolder 2"/>
           <p:cNvSpPr>
             <a:spLocks noGrp="1"/>
           </p:cNvSpPr>
@@ -2186,8 +2048,8 @@
         </p:nvSpPr>
         <p:spPr>
           <a:xfrm>
-            <a:off x="1097280" y="1845720"/>
-            <a:ext cx="10058040" cy="4023000"/>
+            <a:off x="609480" y="1604520"/>
+            <a:ext cx="10972440" cy="3977280"/>
           </a:xfrm>
           <a:prstGeom prst="rect">
             <a:avLst/>
@@ -2227,7 +2089,7 @@
       </p:grpSpPr>
       <p:sp>
         <p:nvSpPr>
-          <p:cNvPr id="101" name="PlaceHolder 1"/>
+          <p:cNvPr id="92" name="PlaceHolder 1"/>
           <p:cNvSpPr>
             <a:spLocks noGrp="1"/>
           </p:cNvSpPr>
@@ -2237,8 +2099,8 @@
         </p:nvSpPr>
         <p:spPr>
           <a:xfrm>
-            <a:off x="1097280" y="286560"/>
-            <a:ext cx="10058040" cy="1450440"/>
+            <a:off x="609480" y="273600"/>
+            <a:ext cx="10972440" cy="1144800"/>
           </a:xfrm>
           <a:prstGeom prst="rect">
             <a:avLst/>
@@ -2247,18 +2109,16 @@
         <p:txBody>
           <a:bodyPr lIns="0" rIns="0" tIns="0" bIns="0" anchor="ctr"/>
           <a:p>
-            <a:endParaRPr b="0" lang="en-US" sz="1800" spc="-1" strike="noStrike">
-              <a:solidFill>
-                <a:srgbClr val="000000"/>
-              </a:solidFill>
-              <a:latin typeface="Calibri"/>
-            </a:endParaRPr>
-          </a:p>
-        </p:txBody>
-      </p:sp>
-      <p:sp>
-        <p:nvSpPr>
-          <p:cNvPr id="102" name="PlaceHolder 2"/>
+            <a:pPr algn="ctr"/>
+            <a:endParaRPr b="0" lang="en-US" sz="4400" spc="-1" strike="noStrike">
+              <a:latin typeface="Arial"/>
+            </a:endParaRPr>
+          </a:p>
+        </p:txBody>
+      </p:sp>
+      <p:sp>
+        <p:nvSpPr>
+          <p:cNvPr id="93" name="PlaceHolder 2"/>
           <p:cNvSpPr>
             <a:spLocks noGrp="1"/>
           </p:cNvSpPr>
@@ -2268,8 +2128,8 @@
         </p:nvSpPr>
         <p:spPr>
           <a:xfrm>
-            <a:off x="1097280" y="1845720"/>
-            <a:ext cx="10058040" cy="4023000"/>
+            <a:off x="609480" y="1604520"/>
+            <a:ext cx="10972440" cy="3977280"/>
           </a:xfrm>
           <a:prstGeom prst="rect">
             <a:avLst/>
@@ -2280,11 +2140,8 @@
             <a:normAutofit/>
           </a:bodyPr>
           <a:p>
-            <a:endParaRPr b="0" lang="en-US" sz="2000" spc="-1" strike="noStrike">
-              <a:solidFill>
-                <a:srgbClr val="404040"/>
-              </a:solidFill>
-              <a:latin typeface="Calibri"/>
+            <a:endParaRPr b="0" lang="en-US" sz="3200" spc="-1" strike="noStrike">
+              <a:latin typeface="Arial"/>
             </a:endParaRPr>
           </a:p>
         </p:txBody>
@@ -2313,7 +2170,7 @@
       </p:grpSpPr>
       <p:sp>
         <p:nvSpPr>
-          <p:cNvPr id="103" name="PlaceHolder 1"/>
+          <p:cNvPr id="94" name="PlaceHolder 1"/>
           <p:cNvSpPr>
             <a:spLocks noGrp="1"/>
           </p:cNvSpPr>
@@ -2323,8 +2180,8 @@
         </p:nvSpPr>
         <p:spPr>
           <a:xfrm>
-            <a:off x="1097280" y="286560"/>
-            <a:ext cx="10058040" cy="1450440"/>
+            <a:off x="609480" y="273600"/>
+            <a:ext cx="10972440" cy="1144800"/>
           </a:xfrm>
           <a:prstGeom prst="rect">
             <a:avLst/>
@@ -2333,18 +2190,16 @@
         <p:txBody>
           <a:bodyPr lIns="0" rIns="0" tIns="0" bIns="0" anchor="ctr"/>
           <a:p>
-            <a:endParaRPr b="0" lang="en-US" sz="1800" spc="-1" strike="noStrike">
-              <a:solidFill>
-                <a:srgbClr val="000000"/>
-              </a:solidFill>
-              <a:latin typeface="Calibri"/>
-            </a:endParaRPr>
-          </a:p>
-        </p:txBody>
-      </p:sp>
-      <p:sp>
-        <p:nvSpPr>
-          <p:cNvPr id="104" name="PlaceHolder 2"/>
+            <a:pPr algn="ctr"/>
+            <a:endParaRPr b="0" lang="en-US" sz="4400" spc="-1" strike="noStrike">
+              <a:latin typeface="Arial"/>
+            </a:endParaRPr>
+          </a:p>
+        </p:txBody>
+      </p:sp>
+      <p:sp>
+        <p:nvSpPr>
+          <p:cNvPr id="95" name="PlaceHolder 2"/>
           <p:cNvSpPr>
             <a:spLocks noGrp="1"/>
           </p:cNvSpPr>
@@ -2354,8 +2209,8 @@
         </p:nvSpPr>
         <p:spPr>
           <a:xfrm>
-            <a:off x="1097280" y="1845720"/>
-            <a:ext cx="4908240" cy="4023000"/>
+            <a:off x="609480" y="1604520"/>
+            <a:ext cx="5354280" cy="3977280"/>
           </a:xfrm>
           <a:prstGeom prst="rect">
             <a:avLst/>
@@ -2366,18 +2221,15 @@
             <a:normAutofit/>
           </a:bodyPr>
           <a:p>
-            <a:endParaRPr b="0" lang="en-US" sz="2000" spc="-1" strike="noStrike">
-              <a:solidFill>
-                <a:srgbClr val="404040"/>
-              </a:solidFill>
-              <a:latin typeface="Calibri"/>
-            </a:endParaRPr>
-          </a:p>
-        </p:txBody>
-      </p:sp>
-      <p:sp>
-        <p:nvSpPr>
-          <p:cNvPr id="105" name="PlaceHolder 3"/>
+            <a:endParaRPr b="0" lang="en-US" sz="3200" spc="-1" strike="noStrike">
+              <a:latin typeface="Arial"/>
+            </a:endParaRPr>
+          </a:p>
+        </p:txBody>
+      </p:sp>
+      <p:sp>
+        <p:nvSpPr>
+          <p:cNvPr id="96" name="PlaceHolder 3"/>
           <p:cNvSpPr>
             <a:spLocks noGrp="1"/>
           </p:cNvSpPr>
@@ -2387,8 +2239,8 @@
         </p:nvSpPr>
         <p:spPr>
           <a:xfrm>
-            <a:off x="6251400" y="1845720"/>
-            <a:ext cx="4908240" cy="4023000"/>
+            <a:off x="6231960" y="1604520"/>
+            <a:ext cx="5354280" cy="3977280"/>
           </a:xfrm>
           <a:prstGeom prst="rect">
             <a:avLst/>
@@ -2399,11 +2251,8 @@
             <a:normAutofit/>
           </a:bodyPr>
           <a:p>
-            <a:endParaRPr b="0" lang="en-US" sz="2000" spc="-1" strike="noStrike">
-              <a:solidFill>
-                <a:srgbClr val="404040"/>
-              </a:solidFill>
-              <a:latin typeface="Calibri"/>
+            <a:endParaRPr b="0" lang="en-US" sz="3200" spc="-1" strike="noStrike">
+              <a:latin typeface="Arial"/>
             </a:endParaRPr>
           </a:p>
         </p:txBody>
@@ -2432,7 +2281,7 @@
       </p:grpSpPr>
       <p:sp>
         <p:nvSpPr>
-          <p:cNvPr id="106" name="PlaceHolder 1"/>
+          <p:cNvPr id="97" name="PlaceHolder 1"/>
           <p:cNvSpPr>
             <a:spLocks noGrp="1"/>
           </p:cNvSpPr>
@@ -2442,8 +2291,8 @@
         </p:nvSpPr>
         <p:spPr>
           <a:xfrm>
-            <a:off x="1097280" y="286560"/>
-            <a:ext cx="10058040" cy="1450440"/>
+            <a:off x="609480" y="273600"/>
+            <a:ext cx="10972440" cy="1144800"/>
           </a:xfrm>
           <a:prstGeom prst="rect">
             <a:avLst/>
@@ -2452,11 +2301,9 @@
         <p:txBody>
           <a:bodyPr lIns="0" rIns="0" tIns="0" bIns="0" anchor="ctr"/>
           <a:p>
-            <a:endParaRPr b="0" lang="en-US" sz="1800" spc="-1" strike="noStrike">
-              <a:solidFill>
-                <a:srgbClr val="000000"/>
-              </a:solidFill>
-              <a:latin typeface="Calibri"/>
+            <a:pPr algn="ctr"/>
+            <a:endParaRPr b="0" lang="en-US" sz="4400" spc="-1" strike="noStrike">
+              <a:latin typeface="Arial"/>
             </a:endParaRPr>
           </a:p>
         </p:txBody>
@@ -2485,7 +2332,7 @@
       </p:grpSpPr>
       <p:sp>
         <p:nvSpPr>
-          <p:cNvPr id="13" name="PlaceHolder 1"/>
+          <p:cNvPr id="10" name="PlaceHolder 1"/>
           <p:cNvSpPr>
             <a:spLocks noGrp="1"/>
           </p:cNvSpPr>
@@ -2495,8 +2342,8 @@
         </p:nvSpPr>
         <p:spPr>
           <a:xfrm>
-            <a:off x="1097280" y="286560"/>
-            <a:ext cx="10058040" cy="1450440"/>
+            <a:off x="609480" y="273600"/>
+            <a:ext cx="10972440" cy="1144800"/>
           </a:xfrm>
           <a:prstGeom prst="rect">
             <a:avLst/>
@@ -2505,18 +2352,16 @@
         <p:txBody>
           <a:bodyPr lIns="0" rIns="0" tIns="0" bIns="0" anchor="ctr"/>
           <a:p>
-            <a:endParaRPr b="0" lang="en-US" sz="1800" spc="-1" strike="noStrike">
-              <a:solidFill>
-                <a:srgbClr val="000000"/>
-              </a:solidFill>
-              <a:latin typeface="Calibri"/>
-            </a:endParaRPr>
-          </a:p>
-        </p:txBody>
-      </p:sp>
-      <p:sp>
-        <p:nvSpPr>
-          <p:cNvPr id="14" name="PlaceHolder 2"/>
+            <a:pPr algn="ctr"/>
+            <a:endParaRPr b="0" lang="en-US" sz="4400" spc="-1" strike="noStrike">
+              <a:latin typeface="Arial"/>
+            </a:endParaRPr>
+          </a:p>
+        </p:txBody>
+      </p:sp>
+      <p:sp>
+        <p:nvSpPr>
+          <p:cNvPr id="11" name="PlaceHolder 2"/>
           <p:cNvSpPr>
             <a:spLocks noGrp="1"/>
           </p:cNvSpPr>
@@ -2526,8 +2371,8 @@
         </p:nvSpPr>
         <p:spPr>
           <a:xfrm>
-            <a:off x="1097280" y="1845720"/>
-            <a:ext cx="10058040" cy="4023000"/>
+            <a:off x="609480" y="1604520"/>
+            <a:ext cx="10972440" cy="3977280"/>
           </a:xfrm>
           <a:prstGeom prst="rect">
             <a:avLst/>
@@ -2538,11 +2383,8 @@
             <a:normAutofit/>
           </a:bodyPr>
           <a:p>
-            <a:endParaRPr b="0" lang="en-US" sz="2000" spc="-1" strike="noStrike">
-              <a:solidFill>
-                <a:srgbClr val="404040"/>
-              </a:solidFill>
-              <a:latin typeface="Calibri"/>
+            <a:endParaRPr b="0" lang="en-US" sz="3200" spc="-1" strike="noStrike">
+              <a:latin typeface="Arial"/>
             </a:endParaRPr>
           </a:p>
         </p:txBody>
@@ -2571,7 +2413,7 @@
       </p:grpSpPr>
       <p:sp>
         <p:nvSpPr>
-          <p:cNvPr id="107" name="PlaceHolder 1"/>
+          <p:cNvPr id="98" name="PlaceHolder 1"/>
           <p:cNvSpPr>
             <a:spLocks noGrp="1"/>
           </p:cNvSpPr>
@@ -2581,8 +2423,8 @@
         </p:nvSpPr>
         <p:spPr>
           <a:xfrm>
-            <a:off x="1097280" y="286560"/>
-            <a:ext cx="10058040" cy="6724800"/>
+            <a:off x="609480" y="273600"/>
+            <a:ext cx="10972440" cy="5307840"/>
           </a:xfrm>
           <a:prstGeom prst="rect">
             <a:avLst/>
@@ -2622,7 +2464,7 @@
       </p:grpSpPr>
       <p:sp>
         <p:nvSpPr>
-          <p:cNvPr id="108" name="PlaceHolder 1"/>
+          <p:cNvPr id="99" name="PlaceHolder 1"/>
           <p:cNvSpPr>
             <a:spLocks noGrp="1"/>
           </p:cNvSpPr>
@@ -2632,8 +2474,8 @@
         </p:nvSpPr>
         <p:spPr>
           <a:xfrm>
-            <a:off x="1097280" y="286560"/>
-            <a:ext cx="10058040" cy="1450440"/>
+            <a:off x="609480" y="273600"/>
+            <a:ext cx="10972440" cy="1144800"/>
           </a:xfrm>
           <a:prstGeom prst="rect">
             <a:avLst/>
@@ -2642,18 +2484,16 @@
         <p:txBody>
           <a:bodyPr lIns="0" rIns="0" tIns="0" bIns="0" anchor="ctr"/>
           <a:p>
-            <a:endParaRPr b="0" lang="en-US" sz="1800" spc="-1" strike="noStrike">
-              <a:solidFill>
-                <a:srgbClr val="000000"/>
-              </a:solidFill>
-              <a:latin typeface="Calibri"/>
-            </a:endParaRPr>
-          </a:p>
-        </p:txBody>
-      </p:sp>
-      <p:sp>
-        <p:nvSpPr>
-          <p:cNvPr id="109" name="PlaceHolder 2"/>
+            <a:pPr algn="ctr"/>
+            <a:endParaRPr b="0" lang="en-US" sz="4400" spc="-1" strike="noStrike">
+              <a:latin typeface="Arial"/>
+            </a:endParaRPr>
+          </a:p>
+        </p:txBody>
+      </p:sp>
+      <p:sp>
+        <p:nvSpPr>
+          <p:cNvPr id="100" name="PlaceHolder 2"/>
           <p:cNvSpPr>
             <a:spLocks noGrp="1"/>
           </p:cNvSpPr>
@@ -2663,8 +2503,8 @@
         </p:nvSpPr>
         <p:spPr>
           <a:xfrm>
-            <a:off x="1097280" y="1845720"/>
-            <a:ext cx="4908240" cy="1918800"/>
+            <a:off x="609480" y="1604520"/>
+            <a:ext cx="5354280" cy="1896840"/>
           </a:xfrm>
           <a:prstGeom prst="rect">
             <a:avLst/>
@@ -2675,18 +2515,15 @@
             <a:normAutofit/>
           </a:bodyPr>
           <a:p>
-            <a:endParaRPr b="0" lang="en-US" sz="2000" spc="-1" strike="noStrike">
-              <a:solidFill>
-                <a:srgbClr val="404040"/>
-              </a:solidFill>
-              <a:latin typeface="Calibri"/>
-            </a:endParaRPr>
-          </a:p>
-        </p:txBody>
-      </p:sp>
-      <p:sp>
-        <p:nvSpPr>
-          <p:cNvPr id="110" name="PlaceHolder 3"/>
+            <a:endParaRPr b="0" lang="en-US" sz="3200" spc="-1" strike="noStrike">
+              <a:latin typeface="Arial"/>
+            </a:endParaRPr>
+          </a:p>
+        </p:txBody>
+      </p:sp>
+      <p:sp>
+        <p:nvSpPr>
+          <p:cNvPr id="101" name="PlaceHolder 3"/>
           <p:cNvSpPr>
             <a:spLocks noGrp="1"/>
           </p:cNvSpPr>
@@ -2696,8 +2533,8 @@
         </p:nvSpPr>
         <p:spPr>
           <a:xfrm>
-            <a:off x="6251400" y="1845720"/>
-            <a:ext cx="4908240" cy="4023000"/>
+            <a:off x="6231960" y="1604520"/>
+            <a:ext cx="5354280" cy="3977280"/>
           </a:xfrm>
           <a:prstGeom prst="rect">
             <a:avLst/>
@@ -2708,18 +2545,15 @@
             <a:normAutofit/>
           </a:bodyPr>
           <a:p>
-            <a:endParaRPr b="0" lang="en-US" sz="2000" spc="-1" strike="noStrike">
-              <a:solidFill>
-                <a:srgbClr val="404040"/>
-              </a:solidFill>
-              <a:latin typeface="Calibri"/>
-            </a:endParaRPr>
-          </a:p>
-        </p:txBody>
-      </p:sp>
-      <p:sp>
-        <p:nvSpPr>
-          <p:cNvPr id="111" name="PlaceHolder 4"/>
+            <a:endParaRPr b="0" lang="en-US" sz="3200" spc="-1" strike="noStrike">
+              <a:latin typeface="Arial"/>
+            </a:endParaRPr>
+          </a:p>
+        </p:txBody>
+      </p:sp>
+      <p:sp>
+        <p:nvSpPr>
+          <p:cNvPr id="102" name="PlaceHolder 4"/>
           <p:cNvSpPr>
             <a:spLocks noGrp="1"/>
           </p:cNvSpPr>
@@ -2729,8 +2563,8 @@
         </p:nvSpPr>
         <p:spPr>
           <a:xfrm>
-            <a:off x="1097280" y="3947040"/>
-            <a:ext cx="4908240" cy="1918800"/>
+            <a:off x="609480" y="3682080"/>
+            <a:ext cx="5354280" cy="1896840"/>
           </a:xfrm>
           <a:prstGeom prst="rect">
             <a:avLst/>
@@ -2741,11 +2575,8 @@
             <a:normAutofit/>
           </a:bodyPr>
           <a:p>
-            <a:endParaRPr b="0" lang="en-US" sz="2000" spc="-1" strike="noStrike">
-              <a:solidFill>
-                <a:srgbClr val="404040"/>
-              </a:solidFill>
-              <a:latin typeface="Calibri"/>
+            <a:endParaRPr b="0" lang="en-US" sz="3200" spc="-1" strike="noStrike">
+              <a:latin typeface="Arial"/>
             </a:endParaRPr>
           </a:p>
         </p:txBody>
@@ -2774,7 +2605,7 @@
       </p:grpSpPr>
       <p:sp>
         <p:nvSpPr>
-          <p:cNvPr id="112" name="PlaceHolder 1"/>
+          <p:cNvPr id="103" name="PlaceHolder 1"/>
           <p:cNvSpPr>
             <a:spLocks noGrp="1"/>
           </p:cNvSpPr>
@@ -2784,8 +2615,8 @@
         </p:nvSpPr>
         <p:spPr>
           <a:xfrm>
-            <a:off x="1097280" y="286560"/>
-            <a:ext cx="10058040" cy="1450440"/>
+            <a:off x="609480" y="273600"/>
+            <a:ext cx="10972440" cy="1144800"/>
           </a:xfrm>
           <a:prstGeom prst="rect">
             <a:avLst/>
@@ -2794,18 +2625,16 @@
         <p:txBody>
           <a:bodyPr lIns="0" rIns="0" tIns="0" bIns="0" anchor="ctr"/>
           <a:p>
-            <a:endParaRPr b="0" lang="en-US" sz="1800" spc="-1" strike="noStrike">
-              <a:solidFill>
-                <a:srgbClr val="000000"/>
-              </a:solidFill>
-              <a:latin typeface="Calibri"/>
-            </a:endParaRPr>
-          </a:p>
-        </p:txBody>
-      </p:sp>
-      <p:sp>
-        <p:nvSpPr>
-          <p:cNvPr id="113" name="PlaceHolder 2"/>
+            <a:pPr algn="ctr"/>
+            <a:endParaRPr b="0" lang="en-US" sz="4400" spc="-1" strike="noStrike">
+              <a:latin typeface="Arial"/>
+            </a:endParaRPr>
+          </a:p>
+        </p:txBody>
+      </p:sp>
+      <p:sp>
+        <p:nvSpPr>
+          <p:cNvPr id="104" name="PlaceHolder 2"/>
           <p:cNvSpPr>
             <a:spLocks noGrp="1"/>
           </p:cNvSpPr>
@@ -2815,8 +2644,8 @@
         </p:nvSpPr>
         <p:spPr>
           <a:xfrm>
-            <a:off x="1097280" y="1845720"/>
-            <a:ext cx="4908240" cy="4023000"/>
+            <a:off x="609480" y="1604520"/>
+            <a:ext cx="5354280" cy="3977280"/>
           </a:xfrm>
           <a:prstGeom prst="rect">
             <a:avLst/>
@@ -2827,18 +2656,15 @@
             <a:normAutofit/>
           </a:bodyPr>
           <a:p>
-            <a:endParaRPr b="0" lang="en-US" sz="2000" spc="-1" strike="noStrike">
-              <a:solidFill>
-                <a:srgbClr val="404040"/>
-              </a:solidFill>
-              <a:latin typeface="Calibri"/>
-            </a:endParaRPr>
-          </a:p>
-        </p:txBody>
-      </p:sp>
-      <p:sp>
-        <p:nvSpPr>
-          <p:cNvPr id="114" name="PlaceHolder 3"/>
+            <a:endParaRPr b="0" lang="en-US" sz="3200" spc="-1" strike="noStrike">
+              <a:latin typeface="Arial"/>
+            </a:endParaRPr>
+          </a:p>
+        </p:txBody>
+      </p:sp>
+      <p:sp>
+        <p:nvSpPr>
+          <p:cNvPr id="105" name="PlaceHolder 3"/>
           <p:cNvSpPr>
             <a:spLocks noGrp="1"/>
           </p:cNvSpPr>
@@ -2848,8 +2674,8 @@
         </p:nvSpPr>
         <p:spPr>
           <a:xfrm>
-            <a:off x="6251400" y="1845720"/>
-            <a:ext cx="4908240" cy="1918800"/>
+            <a:off x="6231960" y="1604520"/>
+            <a:ext cx="5354280" cy="1896840"/>
           </a:xfrm>
           <a:prstGeom prst="rect">
             <a:avLst/>
@@ -2860,18 +2686,15 @@
             <a:normAutofit/>
           </a:bodyPr>
           <a:p>
-            <a:endParaRPr b="0" lang="en-US" sz="2000" spc="-1" strike="noStrike">
-              <a:solidFill>
-                <a:srgbClr val="404040"/>
-              </a:solidFill>
-              <a:latin typeface="Calibri"/>
-            </a:endParaRPr>
-          </a:p>
-        </p:txBody>
-      </p:sp>
-      <p:sp>
-        <p:nvSpPr>
-          <p:cNvPr id="115" name="PlaceHolder 4"/>
+            <a:endParaRPr b="0" lang="en-US" sz="3200" spc="-1" strike="noStrike">
+              <a:latin typeface="Arial"/>
+            </a:endParaRPr>
+          </a:p>
+        </p:txBody>
+      </p:sp>
+      <p:sp>
+        <p:nvSpPr>
+          <p:cNvPr id="106" name="PlaceHolder 4"/>
           <p:cNvSpPr>
             <a:spLocks noGrp="1"/>
           </p:cNvSpPr>
@@ -2881,8 +2704,8 @@
         </p:nvSpPr>
         <p:spPr>
           <a:xfrm>
-            <a:off x="6251400" y="3947040"/>
-            <a:ext cx="4908240" cy="1918800"/>
+            <a:off x="6231960" y="3682080"/>
+            <a:ext cx="5354280" cy="1896840"/>
           </a:xfrm>
           <a:prstGeom prst="rect">
             <a:avLst/>
@@ -2893,11 +2716,8 @@
             <a:normAutofit/>
           </a:bodyPr>
           <a:p>
-            <a:endParaRPr b="0" lang="en-US" sz="2000" spc="-1" strike="noStrike">
-              <a:solidFill>
-                <a:srgbClr val="404040"/>
-              </a:solidFill>
-              <a:latin typeface="Calibri"/>
+            <a:endParaRPr b="0" lang="en-US" sz="3200" spc="-1" strike="noStrike">
+              <a:latin typeface="Arial"/>
             </a:endParaRPr>
           </a:p>
         </p:txBody>
@@ -2926,7 +2746,7 @@
       </p:grpSpPr>
       <p:sp>
         <p:nvSpPr>
-          <p:cNvPr id="116" name="PlaceHolder 1"/>
+          <p:cNvPr id="107" name="PlaceHolder 1"/>
           <p:cNvSpPr>
             <a:spLocks noGrp="1"/>
           </p:cNvSpPr>
@@ -2936,8 +2756,8 @@
         </p:nvSpPr>
         <p:spPr>
           <a:xfrm>
-            <a:off x="1097280" y="286560"/>
-            <a:ext cx="10058040" cy="1450440"/>
+            <a:off x="609480" y="273600"/>
+            <a:ext cx="10972440" cy="1144800"/>
           </a:xfrm>
           <a:prstGeom prst="rect">
             <a:avLst/>
@@ -2946,18 +2766,16 @@
         <p:txBody>
           <a:bodyPr lIns="0" rIns="0" tIns="0" bIns="0" anchor="ctr"/>
           <a:p>
-            <a:endParaRPr b="0" lang="en-US" sz="1800" spc="-1" strike="noStrike">
-              <a:solidFill>
-                <a:srgbClr val="000000"/>
-              </a:solidFill>
-              <a:latin typeface="Calibri"/>
-            </a:endParaRPr>
-          </a:p>
-        </p:txBody>
-      </p:sp>
-      <p:sp>
-        <p:nvSpPr>
-          <p:cNvPr id="117" name="PlaceHolder 2"/>
+            <a:pPr algn="ctr"/>
+            <a:endParaRPr b="0" lang="en-US" sz="4400" spc="-1" strike="noStrike">
+              <a:latin typeface="Arial"/>
+            </a:endParaRPr>
+          </a:p>
+        </p:txBody>
+      </p:sp>
+      <p:sp>
+        <p:nvSpPr>
+          <p:cNvPr id="108" name="PlaceHolder 2"/>
           <p:cNvSpPr>
             <a:spLocks noGrp="1"/>
           </p:cNvSpPr>
@@ -2967,8 +2785,8 @@
         </p:nvSpPr>
         <p:spPr>
           <a:xfrm>
-            <a:off x="1097280" y="1845720"/>
-            <a:ext cx="4908240" cy="1918800"/>
+            <a:off x="609480" y="1604520"/>
+            <a:ext cx="5354280" cy="1896840"/>
           </a:xfrm>
           <a:prstGeom prst="rect">
             <a:avLst/>
@@ -2979,18 +2797,15 @@
             <a:normAutofit/>
           </a:bodyPr>
           <a:p>
-            <a:endParaRPr b="0" lang="en-US" sz="2000" spc="-1" strike="noStrike">
-              <a:solidFill>
-                <a:srgbClr val="404040"/>
-              </a:solidFill>
-              <a:latin typeface="Calibri"/>
-            </a:endParaRPr>
-          </a:p>
-        </p:txBody>
-      </p:sp>
-      <p:sp>
-        <p:nvSpPr>
-          <p:cNvPr id="118" name="PlaceHolder 3"/>
+            <a:endParaRPr b="0" lang="en-US" sz="3200" spc="-1" strike="noStrike">
+              <a:latin typeface="Arial"/>
+            </a:endParaRPr>
+          </a:p>
+        </p:txBody>
+      </p:sp>
+      <p:sp>
+        <p:nvSpPr>
+          <p:cNvPr id="109" name="PlaceHolder 3"/>
           <p:cNvSpPr>
             <a:spLocks noGrp="1"/>
           </p:cNvSpPr>
@@ -3000,8 +2815,8 @@
         </p:nvSpPr>
         <p:spPr>
           <a:xfrm>
-            <a:off x="6251400" y="1845720"/>
-            <a:ext cx="4908240" cy="1918800"/>
+            <a:off x="6231960" y="1604520"/>
+            <a:ext cx="5354280" cy="1896840"/>
           </a:xfrm>
           <a:prstGeom prst="rect">
             <a:avLst/>
@@ -3012,18 +2827,15 @@
             <a:normAutofit/>
           </a:bodyPr>
           <a:p>
-            <a:endParaRPr b="0" lang="en-US" sz="2000" spc="-1" strike="noStrike">
-              <a:solidFill>
-                <a:srgbClr val="404040"/>
-              </a:solidFill>
-              <a:latin typeface="Calibri"/>
-            </a:endParaRPr>
-          </a:p>
-        </p:txBody>
-      </p:sp>
-      <p:sp>
-        <p:nvSpPr>
-          <p:cNvPr id="119" name="PlaceHolder 4"/>
+            <a:endParaRPr b="0" lang="en-US" sz="3200" spc="-1" strike="noStrike">
+              <a:latin typeface="Arial"/>
+            </a:endParaRPr>
+          </a:p>
+        </p:txBody>
+      </p:sp>
+      <p:sp>
+        <p:nvSpPr>
+          <p:cNvPr id="110" name="PlaceHolder 4"/>
           <p:cNvSpPr>
             <a:spLocks noGrp="1"/>
           </p:cNvSpPr>
@@ -3033,8 +2845,8 @@
         </p:nvSpPr>
         <p:spPr>
           <a:xfrm>
-            <a:off x="1097280" y="3947040"/>
-            <a:ext cx="10058040" cy="1918800"/>
+            <a:off x="609480" y="3682080"/>
+            <a:ext cx="10972440" cy="1896840"/>
           </a:xfrm>
           <a:prstGeom prst="rect">
             <a:avLst/>
@@ -3045,11 +2857,8 @@
             <a:normAutofit/>
           </a:bodyPr>
           <a:p>
-            <a:endParaRPr b="0" lang="en-US" sz="2000" spc="-1" strike="noStrike">
-              <a:solidFill>
-                <a:srgbClr val="404040"/>
-              </a:solidFill>
-              <a:latin typeface="Calibri"/>
+            <a:endParaRPr b="0" lang="en-US" sz="3200" spc="-1" strike="noStrike">
+              <a:latin typeface="Arial"/>
             </a:endParaRPr>
           </a:p>
         </p:txBody>
@@ -3078,7 +2887,7 @@
       </p:grpSpPr>
       <p:sp>
         <p:nvSpPr>
-          <p:cNvPr id="120" name="PlaceHolder 1"/>
+          <p:cNvPr id="111" name="PlaceHolder 1"/>
           <p:cNvSpPr>
             <a:spLocks noGrp="1"/>
           </p:cNvSpPr>
@@ -3088,8 +2897,8 @@
         </p:nvSpPr>
         <p:spPr>
           <a:xfrm>
-            <a:off x="1097280" y="286560"/>
-            <a:ext cx="10058040" cy="1450440"/>
+            <a:off x="609480" y="273600"/>
+            <a:ext cx="10972440" cy="1144800"/>
           </a:xfrm>
           <a:prstGeom prst="rect">
             <a:avLst/>
@@ -3098,18 +2907,16 @@
         <p:txBody>
           <a:bodyPr lIns="0" rIns="0" tIns="0" bIns="0" anchor="ctr"/>
           <a:p>
-            <a:endParaRPr b="0" lang="en-US" sz="1800" spc="-1" strike="noStrike">
-              <a:solidFill>
-                <a:srgbClr val="000000"/>
-              </a:solidFill>
-              <a:latin typeface="Calibri"/>
-            </a:endParaRPr>
-          </a:p>
-        </p:txBody>
-      </p:sp>
-      <p:sp>
-        <p:nvSpPr>
-          <p:cNvPr id="121" name="PlaceHolder 2"/>
+            <a:pPr algn="ctr"/>
+            <a:endParaRPr b="0" lang="en-US" sz="4400" spc="-1" strike="noStrike">
+              <a:latin typeface="Arial"/>
+            </a:endParaRPr>
+          </a:p>
+        </p:txBody>
+      </p:sp>
+      <p:sp>
+        <p:nvSpPr>
+          <p:cNvPr id="112" name="PlaceHolder 2"/>
           <p:cNvSpPr>
             <a:spLocks noGrp="1"/>
           </p:cNvSpPr>
@@ -3119,8 +2926,8 @@
         </p:nvSpPr>
         <p:spPr>
           <a:xfrm>
-            <a:off x="1097280" y="1845720"/>
-            <a:ext cx="10058040" cy="1918800"/>
+            <a:off x="609480" y="1604520"/>
+            <a:ext cx="10972440" cy="1896840"/>
           </a:xfrm>
           <a:prstGeom prst="rect">
             <a:avLst/>
@@ -3131,18 +2938,15 @@
             <a:normAutofit/>
           </a:bodyPr>
           <a:p>
-            <a:endParaRPr b="0" lang="en-US" sz="2000" spc="-1" strike="noStrike">
-              <a:solidFill>
-                <a:srgbClr val="404040"/>
-              </a:solidFill>
-              <a:latin typeface="Calibri"/>
-            </a:endParaRPr>
-          </a:p>
-        </p:txBody>
-      </p:sp>
-      <p:sp>
-        <p:nvSpPr>
-          <p:cNvPr id="122" name="PlaceHolder 3"/>
+            <a:endParaRPr b="0" lang="en-US" sz="3200" spc="-1" strike="noStrike">
+              <a:latin typeface="Arial"/>
+            </a:endParaRPr>
+          </a:p>
+        </p:txBody>
+      </p:sp>
+      <p:sp>
+        <p:nvSpPr>
+          <p:cNvPr id="113" name="PlaceHolder 3"/>
           <p:cNvSpPr>
             <a:spLocks noGrp="1"/>
           </p:cNvSpPr>
@@ -3152,8 +2956,8 @@
         </p:nvSpPr>
         <p:spPr>
           <a:xfrm>
-            <a:off x="1097280" y="3947040"/>
-            <a:ext cx="10058040" cy="1918800"/>
+            <a:off x="609480" y="3682080"/>
+            <a:ext cx="10972440" cy="1896840"/>
           </a:xfrm>
           <a:prstGeom prst="rect">
             <a:avLst/>
@@ -3164,11 +2968,8 @@
             <a:normAutofit/>
           </a:bodyPr>
           <a:p>
-            <a:endParaRPr b="0" lang="en-US" sz="2000" spc="-1" strike="noStrike">
-              <a:solidFill>
-                <a:srgbClr val="404040"/>
-              </a:solidFill>
-              <a:latin typeface="Calibri"/>
+            <a:endParaRPr b="0" lang="en-US" sz="3200" spc="-1" strike="noStrike">
+              <a:latin typeface="Arial"/>
             </a:endParaRPr>
           </a:p>
         </p:txBody>
@@ -3197,7 +2998,7 @@
       </p:grpSpPr>
       <p:sp>
         <p:nvSpPr>
-          <p:cNvPr id="123" name="PlaceHolder 1"/>
+          <p:cNvPr id="114" name="PlaceHolder 1"/>
           <p:cNvSpPr>
             <a:spLocks noGrp="1"/>
           </p:cNvSpPr>
@@ -3207,8 +3008,8 @@
         </p:nvSpPr>
         <p:spPr>
           <a:xfrm>
-            <a:off x="1097280" y="286560"/>
-            <a:ext cx="10058040" cy="1450440"/>
+            <a:off x="609480" y="273600"/>
+            <a:ext cx="10972440" cy="1144800"/>
           </a:xfrm>
           <a:prstGeom prst="rect">
             <a:avLst/>
@@ -3217,18 +3018,16 @@
         <p:txBody>
           <a:bodyPr lIns="0" rIns="0" tIns="0" bIns="0" anchor="ctr"/>
           <a:p>
-            <a:endParaRPr b="0" lang="en-US" sz="1800" spc="-1" strike="noStrike">
-              <a:solidFill>
-                <a:srgbClr val="000000"/>
-              </a:solidFill>
-              <a:latin typeface="Calibri"/>
-            </a:endParaRPr>
-          </a:p>
-        </p:txBody>
-      </p:sp>
-      <p:sp>
-        <p:nvSpPr>
-          <p:cNvPr id="124" name="PlaceHolder 2"/>
+            <a:pPr algn="ctr"/>
+            <a:endParaRPr b="0" lang="en-US" sz="4400" spc="-1" strike="noStrike">
+              <a:latin typeface="Arial"/>
+            </a:endParaRPr>
+          </a:p>
+        </p:txBody>
+      </p:sp>
+      <p:sp>
+        <p:nvSpPr>
+          <p:cNvPr id="115" name="PlaceHolder 2"/>
           <p:cNvSpPr>
             <a:spLocks noGrp="1"/>
           </p:cNvSpPr>
@@ -3238,8 +3037,8 @@
         </p:nvSpPr>
         <p:spPr>
           <a:xfrm>
-            <a:off x="1097280" y="1845720"/>
-            <a:ext cx="4908240" cy="1918800"/>
+            <a:off x="609480" y="1604520"/>
+            <a:ext cx="5354280" cy="1896840"/>
           </a:xfrm>
           <a:prstGeom prst="rect">
             <a:avLst/>
@@ -3250,18 +3049,15 @@
             <a:normAutofit/>
           </a:bodyPr>
           <a:p>
-            <a:endParaRPr b="0" lang="en-US" sz="2000" spc="-1" strike="noStrike">
-              <a:solidFill>
-                <a:srgbClr val="404040"/>
-              </a:solidFill>
-              <a:latin typeface="Calibri"/>
-            </a:endParaRPr>
-          </a:p>
-        </p:txBody>
-      </p:sp>
-      <p:sp>
-        <p:nvSpPr>
-          <p:cNvPr id="125" name="PlaceHolder 3"/>
+            <a:endParaRPr b="0" lang="en-US" sz="3200" spc="-1" strike="noStrike">
+              <a:latin typeface="Arial"/>
+            </a:endParaRPr>
+          </a:p>
+        </p:txBody>
+      </p:sp>
+      <p:sp>
+        <p:nvSpPr>
+          <p:cNvPr id="116" name="PlaceHolder 3"/>
           <p:cNvSpPr>
             <a:spLocks noGrp="1"/>
           </p:cNvSpPr>
@@ -3271,8 +3067,8 @@
         </p:nvSpPr>
         <p:spPr>
           <a:xfrm>
-            <a:off x="6251400" y="1845720"/>
-            <a:ext cx="4908240" cy="1918800"/>
+            <a:off x="6231960" y="1604520"/>
+            <a:ext cx="5354280" cy="1896840"/>
           </a:xfrm>
           <a:prstGeom prst="rect">
             <a:avLst/>
@@ -3283,18 +3079,15 @@
             <a:normAutofit/>
           </a:bodyPr>
           <a:p>
-            <a:endParaRPr b="0" lang="en-US" sz="2000" spc="-1" strike="noStrike">
-              <a:solidFill>
-                <a:srgbClr val="404040"/>
-              </a:solidFill>
-              <a:latin typeface="Calibri"/>
-            </a:endParaRPr>
-          </a:p>
-        </p:txBody>
-      </p:sp>
-      <p:sp>
-        <p:nvSpPr>
-          <p:cNvPr id="126" name="PlaceHolder 4"/>
+            <a:endParaRPr b="0" lang="en-US" sz="3200" spc="-1" strike="noStrike">
+              <a:latin typeface="Arial"/>
+            </a:endParaRPr>
+          </a:p>
+        </p:txBody>
+      </p:sp>
+      <p:sp>
+        <p:nvSpPr>
+          <p:cNvPr id="117" name="PlaceHolder 4"/>
           <p:cNvSpPr>
             <a:spLocks noGrp="1"/>
           </p:cNvSpPr>
@@ -3304,8 +3097,8 @@
         </p:nvSpPr>
         <p:spPr>
           <a:xfrm>
-            <a:off x="1097280" y="3947040"/>
-            <a:ext cx="4908240" cy="1918800"/>
+            <a:off x="609480" y="3682080"/>
+            <a:ext cx="5354280" cy="1896840"/>
           </a:xfrm>
           <a:prstGeom prst="rect">
             <a:avLst/>
@@ -3316,18 +3109,15 @@
             <a:normAutofit/>
           </a:bodyPr>
           <a:p>
-            <a:endParaRPr b="0" lang="en-US" sz="2000" spc="-1" strike="noStrike">
-              <a:solidFill>
-                <a:srgbClr val="404040"/>
-              </a:solidFill>
-              <a:latin typeface="Calibri"/>
-            </a:endParaRPr>
-          </a:p>
-        </p:txBody>
-      </p:sp>
-      <p:sp>
-        <p:nvSpPr>
-          <p:cNvPr id="127" name="PlaceHolder 5"/>
+            <a:endParaRPr b="0" lang="en-US" sz="3200" spc="-1" strike="noStrike">
+              <a:latin typeface="Arial"/>
+            </a:endParaRPr>
+          </a:p>
+        </p:txBody>
+      </p:sp>
+      <p:sp>
+        <p:nvSpPr>
+          <p:cNvPr id="118" name="PlaceHolder 5"/>
           <p:cNvSpPr>
             <a:spLocks noGrp="1"/>
           </p:cNvSpPr>
@@ -3337,8 +3127,8 @@
         </p:nvSpPr>
         <p:spPr>
           <a:xfrm>
-            <a:off x="6251400" y="3947040"/>
-            <a:ext cx="4908240" cy="1918800"/>
+            <a:off x="6231960" y="3682080"/>
+            <a:ext cx="5354280" cy="1896840"/>
           </a:xfrm>
           <a:prstGeom prst="rect">
             <a:avLst/>
@@ -3349,11 +3139,8 @@
             <a:normAutofit/>
           </a:bodyPr>
           <a:p>
-            <a:endParaRPr b="0" lang="en-US" sz="2000" spc="-1" strike="noStrike">
-              <a:solidFill>
-                <a:srgbClr val="404040"/>
-              </a:solidFill>
-              <a:latin typeface="Calibri"/>
+            <a:endParaRPr b="0" lang="en-US" sz="3200" spc="-1" strike="noStrike">
+              <a:latin typeface="Arial"/>
             </a:endParaRPr>
           </a:p>
         </p:txBody>
@@ -3382,7 +3169,7 @@
       </p:grpSpPr>
       <p:sp>
         <p:nvSpPr>
-          <p:cNvPr id="128" name="PlaceHolder 1"/>
+          <p:cNvPr id="119" name="PlaceHolder 1"/>
           <p:cNvSpPr>
             <a:spLocks noGrp="1"/>
           </p:cNvSpPr>
@@ -3392,8 +3179,8 @@
         </p:nvSpPr>
         <p:spPr>
           <a:xfrm>
-            <a:off x="1097280" y="286560"/>
-            <a:ext cx="10058040" cy="1450440"/>
+            <a:off x="609480" y="273600"/>
+            <a:ext cx="10972440" cy="1144800"/>
           </a:xfrm>
           <a:prstGeom prst="rect">
             <a:avLst/>
@@ -3402,18 +3189,16 @@
         <p:txBody>
           <a:bodyPr lIns="0" rIns="0" tIns="0" bIns="0" anchor="ctr"/>
           <a:p>
-            <a:endParaRPr b="0" lang="en-US" sz="1800" spc="-1" strike="noStrike">
-              <a:solidFill>
-                <a:srgbClr val="000000"/>
-              </a:solidFill>
-              <a:latin typeface="Calibri"/>
-            </a:endParaRPr>
-          </a:p>
-        </p:txBody>
-      </p:sp>
-      <p:sp>
-        <p:nvSpPr>
-          <p:cNvPr id="129" name="PlaceHolder 2"/>
+            <a:pPr algn="ctr"/>
+            <a:endParaRPr b="0" lang="en-US" sz="4400" spc="-1" strike="noStrike">
+              <a:latin typeface="Arial"/>
+            </a:endParaRPr>
+          </a:p>
+        </p:txBody>
+      </p:sp>
+      <p:sp>
+        <p:nvSpPr>
+          <p:cNvPr id="120" name="PlaceHolder 2"/>
           <p:cNvSpPr>
             <a:spLocks noGrp="1"/>
           </p:cNvSpPr>
@@ -3423,8 +3208,8 @@
         </p:nvSpPr>
         <p:spPr>
           <a:xfrm>
-            <a:off x="1097280" y="1845720"/>
-            <a:ext cx="3238560" cy="1918800"/>
+            <a:off x="609480" y="1604520"/>
+            <a:ext cx="3533040" cy="1896840"/>
           </a:xfrm>
           <a:prstGeom prst="rect">
             <a:avLst/>
@@ -3435,18 +3220,15 @@
             <a:normAutofit/>
           </a:bodyPr>
           <a:p>
-            <a:endParaRPr b="0" lang="en-US" sz="2000" spc="-1" strike="noStrike">
-              <a:solidFill>
-                <a:srgbClr val="404040"/>
-              </a:solidFill>
-              <a:latin typeface="Calibri"/>
-            </a:endParaRPr>
-          </a:p>
-        </p:txBody>
-      </p:sp>
-      <p:sp>
-        <p:nvSpPr>
-          <p:cNvPr id="130" name="PlaceHolder 3"/>
+            <a:endParaRPr b="0" lang="en-US" sz="3200" spc="-1" strike="noStrike">
+              <a:latin typeface="Arial"/>
+            </a:endParaRPr>
+          </a:p>
+        </p:txBody>
+      </p:sp>
+      <p:sp>
+        <p:nvSpPr>
+          <p:cNvPr id="121" name="PlaceHolder 3"/>
           <p:cNvSpPr>
             <a:spLocks noGrp="1"/>
           </p:cNvSpPr>
@@ -3456,8 +3238,8 @@
         </p:nvSpPr>
         <p:spPr>
           <a:xfrm>
-            <a:off x="4498200" y="1845720"/>
-            <a:ext cx="3238560" cy="1918800"/>
+            <a:off x="4319640" y="1604520"/>
+            <a:ext cx="3533040" cy="1896840"/>
           </a:xfrm>
           <a:prstGeom prst="rect">
             <a:avLst/>
@@ -3468,18 +3250,15 @@
             <a:normAutofit/>
           </a:bodyPr>
           <a:p>
-            <a:endParaRPr b="0" lang="en-US" sz="2000" spc="-1" strike="noStrike">
-              <a:solidFill>
-                <a:srgbClr val="404040"/>
-              </a:solidFill>
-              <a:latin typeface="Calibri"/>
-            </a:endParaRPr>
-          </a:p>
-        </p:txBody>
-      </p:sp>
-      <p:sp>
-        <p:nvSpPr>
-          <p:cNvPr id="131" name="PlaceHolder 4"/>
+            <a:endParaRPr b="0" lang="en-US" sz="3200" spc="-1" strike="noStrike">
+              <a:latin typeface="Arial"/>
+            </a:endParaRPr>
+          </a:p>
+        </p:txBody>
+      </p:sp>
+      <p:sp>
+        <p:nvSpPr>
+          <p:cNvPr id="122" name="PlaceHolder 4"/>
           <p:cNvSpPr>
             <a:spLocks noGrp="1"/>
           </p:cNvSpPr>
@@ -3489,8 +3268,8 @@
         </p:nvSpPr>
         <p:spPr>
           <a:xfrm>
-            <a:off x="7899120" y="1845720"/>
-            <a:ext cx="3238560" cy="1918800"/>
+            <a:off x="8029800" y="1604520"/>
+            <a:ext cx="3533040" cy="1896840"/>
           </a:xfrm>
           <a:prstGeom prst="rect">
             <a:avLst/>
@@ -3501,18 +3280,15 @@
             <a:normAutofit/>
           </a:bodyPr>
           <a:p>
-            <a:endParaRPr b="0" lang="en-US" sz="2000" spc="-1" strike="noStrike">
-              <a:solidFill>
-                <a:srgbClr val="404040"/>
-              </a:solidFill>
-              <a:latin typeface="Calibri"/>
-            </a:endParaRPr>
-          </a:p>
-        </p:txBody>
-      </p:sp>
-      <p:sp>
-        <p:nvSpPr>
-          <p:cNvPr id="132" name="PlaceHolder 5"/>
+            <a:endParaRPr b="0" lang="en-US" sz="3200" spc="-1" strike="noStrike">
+              <a:latin typeface="Arial"/>
+            </a:endParaRPr>
+          </a:p>
+        </p:txBody>
+      </p:sp>
+      <p:sp>
+        <p:nvSpPr>
+          <p:cNvPr id="123" name="PlaceHolder 5"/>
           <p:cNvSpPr>
             <a:spLocks noGrp="1"/>
           </p:cNvSpPr>
@@ -3522,8 +3298,8 @@
         </p:nvSpPr>
         <p:spPr>
           <a:xfrm>
-            <a:off x="1097280" y="3947040"/>
-            <a:ext cx="3238560" cy="1918800"/>
+            <a:off x="609480" y="3682080"/>
+            <a:ext cx="3533040" cy="1896840"/>
           </a:xfrm>
           <a:prstGeom prst="rect">
             <a:avLst/>
@@ -3534,18 +3310,15 @@
             <a:normAutofit/>
           </a:bodyPr>
           <a:p>
-            <a:endParaRPr b="0" lang="en-US" sz="2000" spc="-1" strike="noStrike">
-              <a:solidFill>
-                <a:srgbClr val="404040"/>
-              </a:solidFill>
-              <a:latin typeface="Calibri"/>
-            </a:endParaRPr>
-          </a:p>
-        </p:txBody>
-      </p:sp>
-      <p:sp>
-        <p:nvSpPr>
-          <p:cNvPr id="133" name="PlaceHolder 6"/>
+            <a:endParaRPr b="0" lang="en-US" sz="3200" spc="-1" strike="noStrike">
+              <a:latin typeface="Arial"/>
+            </a:endParaRPr>
+          </a:p>
+        </p:txBody>
+      </p:sp>
+      <p:sp>
+        <p:nvSpPr>
+          <p:cNvPr id="124" name="PlaceHolder 6"/>
           <p:cNvSpPr>
             <a:spLocks noGrp="1"/>
           </p:cNvSpPr>
@@ -3555,8 +3328,8 @@
         </p:nvSpPr>
         <p:spPr>
           <a:xfrm>
-            <a:off x="4498200" y="3947040"/>
-            <a:ext cx="3238560" cy="1918800"/>
+            <a:off x="4319640" y="3682080"/>
+            <a:ext cx="3533040" cy="1896840"/>
           </a:xfrm>
           <a:prstGeom prst="rect">
             <a:avLst/>
@@ -3567,18 +3340,15 @@
             <a:normAutofit/>
           </a:bodyPr>
           <a:p>
-            <a:endParaRPr b="0" lang="en-US" sz="2000" spc="-1" strike="noStrike">
-              <a:solidFill>
-                <a:srgbClr val="404040"/>
-              </a:solidFill>
-              <a:latin typeface="Calibri"/>
-            </a:endParaRPr>
-          </a:p>
-        </p:txBody>
-      </p:sp>
-      <p:sp>
-        <p:nvSpPr>
-          <p:cNvPr id="134" name="PlaceHolder 7"/>
+            <a:endParaRPr b="0" lang="en-US" sz="3200" spc="-1" strike="noStrike">
+              <a:latin typeface="Arial"/>
+            </a:endParaRPr>
+          </a:p>
+        </p:txBody>
+      </p:sp>
+      <p:sp>
+        <p:nvSpPr>
+          <p:cNvPr id="125" name="PlaceHolder 7"/>
           <p:cNvSpPr>
             <a:spLocks noGrp="1"/>
           </p:cNvSpPr>
@@ -3588,8 +3358,8 @@
         </p:nvSpPr>
         <p:spPr>
           <a:xfrm>
-            <a:off x="7899120" y="3947040"/>
-            <a:ext cx="3238560" cy="1918800"/>
+            <a:off x="8029800" y="3682080"/>
+            <a:ext cx="3533040" cy="1896840"/>
           </a:xfrm>
           <a:prstGeom prst="rect">
             <a:avLst/>
@@ -3600,11 +3370,8 @@
             <a:normAutofit/>
           </a:bodyPr>
           <a:p>
-            <a:endParaRPr b="0" lang="en-US" sz="2000" spc="-1" strike="noStrike">
-              <a:solidFill>
-                <a:srgbClr val="404040"/>
-              </a:solidFill>
-              <a:latin typeface="Calibri"/>
+            <a:endParaRPr b="0" lang="en-US" sz="3200" spc="-1" strike="noStrike">
+              <a:latin typeface="Arial"/>
             </a:endParaRPr>
           </a:p>
         </p:txBody>
@@ -3633,7 +3400,7 @@
       </p:grpSpPr>
       <p:sp>
         <p:nvSpPr>
-          <p:cNvPr id="15" name="PlaceHolder 1"/>
+          <p:cNvPr id="12" name="PlaceHolder 1"/>
           <p:cNvSpPr>
             <a:spLocks noGrp="1"/>
           </p:cNvSpPr>
@@ -3643,8 +3410,8 @@
         </p:nvSpPr>
         <p:spPr>
           <a:xfrm>
-            <a:off x="1097280" y="286560"/>
-            <a:ext cx="10058040" cy="1450440"/>
+            <a:off x="609480" y="273600"/>
+            <a:ext cx="10972440" cy="1144800"/>
           </a:xfrm>
           <a:prstGeom prst="rect">
             <a:avLst/>
@@ -3653,18 +3420,16 @@
         <p:txBody>
           <a:bodyPr lIns="0" rIns="0" tIns="0" bIns="0" anchor="ctr"/>
           <a:p>
-            <a:endParaRPr b="0" lang="en-US" sz="1800" spc="-1" strike="noStrike">
-              <a:solidFill>
-                <a:srgbClr val="000000"/>
-              </a:solidFill>
-              <a:latin typeface="Calibri"/>
-            </a:endParaRPr>
-          </a:p>
-        </p:txBody>
-      </p:sp>
-      <p:sp>
-        <p:nvSpPr>
-          <p:cNvPr id="16" name="PlaceHolder 2"/>
+            <a:pPr algn="ctr"/>
+            <a:endParaRPr b="0" lang="en-US" sz="4400" spc="-1" strike="noStrike">
+              <a:latin typeface="Arial"/>
+            </a:endParaRPr>
+          </a:p>
+        </p:txBody>
+      </p:sp>
+      <p:sp>
+        <p:nvSpPr>
+          <p:cNvPr id="13" name="PlaceHolder 2"/>
           <p:cNvSpPr>
             <a:spLocks noGrp="1"/>
           </p:cNvSpPr>
@@ -3674,8 +3439,8 @@
         </p:nvSpPr>
         <p:spPr>
           <a:xfrm>
-            <a:off x="1097280" y="1845720"/>
-            <a:ext cx="4908240" cy="4023000"/>
+            <a:off x="609480" y="1604520"/>
+            <a:ext cx="5354280" cy="3977280"/>
           </a:xfrm>
           <a:prstGeom prst="rect">
             <a:avLst/>
@@ -3686,18 +3451,15 @@
             <a:normAutofit/>
           </a:bodyPr>
           <a:p>
-            <a:endParaRPr b="0" lang="en-US" sz="2000" spc="-1" strike="noStrike">
-              <a:solidFill>
-                <a:srgbClr val="404040"/>
-              </a:solidFill>
-              <a:latin typeface="Calibri"/>
-            </a:endParaRPr>
-          </a:p>
-        </p:txBody>
-      </p:sp>
-      <p:sp>
-        <p:nvSpPr>
-          <p:cNvPr id="17" name="PlaceHolder 3"/>
+            <a:endParaRPr b="0" lang="en-US" sz="3200" spc="-1" strike="noStrike">
+              <a:latin typeface="Arial"/>
+            </a:endParaRPr>
+          </a:p>
+        </p:txBody>
+      </p:sp>
+      <p:sp>
+        <p:nvSpPr>
+          <p:cNvPr id="14" name="PlaceHolder 3"/>
           <p:cNvSpPr>
             <a:spLocks noGrp="1"/>
           </p:cNvSpPr>
@@ -3707,8 +3469,8 @@
         </p:nvSpPr>
         <p:spPr>
           <a:xfrm>
-            <a:off x="6251400" y="1845720"/>
-            <a:ext cx="4908240" cy="4023000"/>
+            <a:off x="6231960" y="1604520"/>
+            <a:ext cx="5354280" cy="3977280"/>
           </a:xfrm>
           <a:prstGeom prst="rect">
             <a:avLst/>
@@ -3719,11 +3481,8 @@
             <a:normAutofit/>
           </a:bodyPr>
           <a:p>
-            <a:endParaRPr b="0" lang="en-US" sz="2000" spc="-1" strike="noStrike">
-              <a:solidFill>
-                <a:srgbClr val="404040"/>
-              </a:solidFill>
-              <a:latin typeface="Calibri"/>
+            <a:endParaRPr b="0" lang="en-US" sz="3200" spc="-1" strike="noStrike">
+              <a:latin typeface="Arial"/>
             </a:endParaRPr>
           </a:p>
         </p:txBody>
@@ -3752,7 +3511,7 @@
       </p:grpSpPr>
       <p:sp>
         <p:nvSpPr>
-          <p:cNvPr id="18" name="PlaceHolder 1"/>
+          <p:cNvPr id="15" name="PlaceHolder 1"/>
           <p:cNvSpPr>
             <a:spLocks noGrp="1"/>
           </p:cNvSpPr>
@@ -3762,8 +3521,8 @@
         </p:nvSpPr>
         <p:spPr>
           <a:xfrm>
-            <a:off x="1097280" y="286560"/>
-            <a:ext cx="10058040" cy="1450440"/>
+            <a:off x="609480" y="273600"/>
+            <a:ext cx="10972440" cy="1144800"/>
           </a:xfrm>
           <a:prstGeom prst="rect">
             <a:avLst/>
@@ -3772,11 +3531,9 @@
         <p:txBody>
           <a:bodyPr lIns="0" rIns="0" tIns="0" bIns="0" anchor="ctr"/>
           <a:p>
-            <a:endParaRPr b="0" lang="en-US" sz="1800" spc="-1" strike="noStrike">
-              <a:solidFill>
-                <a:srgbClr val="000000"/>
-              </a:solidFill>
-              <a:latin typeface="Calibri"/>
+            <a:pPr algn="ctr"/>
+            <a:endParaRPr b="0" lang="en-US" sz="4400" spc="-1" strike="noStrike">
+              <a:latin typeface="Arial"/>
             </a:endParaRPr>
           </a:p>
         </p:txBody>
@@ -3805,7 +3562,7 @@
       </p:grpSpPr>
       <p:sp>
         <p:nvSpPr>
-          <p:cNvPr id="19" name="PlaceHolder 1"/>
+          <p:cNvPr id="16" name="PlaceHolder 1"/>
           <p:cNvSpPr>
             <a:spLocks noGrp="1"/>
           </p:cNvSpPr>
@@ -3815,8 +3572,8 @@
         </p:nvSpPr>
         <p:spPr>
           <a:xfrm>
-            <a:off x="1097280" y="286560"/>
-            <a:ext cx="10058040" cy="6724800"/>
+            <a:off x="609480" y="273600"/>
+            <a:ext cx="10972440" cy="5307840"/>
           </a:xfrm>
           <a:prstGeom prst="rect">
             <a:avLst/>
@@ -3856,7 +3613,7 @@
       </p:grpSpPr>
       <p:sp>
         <p:nvSpPr>
-          <p:cNvPr id="20" name="PlaceHolder 1"/>
+          <p:cNvPr id="17" name="PlaceHolder 1"/>
           <p:cNvSpPr>
             <a:spLocks noGrp="1"/>
           </p:cNvSpPr>
@@ -3866,8 +3623,8 @@
         </p:nvSpPr>
         <p:spPr>
           <a:xfrm>
-            <a:off x="1097280" y="286560"/>
-            <a:ext cx="10058040" cy="1450440"/>
+            <a:off x="609480" y="273600"/>
+            <a:ext cx="10972440" cy="1144800"/>
           </a:xfrm>
           <a:prstGeom prst="rect">
             <a:avLst/>
@@ -3876,18 +3633,16 @@
         <p:txBody>
           <a:bodyPr lIns="0" rIns="0" tIns="0" bIns="0" anchor="ctr"/>
           <a:p>
-            <a:endParaRPr b="0" lang="en-US" sz="1800" spc="-1" strike="noStrike">
-              <a:solidFill>
-                <a:srgbClr val="000000"/>
-              </a:solidFill>
-              <a:latin typeface="Calibri"/>
-            </a:endParaRPr>
-          </a:p>
-        </p:txBody>
-      </p:sp>
-      <p:sp>
-        <p:nvSpPr>
-          <p:cNvPr id="21" name="PlaceHolder 2"/>
+            <a:pPr algn="ctr"/>
+            <a:endParaRPr b="0" lang="en-US" sz="4400" spc="-1" strike="noStrike">
+              <a:latin typeface="Arial"/>
+            </a:endParaRPr>
+          </a:p>
+        </p:txBody>
+      </p:sp>
+      <p:sp>
+        <p:nvSpPr>
+          <p:cNvPr id="18" name="PlaceHolder 2"/>
           <p:cNvSpPr>
             <a:spLocks noGrp="1"/>
           </p:cNvSpPr>
@@ -3897,8 +3652,8 @@
         </p:nvSpPr>
         <p:spPr>
           <a:xfrm>
-            <a:off x="1097280" y="1845720"/>
-            <a:ext cx="4908240" cy="1918800"/>
+            <a:off x="609480" y="1604520"/>
+            <a:ext cx="5354280" cy="1896840"/>
           </a:xfrm>
           <a:prstGeom prst="rect">
             <a:avLst/>
@@ -3909,18 +3664,15 @@
             <a:normAutofit/>
           </a:bodyPr>
           <a:p>
-            <a:endParaRPr b="0" lang="en-US" sz="2000" spc="-1" strike="noStrike">
-              <a:solidFill>
-                <a:srgbClr val="404040"/>
-              </a:solidFill>
-              <a:latin typeface="Calibri"/>
-            </a:endParaRPr>
-          </a:p>
-        </p:txBody>
-      </p:sp>
-      <p:sp>
-        <p:nvSpPr>
-          <p:cNvPr id="22" name="PlaceHolder 3"/>
+            <a:endParaRPr b="0" lang="en-US" sz="3200" spc="-1" strike="noStrike">
+              <a:latin typeface="Arial"/>
+            </a:endParaRPr>
+          </a:p>
+        </p:txBody>
+      </p:sp>
+      <p:sp>
+        <p:nvSpPr>
+          <p:cNvPr id="19" name="PlaceHolder 3"/>
           <p:cNvSpPr>
             <a:spLocks noGrp="1"/>
           </p:cNvSpPr>
@@ -3930,8 +3682,8 @@
         </p:nvSpPr>
         <p:spPr>
           <a:xfrm>
-            <a:off x="6251400" y="1845720"/>
-            <a:ext cx="4908240" cy="4023000"/>
+            <a:off x="6231960" y="1604520"/>
+            <a:ext cx="5354280" cy="3977280"/>
           </a:xfrm>
           <a:prstGeom prst="rect">
             <a:avLst/>
@@ -3942,18 +3694,15 @@
             <a:normAutofit/>
           </a:bodyPr>
           <a:p>
-            <a:endParaRPr b="0" lang="en-US" sz="2000" spc="-1" strike="noStrike">
-              <a:solidFill>
-                <a:srgbClr val="404040"/>
-              </a:solidFill>
-              <a:latin typeface="Calibri"/>
-            </a:endParaRPr>
-          </a:p>
-        </p:txBody>
-      </p:sp>
-      <p:sp>
-        <p:nvSpPr>
-          <p:cNvPr id="23" name="PlaceHolder 4"/>
+            <a:endParaRPr b="0" lang="en-US" sz="3200" spc="-1" strike="noStrike">
+              <a:latin typeface="Arial"/>
+            </a:endParaRPr>
+          </a:p>
+        </p:txBody>
+      </p:sp>
+      <p:sp>
+        <p:nvSpPr>
+          <p:cNvPr id="20" name="PlaceHolder 4"/>
           <p:cNvSpPr>
             <a:spLocks noGrp="1"/>
           </p:cNvSpPr>
@@ -3963,8 +3712,8 @@
         </p:nvSpPr>
         <p:spPr>
           <a:xfrm>
-            <a:off x="1097280" y="3947040"/>
-            <a:ext cx="4908240" cy="1918800"/>
+            <a:off x="609480" y="3682080"/>
+            <a:ext cx="5354280" cy="1896840"/>
           </a:xfrm>
           <a:prstGeom prst="rect">
             <a:avLst/>
@@ -3975,11 +3724,8 @@
             <a:normAutofit/>
           </a:bodyPr>
           <a:p>
-            <a:endParaRPr b="0" lang="en-US" sz="2000" spc="-1" strike="noStrike">
-              <a:solidFill>
-                <a:srgbClr val="404040"/>
-              </a:solidFill>
-              <a:latin typeface="Calibri"/>
+            <a:endParaRPr b="0" lang="en-US" sz="3200" spc="-1" strike="noStrike">
+              <a:latin typeface="Arial"/>
             </a:endParaRPr>
           </a:p>
         </p:txBody>
@@ -4008,7 +3754,7 @@
       </p:grpSpPr>
       <p:sp>
         <p:nvSpPr>
-          <p:cNvPr id="24" name="PlaceHolder 1"/>
+          <p:cNvPr id="21" name="PlaceHolder 1"/>
           <p:cNvSpPr>
             <a:spLocks noGrp="1"/>
           </p:cNvSpPr>
@@ -4018,8 +3764,8 @@
         </p:nvSpPr>
         <p:spPr>
           <a:xfrm>
-            <a:off x="1097280" y="286560"/>
-            <a:ext cx="10058040" cy="1450440"/>
+            <a:off x="609480" y="273600"/>
+            <a:ext cx="10972440" cy="1144800"/>
           </a:xfrm>
           <a:prstGeom prst="rect">
             <a:avLst/>
@@ -4028,18 +3774,16 @@
         <p:txBody>
           <a:bodyPr lIns="0" rIns="0" tIns="0" bIns="0" anchor="ctr"/>
           <a:p>
-            <a:endParaRPr b="0" lang="en-US" sz="1800" spc="-1" strike="noStrike">
-              <a:solidFill>
-                <a:srgbClr val="000000"/>
-              </a:solidFill>
-              <a:latin typeface="Calibri"/>
-            </a:endParaRPr>
-          </a:p>
-        </p:txBody>
-      </p:sp>
-      <p:sp>
-        <p:nvSpPr>
-          <p:cNvPr id="25" name="PlaceHolder 2"/>
+            <a:pPr algn="ctr"/>
+            <a:endParaRPr b="0" lang="en-US" sz="4400" spc="-1" strike="noStrike">
+              <a:latin typeface="Arial"/>
+            </a:endParaRPr>
+          </a:p>
+        </p:txBody>
+      </p:sp>
+      <p:sp>
+        <p:nvSpPr>
+          <p:cNvPr id="22" name="PlaceHolder 2"/>
           <p:cNvSpPr>
             <a:spLocks noGrp="1"/>
           </p:cNvSpPr>
@@ -4049,8 +3793,8 @@
         </p:nvSpPr>
         <p:spPr>
           <a:xfrm>
-            <a:off x="1097280" y="1845720"/>
-            <a:ext cx="4908240" cy="4023000"/>
+            <a:off x="609480" y="1604520"/>
+            <a:ext cx="5354280" cy="3977280"/>
           </a:xfrm>
           <a:prstGeom prst="rect">
             <a:avLst/>
@@ -4061,18 +3805,15 @@
             <a:normAutofit/>
           </a:bodyPr>
           <a:p>
-            <a:endParaRPr b="0" lang="en-US" sz="2000" spc="-1" strike="noStrike">
-              <a:solidFill>
-                <a:srgbClr val="404040"/>
-              </a:solidFill>
-              <a:latin typeface="Calibri"/>
-            </a:endParaRPr>
-          </a:p>
-        </p:txBody>
-      </p:sp>
-      <p:sp>
-        <p:nvSpPr>
-          <p:cNvPr id="26" name="PlaceHolder 3"/>
+            <a:endParaRPr b="0" lang="en-US" sz="3200" spc="-1" strike="noStrike">
+              <a:latin typeface="Arial"/>
+            </a:endParaRPr>
+          </a:p>
+        </p:txBody>
+      </p:sp>
+      <p:sp>
+        <p:nvSpPr>
+          <p:cNvPr id="23" name="PlaceHolder 3"/>
           <p:cNvSpPr>
             <a:spLocks noGrp="1"/>
           </p:cNvSpPr>
@@ -4082,8 +3823,8 @@
         </p:nvSpPr>
         <p:spPr>
           <a:xfrm>
-            <a:off x="6251400" y="1845720"/>
-            <a:ext cx="4908240" cy="1918800"/>
+            <a:off x="6231960" y="1604520"/>
+            <a:ext cx="5354280" cy="1896840"/>
           </a:xfrm>
           <a:prstGeom prst="rect">
             <a:avLst/>
@@ -4094,18 +3835,15 @@
             <a:normAutofit/>
           </a:bodyPr>
           <a:p>
-            <a:endParaRPr b="0" lang="en-US" sz="2000" spc="-1" strike="noStrike">
-              <a:solidFill>
-                <a:srgbClr val="404040"/>
-              </a:solidFill>
-              <a:latin typeface="Calibri"/>
-            </a:endParaRPr>
-          </a:p>
-        </p:txBody>
-      </p:sp>
-      <p:sp>
-        <p:nvSpPr>
-          <p:cNvPr id="27" name="PlaceHolder 4"/>
+            <a:endParaRPr b="0" lang="en-US" sz="3200" spc="-1" strike="noStrike">
+              <a:latin typeface="Arial"/>
+            </a:endParaRPr>
+          </a:p>
+        </p:txBody>
+      </p:sp>
+      <p:sp>
+        <p:nvSpPr>
+          <p:cNvPr id="24" name="PlaceHolder 4"/>
           <p:cNvSpPr>
             <a:spLocks noGrp="1"/>
           </p:cNvSpPr>
@@ -4115,8 +3853,8 @@
         </p:nvSpPr>
         <p:spPr>
           <a:xfrm>
-            <a:off x="6251400" y="3947040"/>
-            <a:ext cx="4908240" cy="1918800"/>
+            <a:off x="6231960" y="3682080"/>
+            <a:ext cx="5354280" cy="1896840"/>
           </a:xfrm>
           <a:prstGeom prst="rect">
             <a:avLst/>
@@ -4127,11 +3865,8 @@
             <a:normAutofit/>
           </a:bodyPr>
           <a:p>
-            <a:endParaRPr b="0" lang="en-US" sz="2000" spc="-1" strike="noStrike">
-              <a:solidFill>
-                <a:srgbClr val="404040"/>
-              </a:solidFill>
-              <a:latin typeface="Calibri"/>
+            <a:endParaRPr b="0" lang="en-US" sz="3200" spc="-1" strike="noStrike">
+              <a:latin typeface="Arial"/>
             </a:endParaRPr>
           </a:p>
         </p:txBody>
@@ -4160,7 +3895,7 @@
       </p:grpSpPr>
       <p:sp>
         <p:nvSpPr>
-          <p:cNvPr id="28" name="PlaceHolder 1"/>
+          <p:cNvPr id="25" name="PlaceHolder 1"/>
           <p:cNvSpPr>
             <a:spLocks noGrp="1"/>
           </p:cNvSpPr>
@@ -4170,8 +3905,8 @@
         </p:nvSpPr>
         <p:spPr>
           <a:xfrm>
-            <a:off x="1097280" y="286560"/>
-            <a:ext cx="10058040" cy="1450440"/>
+            <a:off x="609480" y="273600"/>
+            <a:ext cx="10972440" cy="1144800"/>
           </a:xfrm>
           <a:prstGeom prst="rect">
             <a:avLst/>
@@ -4180,18 +3915,16 @@
         <p:txBody>
           <a:bodyPr lIns="0" rIns="0" tIns="0" bIns="0" anchor="ctr"/>
           <a:p>
-            <a:endParaRPr b="0" lang="en-US" sz="1800" spc="-1" strike="noStrike">
-              <a:solidFill>
-                <a:srgbClr val="000000"/>
-              </a:solidFill>
-              <a:latin typeface="Calibri"/>
-            </a:endParaRPr>
-          </a:p>
-        </p:txBody>
-      </p:sp>
-      <p:sp>
-        <p:nvSpPr>
-          <p:cNvPr id="29" name="PlaceHolder 2"/>
+            <a:pPr algn="ctr"/>
+            <a:endParaRPr b="0" lang="en-US" sz="4400" spc="-1" strike="noStrike">
+              <a:latin typeface="Arial"/>
+            </a:endParaRPr>
+          </a:p>
+        </p:txBody>
+      </p:sp>
+      <p:sp>
+        <p:nvSpPr>
+          <p:cNvPr id="26" name="PlaceHolder 2"/>
           <p:cNvSpPr>
             <a:spLocks noGrp="1"/>
           </p:cNvSpPr>
@@ -4201,8 +3934,8 @@
         </p:nvSpPr>
         <p:spPr>
           <a:xfrm>
-            <a:off x="1097280" y="1845720"/>
-            <a:ext cx="4908240" cy="1918800"/>
+            <a:off x="609480" y="1604520"/>
+            <a:ext cx="5354280" cy="1896840"/>
           </a:xfrm>
           <a:prstGeom prst="rect">
             <a:avLst/>
@@ -4213,18 +3946,15 @@
             <a:normAutofit/>
           </a:bodyPr>
           <a:p>
-            <a:endParaRPr b="0" lang="en-US" sz="2000" spc="-1" strike="noStrike">
-              <a:solidFill>
-                <a:srgbClr val="404040"/>
-              </a:solidFill>
-              <a:latin typeface="Calibri"/>
-            </a:endParaRPr>
-          </a:p>
-        </p:txBody>
-      </p:sp>
-      <p:sp>
-        <p:nvSpPr>
-          <p:cNvPr id="30" name="PlaceHolder 3"/>
+            <a:endParaRPr b="0" lang="en-US" sz="3200" spc="-1" strike="noStrike">
+              <a:latin typeface="Arial"/>
+            </a:endParaRPr>
+          </a:p>
+        </p:txBody>
+      </p:sp>
+      <p:sp>
+        <p:nvSpPr>
+          <p:cNvPr id="27" name="PlaceHolder 3"/>
           <p:cNvSpPr>
             <a:spLocks noGrp="1"/>
           </p:cNvSpPr>
@@ -4234,8 +3964,8 @@
         </p:nvSpPr>
         <p:spPr>
           <a:xfrm>
-            <a:off x="6251400" y="1845720"/>
-            <a:ext cx="4908240" cy="1918800"/>
+            <a:off x="6231960" y="1604520"/>
+            <a:ext cx="5354280" cy="1896840"/>
           </a:xfrm>
           <a:prstGeom prst="rect">
             <a:avLst/>
@@ -4246,18 +3976,15 @@
             <a:normAutofit/>
           </a:bodyPr>
           <a:p>
-            <a:endParaRPr b="0" lang="en-US" sz="2000" spc="-1" strike="noStrike">
-              <a:solidFill>
-                <a:srgbClr val="404040"/>
-              </a:solidFill>
-              <a:latin typeface="Calibri"/>
-            </a:endParaRPr>
-          </a:p>
-        </p:txBody>
-      </p:sp>
-      <p:sp>
-        <p:nvSpPr>
-          <p:cNvPr id="31" name="PlaceHolder 4"/>
+            <a:endParaRPr b="0" lang="en-US" sz="3200" spc="-1" strike="noStrike">
+              <a:latin typeface="Arial"/>
+            </a:endParaRPr>
+          </a:p>
+        </p:txBody>
+      </p:sp>
+      <p:sp>
+        <p:nvSpPr>
+          <p:cNvPr id="28" name="PlaceHolder 4"/>
           <p:cNvSpPr>
             <a:spLocks noGrp="1"/>
           </p:cNvSpPr>
@@ -4267,8 +3994,8 @@
         </p:nvSpPr>
         <p:spPr>
           <a:xfrm>
-            <a:off x="1097280" y="3947040"/>
-            <a:ext cx="10058040" cy="1918800"/>
+            <a:off x="609480" y="3682080"/>
+            <a:ext cx="10972440" cy="1896840"/>
           </a:xfrm>
           <a:prstGeom prst="rect">
             <a:avLst/>
@@ -4279,11 +4006,8 @@
             <a:normAutofit/>
           </a:bodyPr>
           <a:p>
-            <a:endParaRPr b="0" lang="en-US" sz="2000" spc="-1" strike="noStrike">
-              <a:solidFill>
-                <a:srgbClr val="404040"/>
-              </a:solidFill>
-              <a:latin typeface="Calibri"/>
+            <a:endParaRPr b="0" lang="en-US" sz="3200" spc="-1" strike="noStrike">
+              <a:latin typeface="Arial"/>
             </a:endParaRPr>
           </a:p>
         </p:txBody>
@@ -4326,7 +4050,7 @@
         <p:spPr>
           <a:xfrm>
             <a:off x="0" y="6400800"/>
-            <a:ext cx="12191760" cy="456840"/>
+            <a:ext cx="12191400" cy="456480"/>
           </a:xfrm>
           <a:prstGeom prst="rect">
             <a:avLst/>
@@ -4362,7 +4086,7 @@
         <p:spPr>
           <a:xfrm>
             <a:off x="0" y="6334200"/>
-            <a:ext cx="12191760" cy="65520"/>
+            <a:ext cx="12191400" cy="65160"/>
           </a:xfrm>
           <a:prstGeom prst="rect">
             <a:avLst/>
@@ -4435,7 +4159,7 @@
         <p:spPr>
           <a:xfrm>
             <a:off x="3240" y="6400800"/>
-            <a:ext cx="12188520" cy="456840"/>
+            <a:ext cx="12188160" cy="456480"/>
           </a:xfrm>
           <a:prstGeom prst="rect">
             <a:avLst/>
@@ -4471,7 +4195,7 @@
         <p:spPr>
           <a:xfrm>
             <a:off x="0" y="6334200"/>
-            <a:ext cx="12188520" cy="63720"/>
+            <a:ext cx="12188160" cy="63360"/>
           </a:xfrm>
           <a:prstGeom prst="rect">
             <a:avLst/>
@@ -4500,166 +4224,7 @@
       </p:sp>
       <p:sp>
         <p:nvSpPr>
-          <p:cNvPr id="5" name="PlaceHolder 6"/>
-          <p:cNvSpPr>
-            <a:spLocks noGrp="1"/>
-          </p:cNvSpPr>
-          <p:nvPr>
-            <p:ph type="title"/>
-          </p:nvPr>
-        </p:nvSpPr>
-        <p:spPr>
-          <a:xfrm>
-            <a:off x="1097280" y="758880"/>
-            <a:ext cx="10058040" cy="3565800"/>
-          </a:xfrm>
-          <a:prstGeom prst="rect">
-            <a:avLst/>
-          </a:prstGeom>
-        </p:spPr>
-        <p:txBody>
-          <a:bodyPr anchor="b">
-            <a:normAutofit/>
-          </a:bodyPr>
-          <a:p>
-            <a:pPr>
-              <a:lnSpc>
-                <a:spcPct val="85000"/>
-              </a:lnSpc>
-            </a:pPr>
-            <a:r>
-              <a:rPr b="0" lang="en-US" sz="8000" spc="-49" strike="noStrike">
-                <a:solidFill>
-                  <a:srgbClr val="262626"/>
-                </a:solidFill>
-                <a:latin typeface="Calibri Light"/>
-              </a:rPr>
-              <a:t>Click to edit Master title style</a:t>
-            </a:r>
-            <a:endParaRPr b="0" lang="en-US" sz="8000" spc="-1" strike="noStrike">
-              <a:solidFill>
-                <a:srgbClr val="000000"/>
-              </a:solidFill>
-              <a:latin typeface="Calibri"/>
-            </a:endParaRPr>
-          </a:p>
-        </p:txBody>
-      </p:sp>
-      <p:sp>
-        <p:nvSpPr>
-          <p:cNvPr id="6" name="PlaceHolder 7"/>
-          <p:cNvSpPr>
-            <a:spLocks noGrp="1"/>
-          </p:cNvSpPr>
-          <p:nvPr>
-            <p:ph type="dt"/>
-          </p:nvPr>
-        </p:nvSpPr>
-        <p:spPr>
-          <a:xfrm>
-            <a:off x="1097280" y="6459840"/>
-            <a:ext cx="2471760" cy="364680"/>
-          </a:xfrm>
-          <a:prstGeom prst="rect">
-            <a:avLst/>
-          </a:prstGeom>
-        </p:spPr>
-        <p:txBody>
-          <a:bodyPr anchor="ctr"/>
-          <a:p>
-            <a:pPr>
-              <a:lnSpc>
-                <a:spcPct val="100000"/>
-              </a:lnSpc>
-            </a:pPr>
-            <a:fld id="{96DC6D38-C526-4B41-894A-96CBFE376D0F}" type="datetime">
-              <a:rPr b="0" lang="en-US" sz="900" spc="-1" strike="noStrike">
-                <a:solidFill>
-                  <a:srgbClr val="ffffff"/>
-                </a:solidFill>
-                <a:latin typeface="Calibri"/>
-              </a:rPr>
-              <a:t>12/11/19</a:t>
-            </a:fld>
-            <a:endParaRPr b="0" lang="en-US" sz="900" spc="-1" strike="noStrike">
-              <a:latin typeface="Times New Roman"/>
-            </a:endParaRPr>
-          </a:p>
-        </p:txBody>
-      </p:sp>
-      <p:sp>
-        <p:nvSpPr>
-          <p:cNvPr id="7" name="PlaceHolder 8"/>
-          <p:cNvSpPr>
-            <a:spLocks noGrp="1"/>
-          </p:cNvSpPr>
-          <p:nvPr>
-            <p:ph type="ftr"/>
-          </p:nvPr>
-        </p:nvSpPr>
-        <p:spPr>
-          <a:xfrm>
-            <a:off x="3686040" y="6459840"/>
-            <a:ext cx="4822560" cy="364680"/>
-          </a:xfrm>
-          <a:prstGeom prst="rect">
-            <a:avLst/>
-          </a:prstGeom>
-        </p:spPr>
-        <p:txBody>
-          <a:bodyPr anchor="ctr"/>
-          <a:p>
-            <a:endParaRPr b="0" lang="en-US" sz="2400" spc="-1" strike="noStrike">
-              <a:latin typeface="Times New Roman"/>
-            </a:endParaRPr>
-          </a:p>
-        </p:txBody>
-      </p:sp>
-      <p:sp>
-        <p:nvSpPr>
-          <p:cNvPr id="8" name="PlaceHolder 9"/>
-          <p:cNvSpPr>
-            <a:spLocks noGrp="1"/>
-          </p:cNvSpPr>
-          <p:nvPr>
-            <p:ph type="sldNum"/>
-          </p:nvPr>
-        </p:nvSpPr>
-        <p:spPr>
-          <a:xfrm>
-            <a:off x="9900360" y="6459840"/>
-            <a:ext cx="1311840" cy="364680"/>
-          </a:xfrm>
-          <a:prstGeom prst="rect">
-            <a:avLst/>
-          </a:prstGeom>
-        </p:spPr>
-        <p:txBody>
-          <a:bodyPr anchor="ctr"/>
-          <a:p>
-            <a:pPr algn="r">
-              <a:lnSpc>
-                <a:spcPct val="100000"/>
-              </a:lnSpc>
-            </a:pPr>
-            <a:fld id="{42F4FFC1-D369-442F-B54D-7BE2D0A15761}" type="slidenum">
-              <a:rPr b="0" lang="en-US" sz="1050" spc="-1" strike="noStrike">
-                <a:solidFill>
-                  <a:srgbClr val="ffffff"/>
-                </a:solidFill>
-                <a:latin typeface="Calibri"/>
-              </a:rPr>
-              <a:t>1</a:t>
-            </a:fld>
-            <a:endParaRPr b="0" lang="en-US" sz="1050" spc="-1" strike="noStrike">
-              <a:latin typeface="Times New Roman"/>
-            </a:endParaRPr>
-          </a:p>
-        </p:txBody>
-      </p:sp>
-      <p:sp>
-        <p:nvSpPr>
-          <p:cNvPr id="9" name="Line 10"/>
+          <p:cNvPr id="5" name="Line 6"/>
           <p:cNvSpPr/>
           <p:nvPr/>
         </p:nvSpPr>
@@ -4696,7 +4261,41 @@
       </p:sp>
       <p:sp>
         <p:nvSpPr>
-          <p:cNvPr id="10" name="PlaceHolder 11"/>
+          <p:cNvPr id="6" name="PlaceHolder 7"/>
+          <p:cNvSpPr>
+            <a:spLocks noGrp="1"/>
+          </p:cNvSpPr>
+          <p:nvPr>
+            <p:ph type="title"/>
+          </p:nvPr>
+        </p:nvSpPr>
+        <p:spPr>
+          <a:xfrm>
+            <a:off x="1097280" y="286560"/>
+            <a:ext cx="10057680" cy="1450080"/>
+          </a:xfrm>
+          <a:prstGeom prst="rect">
+            <a:avLst/>
+          </a:prstGeom>
+        </p:spPr>
+        <p:txBody>
+          <a:bodyPr lIns="0" rIns="0" tIns="0" bIns="0" anchor="ctr"/>
+          <a:p>
+            <a:r>
+              <a:rPr b="0" lang="en-US" sz="1800" spc="-1" strike="noStrike">
+                <a:latin typeface="Arial"/>
+              </a:rPr>
+              <a:t>Click to edit the title text format</a:t>
+            </a:r>
+            <a:endParaRPr b="0" lang="en-US" sz="1800" spc="-1" strike="noStrike">
+              <a:latin typeface="Arial"/>
+            </a:endParaRPr>
+          </a:p>
+        </p:txBody>
+      </p:sp>
+      <p:sp>
+        <p:nvSpPr>
+          <p:cNvPr id="7" name="PlaceHolder 8"/>
           <p:cNvSpPr>
             <a:spLocks noGrp="1"/>
           </p:cNvSpPr>
@@ -4730,19 +4329,13 @@
               <a:buChar char=""/>
             </a:pPr>
             <a:r>
-              <a:rPr b="0" lang="en-US" sz="2000" spc="-1" strike="noStrike">
-                <a:solidFill>
-                  <a:srgbClr val="404040"/>
-                </a:solidFill>
-                <a:latin typeface="Calibri"/>
+              <a:rPr b="0" lang="en-US" sz="3200" spc="-1" strike="noStrike">
+                <a:latin typeface="Arial"/>
               </a:rPr>
               <a:t>Click to edit the outline text format</a:t>
             </a:r>
-            <a:endParaRPr b="0" lang="en-US" sz="2000" spc="-1" strike="noStrike">
-              <a:solidFill>
-                <a:srgbClr val="404040"/>
-              </a:solidFill>
-              <a:latin typeface="Calibri"/>
+            <a:endParaRPr b="0" lang="en-US" sz="3200" spc="-1" strike="noStrike">
+              <a:latin typeface="Arial"/>
             </a:endParaRPr>
           </a:p>
           <a:p>
@@ -4758,19 +4351,13 @@
               <a:buChar char=""/>
             </a:pPr>
             <a:r>
-              <a:rPr b="0" lang="en-US" sz="1400" spc="-1" strike="noStrike">
-                <a:solidFill>
-                  <a:srgbClr val="404040"/>
-                </a:solidFill>
-                <a:latin typeface="Calibri"/>
+              <a:rPr b="0" lang="en-US" sz="2800" spc="-1" strike="noStrike">
+                <a:latin typeface="Arial"/>
               </a:rPr>
               <a:t>Second Outline Level</a:t>
             </a:r>
-            <a:endParaRPr b="0" lang="en-US" sz="1400" spc="-1" strike="noStrike">
-              <a:solidFill>
-                <a:srgbClr val="404040"/>
-              </a:solidFill>
-              <a:latin typeface="Calibri"/>
+            <a:endParaRPr b="0" lang="en-US" sz="2800" spc="-1" strike="noStrike">
+              <a:latin typeface="Arial"/>
             </a:endParaRPr>
           </a:p>
           <a:p>
@@ -4786,19 +4373,13 @@
               <a:buChar char=""/>
             </a:pPr>
             <a:r>
-              <a:rPr b="0" lang="en-US" sz="1400" spc="-1" strike="noStrike">
-                <a:solidFill>
-                  <a:srgbClr val="404040"/>
-                </a:solidFill>
-                <a:latin typeface="Calibri"/>
+              <a:rPr b="0" lang="en-US" sz="2400" spc="-1" strike="noStrike">
+                <a:latin typeface="Arial"/>
               </a:rPr>
               <a:t>Third Outline Level</a:t>
             </a:r>
-            <a:endParaRPr b="0" lang="en-US" sz="1400" spc="-1" strike="noStrike">
-              <a:solidFill>
-                <a:srgbClr val="404040"/>
-              </a:solidFill>
-              <a:latin typeface="Calibri"/>
+            <a:endParaRPr b="0" lang="en-US" sz="2400" spc="-1" strike="noStrike">
+              <a:latin typeface="Arial"/>
             </a:endParaRPr>
           </a:p>
           <a:p>
@@ -4814,19 +4395,13 @@
               <a:buChar char=""/>
             </a:pPr>
             <a:r>
-              <a:rPr b="0" lang="en-US" sz="1400" spc="-1" strike="noStrike">
-                <a:solidFill>
-                  <a:srgbClr val="404040"/>
-                </a:solidFill>
-                <a:latin typeface="Calibri"/>
+              <a:rPr b="0" lang="en-US" sz="2000" spc="-1" strike="noStrike">
+                <a:latin typeface="Arial"/>
               </a:rPr>
               <a:t>Fourth Outline Level</a:t>
             </a:r>
-            <a:endParaRPr b="0" lang="en-US" sz="1400" spc="-1" strike="noStrike">
-              <a:solidFill>
-                <a:srgbClr val="404040"/>
-              </a:solidFill>
-              <a:latin typeface="Calibri"/>
+            <a:endParaRPr b="0" lang="en-US" sz="2000" spc="-1" strike="noStrike">
+              <a:latin typeface="Arial"/>
             </a:endParaRPr>
           </a:p>
           <a:p>
@@ -4843,18 +4418,12 @@
             </a:pPr>
             <a:r>
               <a:rPr b="0" lang="en-US" sz="2000" spc="-1" strike="noStrike">
-                <a:solidFill>
-                  <a:srgbClr val="404040"/>
-                </a:solidFill>
-                <a:latin typeface="Calibri"/>
+                <a:latin typeface="Arial"/>
               </a:rPr>
               <a:t>Fifth Outline Level</a:t>
             </a:r>
             <a:endParaRPr b="0" lang="en-US" sz="2000" spc="-1" strike="noStrike">
-              <a:solidFill>
-                <a:srgbClr val="404040"/>
-              </a:solidFill>
-              <a:latin typeface="Calibri"/>
+              <a:latin typeface="Arial"/>
             </a:endParaRPr>
           </a:p>
           <a:p>
@@ -4871,18 +4440,12 @@
             </a:pPr>
             <a:r>
               <a:rPr b="0" lang="en-US" sz="2000" spc="-1" strike="noStrike">
-                <a:solidFill>
-                  <a:srgbClr val="404040"/>
-                </a:solidFill>
-                <a:latin typeface="Calibri"/>
+                <a:latin typeface="Arial"/>
               </a:rPr>
               <a:t>Sixth Outline Level</a:t>
             </a:r>
             <a:endParaRPr b="0" lang="en-US" sz="2000" spc="-1" strike="noStrike">
-              <a:solidFill>
-                <a:srgbClr val="404040"/>
-              </a:solidFill>
-              <a:latin typeface="Calibri"/>
+              <a:latin typeface="Arial"/>
             </a:endParaRPr>
           </a:p>
           <a:p>
@@ -4899,18 +4462,12 @@
             </a:pPr>
             <a:r>
               <a:rPr b="0" lang="en-US" sz="2000" spc="-1" strike="noStrike">
-                <a:solidFill>
-                  <a:srgbClr val="404040"/>
-                </a:solidFill>
-                <a:latin typeface="Calibri"/>
+                <a:latin typeface="Arial"/>
               </a:rPr>
               <a:t>Seventh Outline Level</a:t>
             </a:r>
             <a:endParaRPr b="0" lang="en-US" sz="2000" spc="-1" strike="noStrike">
-              <a:solidFill>
-                <a:srgbClr val="404040"/>
-              </a:solidFill>
-              <a:latin typeface="Calibri"/>
+              <a:latin typeface="Arial"/>
             </a:endParaRPr>
           </a:p>
         </p:txBody>
@@ -4961,14 +4518,14 @@
       </p:grpSpPr>
       <p:sp>
         <p:nvSpPr>
-          <p:cNvPr id="47" name="CustomShape 1"/>
+          <p:cNvPr id="44" name="CustomShape 1"/>
           <p:cNvSpPr/>
           <p:nvPr/>
         </p:nvSpPr>
         <p:spPr>
           <a:xfrm>
             <a:off x="0" y="6400800"/>
-            <a:ext cx="12191760" cy="456840"/>
+            <a:ext cx="12191400" cy="456480"/>
           </a:xfrm>
           <a:prstGeom prst="rect">
             <a:avLst/>
@@ -4997,14 +4554,14 @@
       </p:sp>
       <p:sp>
         <p:nvSpPr>
-          <p:cNvPr id="48" name="CustomShape 2"/>
+          <p:cNvPr id="45" name="CustomShape 2"/>
           <p:cNvSpPr/>
           <p:nvPr/>
         </p:nvSpPr>
         <p:spPr>
           <a:xfrm>
             <a:off x="0" y="6334200"/>
-            <a:ext cx="12191760" cy="65520"/>
+            <a:ext cx="12191400" cy="65160"/>
           </a:xfrm>
           <a:prstGeom prst="rect">
             <a:avLst/>
@@ -5033,7 +4590,7 @@
       </p:sp>
       <p:sp>
         <p:nvSpPr>
-          <p:cNvPr id="49" name="Line 3"/>
+          <p:cNvPr id="46" name="Line 3"/>
           <p:cNvSpPr/>
           <p:nvPr/>
         </p:nvSpPr>
@@ -5070,7 +4627,7 @@
       </p:sp>
       <p:sp>
         <p:nvSpPr>
-          <p:cNvPr id="50" name="PlaceHolder 4"/>
+          <p:cNvPr id="47" name="PlaceHolder 4"/>
           <p:cNvSpPr>
             <a:spLocks noGrp="1"/>
           </p:cNvSpPr>
@@ -5080,335 +4637,204 @@
         </p:nvSpPr>
         <p:spPr>
           <a:xfrm>
-            <a:off x="1097280" y="286560"/>
-            <a:ext cx="10058040" cy="1450440"/>
-          </a:xfrm>
-          <a:prstGeom prst="rect">
-            <a:avLst/>
-          </a:prstGeom>
-        </p:spPr>
-        <p:txBody>
-          <a:bodyPr anchor="b"/>
-          <a:p>
-            <a:pPr>
-              <a:lnSpc>
-                <a:spcPct val="85000"/>
-              </a:lnSpc>
+            <a:off x="609480" y="273600"/>
+            <a:ext cx="10972440" cy="1144800"/>
+          </a:xfrm>
+          <a:prstGeom prst="rect">
+            <a:avLst/>
+          </a:prstGeom>
+        </p:spPr>
+        <p:txBody>
+          <a:bodyPr lIns="0" rIns="0" tIns="0" bIns="0" anchor="ctr"/>
+          <a:p>
+            <a:pPr algn="ctr"/>
+            <a:r>
+              <a:rPr b="0" lang="en-US" sz="4400" spc="-1" strike="noStrike">
+                <a:latin typeface="Arial"/>
+              </a:rPr>
+              <a:t>Click to edit the title text format</a:t>
+            </a:r>
+            <a:endParaRPr b="0" lang="en-US" sz="4400" spc="-1" strike="noStrike">
+              <a:latin typeface="Arial"/>
+            </a:endParaRPr>
+          </a:p>
+        </p:txBody>
+      </p:sp>
+      <p:sp>
+        <p:nvSpPr>
+          <p:cNvPr id="48" name="PlaceHolder 5"/>
+          <p:cNvSpPr>
+            <a:spLocks noGrp="1"/>
+          </p:cNvSpPr>
+          <p:nvPr>
+            <p:ph type="body"/>
+          </p:nvPr>
+        </p:nvSpPr>
+        <p:spPr>
+          <a:xfrm>
+            <a:off x="609480" y="1604520"/>
+            <a:ext cx="10972440" cy="3977280"/>
+          </a:xfrm>
+          <a:prstGeom prst="rect">
+            <a:avLst/>
+          </a:prstGeom>
+        </p:spPr>
+        <p:txBody>
+          <a:bodyPr lIns="0" rIns="0" tIns="0" bIns="0">
+            <a:normAutofit/>
+          </a:bodyPr>
+          <a:p>
+            <a:pPr marL="432000" indent="-324000">
+              <a:spcBef>
+                <a:spcPts val="1417"/>
+              </a:spcBef>
+              <a:buClr>
+                <a:srgbClr val="000000"/>
+              </a:buClr>
+              <a:buSzPct val="45000"/>
+              <a:buFont typeface="Wingdings" charset="2"/>
+              <a:buChar char=""/>
             </a:pPr>
             <a:r>
-              <a:rPr b="0" lang="en-US" sz="4800" spc="-49" strike="noStrike">
-                <a:solidFill>
-                  <a:srgbClr val="404040"/>
-                </a:solidFill>
-                <a:latin typeface="Calibri Light"/>
+              <a:rPr b="0" lang="en-US" sz="3200" spc="-1" strike="noStrike">
+                <a:latin typeface="Arial"/>
               </a:rPr>
-              <a:t>Click to edit Master title style</a:t>
+              <a:t>Click to edit the outline text format</a:t>
             </a:r>
-            <a:endParaRPr b="0" lang="en-US" sz="4800" spc="-1" strike="noStrike">
-              <a:solidFill>
+            <a:endParaRPr b="0" lang="en-US" sz="3200" spc="-1" strike="noStrike">
+              <a:latin typeface="Arial"/>
+            </a:endParaRPr>
+          </a:p>
+          <a:p>
+            <a:pPr lvl="1" marL="864000" indent="-324000">
+              <a:spcBef>
+                <a:spcPts val="1134"/>
+              </a:spcBef>
+              <a:buClr>
                 <a:srgbClr val="000000"/>
-              </a:solidFill>
-              <a:latin typeface="Calibri"/>
-            </a:endParaRPr>
-          </a:p>
-        </p:txBody>
-      </p:sp>
-      <p:sp>
-        <p:nvSpPr>
-          <p:cNvPr id="51" name="PlaceHolder 5"/>
-          <p:cNvSpPr>
-            <a:spLocks noGrp="1"/>
-          </p:cNvSpPr>
-          <p:nvPr>
-            <p:ph type="body"/>
-          </p:nvPr>
-        </p:nvSpPr>
-        <p:spPr>
-          <a:xfrm>
-            <a:off x="1097280" y="1845720"/>
-            <a:ext cx="10058040" cy="4023000"/>
-          </a:xfrm>
-          <a:prstGeom prst="rect">
-            <a:avLst/>
-          </a:prstGeom>
-        </p:spPr>
-        <p:txBody>
-          <a:bodyPr lIns="0" rIns="0"/>
-          <a:p>
-            <a:pPr marL="91440" indent="-91080">
-              <a:lnSpc>
-                <a:spcPct val="90000"/>
-              </a:lnSpc>
+              </a:buClr>
+              <a:buSzPct val="75000"/>
+              <a:buFont typeface="Symbol" charset="2"/>
+              <a:buChar char=""/>
+            </a:pPr>
+            <a:r>
+              <a:rPr b="0" lang="en-US" sz="2800" spc="-1" strike="noStrike">
+                <a:latin typeface="Arial"/>
+              </a:rPr>
+              <a:t>Second Outline Level</a:t>
+            </a:r>
+            <a:endParaRPr b="0" lang="en-US" sz="2800" spc="-1" strike="noStrike">
+              <a:latin typeface="Arial"/>
+            </a:endParaRPr>
+          </a:p>
+          <a:p>
+            <a:pPr lvl="2" marL="1296000" indent="-288000">
               <a:spcBef>
-                <a:spcPts val="1199"/>
+                <a:spcPts val="850"/>
               </a:spcBef>
-              <a:spcAft>
-                <a:spcPts val="201"/>
-              </a:spcAft>
               <a:buClr>
-                <a:srgbClr val="e48312"/>
+                <a:srgbClr val="000000"/>
               </a:buClr>
-              <a:buFont typeface="Calibri"/>
-              <a:buChar char=" "/>
+              <a:buSzPct val="45000"/>
+              <a:buFont typeface="Wingdings" charset="2"/>
+              <a:buChar char=""/>
+            </a:pPr>
+            <a:r>
+              <a:rPr b="0" lang="en-US" sz="2400" spc="-1" strike="noStrike">
+                <a:latin typeface="Arial"/>
+              </a:rPr>
+              <a:t>Third Outline Level</a:t>
+            </a:r>
+            <a:endParaRPr b="0" lang="en-US" sz="2400" spc="-1" strike="noStrike">
+              <a:latin typeface="Arial"/>
+            </a:endParaRPr>
+          </a:p>
+          <a:p>
+            <a:pPr lvl="3" marL="1728000" indent="-216000">
+              <a:spcBef>
+                <a:spcPts val="567"/>
+              </a:spcBef>
+              <a:buClr>
+                <a:srgbClr val="000000"/>
+              </a:buClr>
+              <a:buSzPct val="75000"/>
+              <a:buFont typeface="Symbol" charset="2"/>
+              <a:buChar char=""/>
             </a:pPr>
             <a:r>
               <a:rPr b="0" lang="en-US" sz="2000" spc="-1" strike="noStrike">
-                <a:solidFill>
-                  <a:srgbClr val="404040"/>
-                </a:solidFill>
-                <a:latin typeface="Calibri"/>
+                <a:latin typeface="Arial"/>
               </a:rPr>
-              <a:t>Edit Master text styles</a:t>
+              <a:t>Fourth Outline Level</a:t>
             </a:r>
             <a:endParaRPr b="0" lang="en-US" sz="2000" spc="-1" strike="noStrike">
-              <a:solidFill>
-                <a:srgbClr val="404040"/>
-              </a:solidFill>
-              <a:latin typeface="Calibri"/>
-            </a:endParaRPr>
-          </a:p>
-          <a:p>
-            <a:pPr lvl="1" marL="384120" indent="-182520">
-              <a:lnSpc>
-                <a:spcPct val="90000"/>
-              </a:lnSpc>
+              <a:latin typeface="Arial"/>
+            </a:endParaRPr>
+          </a:p>
+          <a:p>
+            <a:pPr lvl="4" marL="2160000" indent="-216000">
               <a:spcBef>
-                <a:spcPts val="201"/>
+                <a:spcPts val="283"/>
               </a:spcBef>
-              <a:spcAft>
-                <a:spcPts val="400"/>
-              </a:spcAft>
               <a:buClr>
-                <a:srgbClr val="e48312"/>
+                <a:srgbClr val="000000"/>
               </a:buClr>
-              <a:buFont typeface="Calibri"/>
-              <a:buChar char="◦"/>
+              <a:buSzPct val="45000"/>
+              <a:buFont typeface="Wingdings" charset="2"/>
+              <a:buChar char=""/>
             </a:pPr>
             <a:r>
-              <a:rPr b="0" lang="en-US" sz="1800" spc="-1" strike="noStrike">
-                <a:solidFill>
-                  <a:srgbClr val="404040"/>
-                </a:solidFill>
-                <a:latin typeface="Calibri"/>
+              <a:rPr b="0" lang="en-US" sz="2000" spc="-1" strike="noStrike">
+                <a:latin typeface="Arial"/>
               </a:rPr>
-              <a:t>Second level</a:t>
+              <a:t>Fifth Outline Level</a:t>
             </a:r>
-            <a:endParaRPr b="0" lang="en-US" sz="1800" spc="-1" strike="noStrike">
-              <a:solidFill>
-                <a:srgbClr val="404040"/>
-              </a:solidFill>
-              <a:latin typeface="Calibri"/>
-            </a:endParaRPr>
-          </a:p>
-          <a:p>
-            <a:pPr lvl="2" marL="567000" indent="-182520">
-              <a:lnSpc>
-                <a:spcPct val="90000"/>
-              </a:lnSpc>
+            <a:endParaRPr b="0" lang="en-US" sz="2000" spc="-1" strike="noStrike">
+              <a:latin typeface="Arial"/>
+            </a:endParaRPr>
+          </a:p>
+          <a:p>
+            <a:pPr lvl="5" marL="2592000" indent="-216000">
               <a:spcBef>
-                <a:spcPts val="201"/>
+                <a:spcPts val="283"/>
               </a:spcBef>
-              <a:spcAft>
-                <a:spcPts val="400"/>
-              </a:spcAft>
               <a:buClr>
-                <a:srgbClr val="e48312"/>
+                <a:srgbClr val="000000"/>
               </a:buClr>
-              <a:buFont typeface="Calibri"/>
-              <a:buChar char="◦"/>
+              <a:buSzPct val="45000"/>
+              <a:buFont typeface="Wingdings" charset="2"/>
+              <a:buChar char=""/>
             </a:pPr>
             <a:r>
-              <a:rPr b="0" lang="en-US" sz="1400" spc="-1" strike="noStrike">
-                <a:solidFill>
-                  <a:srgbClr val="404040"/>
-                </a:solidFill>
-                <a:latin typeface="Calibri"/>
+              <a:rPr b="0" lang="en-US" sz="2000" spc="-1" strike="noStrike">
+                <a:latin typeface="Arial"/>
               </a:rPr>
-              <a:t>Third level</a:t>
+              <a:t>Sixth Outline Level</a:t>
             </a:r>
-            <a:endParaRPr b="0" lang="en-US" sz="1400" spc="-1" strike="noStrike">
-              <a:solidFill>
-                <a:srgbClr val="404040"/>
-              </a:solidFill>
-              <a:latin typeface="Calibri"/>
-            </a:endParaRPr>
-          </a:p>
-          <a:p>
-            <a:pPr lvl="3" marL="749880" indent="-182520">
-              <a:lnSpc>
-                <a:spcPct val="90000"/>
-              </a:lnSpc>
+            <a:endParaRPr b="0" lang="en-US" sz="2000" spc="-1" strike="noStrike">
+              <a:latin typeface="Arial"/>
+            </a:endParaRPr>
+          </a:p>
+          <a:p>
+            <a:pPr lvl="6" marL="3024000" indent="-216000">
               <a:spcBef>
-                <a:spcPts val="201"/>
+                <a:spcPts val="283"/>
               </a:spcBef>
-              <a:spcAft>
-                <a:spcPts val="400"/>
-              </a:spcAft>
               <a:buClr>
-                <a:srgbClr val="e48312"/>
+                <a:srgbClr val="000000"/>
               </a:buClr>
-              <a:buFont typeface="Calibri"/>
-              <a:buChar char="◦"/>
+              <a:buSzPct val="45000"/>
+              <a:buFont typeface="Wingdings" charset="2"/>
+              <a:buChar char=""/>
             </a:pPr>
             <a:r>
-              <a:rPr b="0" lang="en-US" sz="1400" spc="-1" strike="noStrike">
-                <a:solidFill>
-                  <a:srgbClr val="404040"/>
-                </a:solidFill>
-                <a:latin typeface="Calibri"/>
+              <a:rPr b="0" lang="en-US" sz="2000" spc="-1" strike="noStrike">
+                <a:latin typeface="Arial"/>
               </a:rPr>
-              <a:t>Fourth level</a:t>
+              <a:t>Seventh Outline Level</a:t>
             </a:r>
-            <a:endParaRPr b="0" lang="en-US" sz="1400" spc="-1" strike="noStrike">
-              <a:solidFill>
-                <a:srgbClr val="404040"/>
-              </a:solidFill>
-              <a:latin typeface="Calibri"/>
-            </a:endParaRPr>
-          </a:p>
-          <a:p>
-            <a:pPr lvl="4" marL="932760" indent="-182520">
-              <a:lnSpc>
-                <a:spcPct val="90000"/>
-              </a:lnSpc>
-              <a:spcBef>
-                <a:spcPts val="201"/>
-              </a:spcBef>
-              <a:spcAft>
-                <a:spcPts val="400"/>
-              </a:spcAft>
-              <a:buClr>
-                <a:srgbClr val="e48312"/>
-              </a:buClr>
-              <a:buFont typeface="Calibri"/>
-              <a:buChar char="◦"/>
-            </a:pPr>
-            <a:r>
-              <a:rPr b="0" lang="en-US" sz="1400" spc="-1" strike="noStrike">
-                <a:solidFill>
-                  <a:srgbClr val="404040"/>
-                </a:solidFill>
-                <a:latin typeface="Calibri"/>
-              </a:rPr>
-              <a:t>Fifth level</a:t>
-            </a:r>
-            <a:endParaRPr b="0" lang="en-US" sz="1400" spc="-1" strike="noStrike">
-              <a:solidFill>
-                <a:srgbClr val="404040"/>
-              </a:solidFill>
-              <a:latin typeface="Calibri"/>
-            </a:endParaRPr>
-          </a:p>
-        </p:txBody>
-      </p:sp>
-      <p:sp>
-        <p:nvSpPr>
-          <p:cNvPr id="52" name="PlaceHolder 6"/>
-          <p:cNvSpPr>
-            <a:spLocks noGrp="1"/>
-          </p:cNvSpPr>
-          <p:nvPr>
-            <p:ph type="dt"/>
-          </p:nvPr>
-        </p:nvSpPr>
-        <p:spPr>
-          <a:xfrm>
-            <a:off x="1097280" y="6459840"/>
-            <a:ext cx="2471760" cy="364680"/>
-          </a:xfrm>
-          <a:prstGeom prst="rect">
-            <a:avLst/>
-          </a:prstGeom>
-        </p:spPr>
-        <p:txBody>
-          <a:bodyPr anchor="ctr"/>
-          <a:p>
-            <a:pPr>
-              <a:lnSpc>
-                <a:spcPct val="100000"/>
-              </a:lnSpc>
-            </a:pPr>
-            <a:fld id="{11D794C2-E861-4BFE-92F7-3DF55125512D}" type="datetime">
-              <a:rPr b="0" lang="en-US" sz="900" spc="-1" strike="noStrike">
-                <a:solidFill>
-                  <a:srgbClr val="ffffff"/>
-                </a:solidFill>
-                <a:latin typeface="Calibri"/>
-              </a:rPr>
-              <a:t>12/11/19</a:t>
-            </a:fld>
-            <a:endParaRPr b="0" lang="en-US" sz="900" spc="-1" strike="noStrike">
-              <a:latin typeface="Times New Roman"/>
-            </a:endParaRPr>
-          </a:p>
-        </p:txBody>
-      </p:sp>
-      <p:sp>
-        <p:nvSpPr>
-          <p:cNvPr id="53" name="PlaceHolder 7"/>
-          <p:cNvSpPr>
-            <a:spLocks noGrp="1"/>
-          </p:cNvSpPr>
-          <p:nvPr>
-            <p:ph type="ftr"/>
-          </p:nvPr>
-        </p:nvSpPr>
-        <p:spPr>
-          <a:xfrm>
-            <a:off x="3686040" y="6459840"/>
-            <a:ext cx="4822560" cy="364680"/>
-          </a:xfrm>
-          <a:prstGeom prst="rect">
-            <a:avLst/>
-          </a:prstGeom>
-        </p:spPr>
-        <p:txBody>
-          <a:bodyPr anchor="ctr"/>
-          <a:p>
-            <a:endParaRPr b="0" lang="en-US" sz="2400" spc="-1" strike="noStrike">
-              <a:latin typeface="Times New Roman"/>
-            </a:endParaRPr>
-          </a:p>
-        </p:txBody>
-      </p:sp>
-      <p:sp>
-        <p:nvSpPr>
-          <p:cNvPr id="54" name="PlaceHolder 8"/>
-          <p:cNvSpPr>
-            <a:spLocks noGrp="1"/>
-          </p:cNvSpPr>
-          <p:nvPr>
-            <p:ph type="sldNum"/>
-          </p:nvPr>
-        </p:nvSpPr>
-        <p:spPr>
-          <a:xfrm>
-            <a:off x="9900360" y="6459840"/>
-            <a:ext cx="1311840" cy="364680"/>
-          </a:xfrm>
-          <a:prstGeom prst="rect">
-            <a:avLst/>
-          </a:prstGeom>
-        </p:spPr>
-        <p:txBody>
-          <a:bodyPr anchor="ctr"/>
-          <a:p>
-            <a:pPr algn="r">
-              <a:lnSpc>
-                <a:spcPct val="100000"/>
-              </a:lnSpc>
-            </a:pPr>
-            <a:fld id="{AFE6E243-63CB-45F6-B630-E589020ECC7C}" type="slidenum">
-              <a:rPr b="0" lang="en-US" sz="1050" spc="-1" strike="noStrike">
-                <a:solidFill>
-                  <a:srgbClr val="ffffff"/>
-                </a:solidFill>
-                <a:latin typeface="Calibri"/>
-              </a:rPr>
-              <a:t>1</a:t>
-            </a:fld>
-            <a:endParaRPr b="0" lang="en-US" sz="1050" spc="-1" strike="noStrike">
-              <a:latin typeface="Times New Roman"/>
+            <a:endParaRPr b="0" lang="en-US" sz="2000" spc="-1" strike="noStrike">
+              <a:latin typeface="Arial"/>
             </a:endParaRPr>
           </a:p>
         </p:txBody>
@@ -5459,14 +4885,14 @@
       </p:grpSpPr>
       <p:sp>
         <p:nvSpPr>
-          <p:cNvPr id="91" name="CustomShape 1"/>
+          <p:cNvPr id="85" name="CustomShape 1"/>
           <p:cNvSpPr/>
           <p:nvPr/>
         </p:nvSpPr>
         <p:spPr>
           <a:xfrm>
             <a:off x="0" y="6400800"/>
-            <a:ext cx="12191760" cy="456840"/>
+            <a:ext cx="12191400" cy="456480"/>
           </a:xfrm>
           <a:prstGeom prst="rect">
             <a:avLst/>
@@ -5495,14 +4921,14 @@
       </p:sp>
       <p:sp>
         <p:nvSpPr>
-          <p:cNvPr id="92" name="CustomShape 2"/>
+          <p:cNvPr id="86" name="CustomShape 2"/>
           <p:cNvSpPr/>
           <p:nvPr/>
         </p:nvSpPr>
         <p:spPr>
           <a:xfrm>
             <a:off x="0" y="6334200"/>
-            <a:ext cx="12191760" cy="65520"/>
+            <a:ext cx="12191400" cy="65160"/>
           </a:xfrm>
           <a:prstGeom prst="rect">
             <a:avLst/>
@@ -5531,7 +4957,7 @@
       </p:sp>
       <p:sp>
         <p:nvSpPr>
-          <p:cNvPr id="93" name="Line 3"/>
+          <p:cNvPr id="87" name="Line 3"/>
           <p:cNvSpPr/>
           <p:nvPr/>
         </p:nvSpPr>
@@ -5568,7 +4994,7 @@
       </p:sp>
       <p:sp>
         <p:nvSpPr>
-          <p:cNvPr id="94" name="PlaceHolder 4"/>
+          <p:cNvPr id="88" name="PlaceHolder 4"/>
           <p:cNvSpPr>
             <a:spLocks noGrp="1"/>
           </p:cNvSpPr>
@@ -5579,153 +5005,30 @@
         <p:spPr>
           <a:xfrm>
             <a:off x="1097280" y="286560"/>
-            <a:ext cx="10058040" cy="1450440"/>
-          </a:xfrm>
-          <a:prstGeom prst="rect">
-            <a:avLst/>
-          </a:prstGeom>
-        </p:spPr>
-        <p:txBody>
-          <a:bodyPr anchor="b"/>
-          <a:p>
-            <a:pPr>
-              <a:lnSpc>
-                <a:spcPct val="85000"/>
-              </a:lnSpc>
-            </a:pPr>
+            <a:ext cx="10057680" cy="1450080"/>
+          </a:xfrm>
+          <a:prstGeom prst="rect">
+            <a:avLst/>
+          </a:prstGeom>
+        </p:spPr>
+        <p:txBody>
+          <a:bodyPr lIns="0" rIns="0" tIns="0" bIns="0" anchor="ctr"/>
+          <a:p>
             <a:r>
-              <a:rPr b="0" lang="en-US" sz="4800" spc="-49" strike="noStrike">
-                <a:solidFill>
-                  <a:srgbClr val="404040"/>
-                </a:solidFill>
-                <a:latin typeface="Calibri Light"/>
+              <a:rPr b="0" lang="en-US" sz="1800" spc="-1" strike="noStrike">
+                <a:latin typeface="Arial"/>
               </a:rPr>
-              <a:t>Click to edit Master title style</a:t>
+              <a:t>Click to edit the title text format</a:t>
             </a:r>
-            <a:endParaRPr b="0" lang="en-US" sz="4800" spc="-1" strike="noStrike">
-              <a:solidFill>
-                <a:srgbClr val="000000"/>
-              </a:solidFill>
-              <a:latin typeface="Calibri"/>
-            </a:endParaRPr>
-          </a:p>
-        </p:txBody>
-      </p:sp>
-      <p:sp>
-        <p:nvSpPr>
-          <p:cNvPr id="95" name="PlaceHolder 5"/>
-          <p:cNvSpPr>
-            <a:spLocks noGrp="1"/>
-          </p:cNvSpPr>
-          <p:nvPr>
-            <p:ph type="dt"/>
-          </p:nvPr>
-        </p:nvSpPr>
-        <p:spPr>
-          <a:xfrm>
-            <a:off x="1097280" y="6459840"/>
-            <a:ext cx="2471760" cy="364680"/>
-          </a:xfrm>
-          <a:prstGeom prst="rect">
-            <a:avLst/>
-          </a:prstGeom>
-        </p:spPr>
-        <p:txBody>
-          <a:bodyPr anchor="ctr"/>
-          <a:p>
-            <a:pPr>
-              <a:lnSpc>
-                <a:spcPct val="100000"/>
-              </a:lnSpc>
-            </a:pPr>
-            <a:fld id="{D88CD184-1269-4983-B7FF-7C5BF0AF01B9}" type="datetime">
-              <a:rPr b="0" lang="en-US" sz="900" spc="-1" strike="noStrike">
-                <a:solidFill>
-                  <a:srgbClr val="ffffff"/>
-                </a:solidFill>
-                <a:latin typeface="Calibri"/>
-              </a:rPr>
-              <a:t>12/11/19</a:t>
-            </a:fld>
-            <a:endParaRPr b="0" lang="en-US" sz="900" spc="-1" strike="noStrike">
-              <a:latin typeface="Times New Roman"/>
-            </a:endParaRPr>
-          </a:p>
-        </p:txBody>
-      </p:sp>
-      <p:sp>
-        <p:nvSpPr>
-          <p:cNvPr id="96" name="PlaceHolder 6"/>
-          <p:cNvSpPr>
-            <a:spLocks noGrp="1"/>
-          </p:cNvSpPr>
-          <p:nvPr>
-            <p:ph type="ftr"/>
-          </p:nvPr>
-        </p:nvSpPr>
-        <p:spPr>
-          <a:xfrm>
-            <a:off x="3686040" y="6459840"/>
-            <a:ext cx="4822560" cy="364680"/>
-          </a:xfrm>
-          <a:prstGeom prst="rect">
-            <a:avLst/>
-          </a:prstGeom>
-        </p:spPr>
-        <p:txBody>
-          <a:bodyPr anchor="ctr"/>
-          <a:p>
-            <a:endParaRPr b="0" lang="en-US" sz="2400" spc="-1" strike="noStrike">
-              <a:latin typeface="Times New Roman"/>
-            </a:endParaRPr>
-          </a:p>
-        </p:txBody>
-      </p:sp>
-      <p:sp>
-        <p:nvSpPr>
-          <p:cNvPr id="97" name="PlaceHolder 7"/>
-          <p:cNvSpPr>
-            <a:spLocks noGrp="1"/>
-          </p:cNvSpPr>
-          <p:nvPr>
-            <p:ph type="sldNum"/>
-          </p:nvPr>
-        </p:nvSpPr>
-        <p:spPr>
-          <a:xfrm>
-            <a:off x="9900360" y="6459840"/>
-            <a:ext cx="1311840" cy="364680"/>
-          </a:xfrm>
-          <a:prstGeom prst="rect">
-            <a:avLst/>
-          </a:prstGeom>
-        </p:spPr>
-        <p:txBody>
-          <a:bodyPr anchor="ctr"/>
-          <a:p>
-            <a:pPr algn="r">
-              <a:lnSpc>
-                <a:spcPct val="100000"/>
-              </a:lnSpc>
-            </a:pPr>
-            <a:fld id="{F324E6B9-5443-4CA8-9D5C-05BE43777C5C}" type="slidenum">
-              <a:rPr b="0" lang="en-US" sz="1050" spc="-1" strike="noStrike">
-                <a:solidFill>
-                  <a:srgbClr val="ffffff"/>
-                </a:solidFill>
-                <a:latin typeface="Calibri"/>
-              </a:rPr>
-              <a:t>1</a:t>
-            </a:fld>
-            <a:endParaRPr b="0" lang="en-US" sz="1050" spc="-1" strike="noStrike">
-              <a:latin typeface="Times New Roman"/>
-            </a:endParaRPr>
-          </a:p>
-        </p:txBody>
-      </p:sp>
-      <p:sp>
-        <p:nvSpPr>
-          <p:cNvPr id="98" name="PlaceHolder 8"/>
+            <a:endParaRPr b="0" lang="en-US" sz="1800" spc="-1" strike="noStrike">
+              <a:latin typeface="Arial"/>
+            </a:endParaRPr>
+          </a:p>
+        </p:txBody>
+      </p:sp>
+      <p:sp>
+        <p:nvSpPr>
+          <p:cNvPr id="89" name="PlaceHolder 5"/>
           <p:cNvSpPr>
             <a:spLocks noGrp="1"/>
           </p:cNvSpPr>
@@ -5759,19 +5062,13 @@
               <a:buChar char=""/>
             </a:pPr>
             <a:r>
-              <a:rPr b="0" lang="en-US" sz="2000" spc="-1" strike="noStrike">
-                <a:solidFill>
-                  <a:srgbClr val="404040"/>
-                </a:solidFill>
-                <a:latin typeface="Calibri"/>
+              <a:rPr b="0" lang="en-US" sz="3200" spc="-1" strike="noStrike">
+                <a:latin typeface="Arial"/>
               </a:rPr>
               <a:t>Click to edit the outline text format</a:t>
             </a:r>
-            <a:endParaRPr b="0" lang="en-US" sz="2000" spc="-1" strike="noStrike">
-              <a:solidFill>
-                <a:srgbClr val="404040"/>
-              </a:solidFill>
-              <a:latin typeface="Calibri"/>
+            <a:endParaRPr b="0" lang="en-US" sz="3200" spc="-1" strike="noStrike">
+              <a:latin typeface="Arial"/>
             </a:endParaRPr>
           </a:p>
           <a:p>
@@ -5787,19 +5084,13 @@
               <a:buChar char=""/>
             </a:pPr>
             <a:r>
-              <a:rPr b="0" lang="en-US" sz="1400" spc="-1" strike="noStrike">
-                <a:solidFill>
-                  <a:srgbClr val="404040"/>
-                </a:solidFill>
-                <a:latin typeface="Calibri"/>
+              <a:rPr b="0" lang="en-US" sz="2800" spc="-1" strike="noStrike">
+                <a:latin typeface="Arial"/>
               </a:rPr>
               <a:t>Second Outline Level</a:t>
             </a:r>
-            <a:endParaRPr b="0" lang="en-US" sz="1400" spc="-1" strike="noStrike">
-              <a:solidFill>
-                <a:srgbClr val="404040"/>
-              </a:solidFill>
-              <a:latin typeface="Calibri"/>
+            <a:endParaRPr b="0" lang="en-US" sz="2800" spc="-1" strike="noStrike">
+              <a:latin typeface="Arial"/>
             </a:endParaRPr>
           </a:p>
           <a:p>
@@ -5815,19 +5106,13 @@
               <a:buChar char=""/>
             </a:pPr>
             <a:r>
-              <a:rPr b="0" lang="en-US" sz="1400" spc="-1" strike="noStrike">
-                <a:solidFill>
-                  <a:srgbClr val="404040"/>
-                </a:solidFill>
-                <a:latin typeface="Calibri"/>
+              <a:rPr b="0" lang="en-US" sz="2400" spc="-1" strike="noStrike">
+                <a:latin typeface="Arial"/>
               </a:rPr>
               <a:t>Third Outline Level</a:t>
             </a:r>
-            <a:endParaRPr b="0" lang="en-US" sz="1400" spc="-1" strike="noStrike">
-              <a:solidFill>
-                <a:srgbClr val="404040"/>
-              </a:solidFill>
-              <a:latin typeface="Calibri"/>
+            <a:endParaRPr b="0" lang="en-US" sz="2400" spc="-1" strike="noStrike">
+              <a:latin typeface="Arial"/>
             </a:endParaRPr>
           </a:p>
           <a:p>
@@ -5843,19 +5128,13 @@
               <a:buChar char=""/>
             </a:pPr>
             <a:r>
-              <a:rPr b="0" lang="en-US" sz="1400" spc="-1" strike="noStrike">
-                <a:solidFill>
-                  <a:srgbClr val="404040"/>
-                </a:solidFill>
-                <a:latin typeface="Calibri"/>
+              <a:rPr b="0" lang="en-US" sz="2000" spc="-1" strike="noStrike">
+                <a:latin typeface="Arial"/>
               </a:rPr>
               <a:t>Fourth Outline Level</a:t>
             </a:r>
-            <a:endParaRPr b="0" lang="en-US" sz="1400" spc="-1" strike="noStrike">
-              <a:solidFill>
-                <a:srgbClr val="404040"/>
-              </a:solidFill>
-              <a:latin typeface="Calibri"/>
+            <a:endParaRPr b="0" lang="en-US" sz="2000" spc="-1" strike="noStrike">
+              <a:latin typeface="Arial"/>
             </a:endParaRPr>
           </a:p>
           <a:p>
@@ -5872,18 +5151,12 @@
             </a:pPr>
             <a:r>
               <a:rPr b="0" lang="en-US" sz="2000" spc="-1" strike="noStrike">
-                <a:solidFill>
-                  <a:srgbClr val="404040"/>
-                </a:solidFill>
-                <a:latin typeface="Calibri"/>
+                <a:latin typeface="Arial"/>
               </a:rPr>
               <a:t>Fifth Outline Level</a:t>
             </a:r>
             <a:endParaRPr b="0" lang="en-US" sz="2000" spc="-1" strike="noStrike">
-              <a:solidFill>
-                <a:srgbClr val="404040"/>
-              </a:solidFill>
-              <a:latin typeface="Calibri"/>
+              <a:latin typeface="Arial"/>
             </a:endParaRPr>
           </a:p>
           <a:p>
@@ -5900,18 +5173,12 @@
             </a:pPr>
             <a:r>
               <a:rPr b="0" lang="en-US" sz="2000" spc="-1" strike="noStrike">
-                <a:solidFill>
-                  <a:srgbClr val="404040"/>
-                </a:solidFill>
-                <a:latin typeface="Calibri"/>
+                <a:latin typeface="Arial"/>
               </a:rPr>
               <a:t>Sixth Outline Level</a:t>
             </a:r>
             <a:endParaRPr b="0" lang="en-US" sz="2000" spc="-1" strike="noStrike">
-              <a:solidFill>
-                <a:srgbClr val="404040"/>
-              </a:solidFill>
-              <a:latin typeface="Calibri"/>
+              <a:latin typeface="Arial"/>
             </a:endParaRPr>
           </a:p>
           <a:p>
@@ -5928,18 +5195,12 @@
             </a:pPr>
             <a:r>
               <a:rPr b="0" lang="en-US" sz="2000" spc="-1" strike="noStrike">
-                <a:solidFill>
-                  <a:srgbClr val="404040"/>
-                </a:solidFill>
-                <a:latin typeface="Calibri"/>
+                <a:latin typeface="Arial"/>
               </a:rPr>
               <a:t>Seventh Outline Level</a:t>
             </a:r>
             <a:endParaRPr b="0" lang="en-US" sz="2000" spc="-1" strike="noStrike">
-              <a:solidFill>
-                <a:srgbClr val="404040"/>
-              </a:solidFill>
-              <a:latin typeface="Calibri"/>
+              <a:latin typeface="Arial"/>
             </a:endParaRPr>
           </a:p>
         </p:txBody>
@@ -5983,14 +5244,14 @@
       </p:grpSpPr>
       <p:sp>
         <p:nvSpPr>
-          <p:cNvPr id="135" name="TextShape 1"/>
-          <p:cNvSpPr txBox="1"/>
+          <p:cNvPr id="126" name="CustomShape 1"/>
+          <p:cNvSpPr/>
           <p:nvPr/>
         </p:nvSpPr>
         <p:spPr>
           <a:xfrm>
             <a:off x="1097280" y="758880"/>
-            <a:ext cx="10058040" cy="3565800"/>
+            <a:ext cx="10057680" cy="3565440"/>
           </a:xfrm>
           <a:prstGeom prst="rect">
             <a:avLst/>
@@ -6000,8 +5261,14 @@
             <a:noFill/>
           </a:ln>
         </p:spPr>
-        <p:txBody>
-          <a:bodyPr anchor="b"/>
+        <p:style>
+          <a:lnRef idx="0"/>
+          <a:fillRef idx="0"/>
+          <a:effectRef idx="0"/>
+          <a:fontRef idx="minor"/>
+        </p:style>
+        <p:txBody>
+          <a:bodyPr lIns="90000" rIns="90000" tIns="45000" bIns="45000" anchor="b"/>
           <a:p>
             <a:pPr algn="ctr">
               <a:lnSpc>
@@ -6009,7 +5276,7 @@
               </a:lnSpc>
             </a:pPr>
             <a:r>
-              <a:rPr b="0" lang="en-US" sz="5400" spc="-49" strike="noStrike">
+              <a:rPr b="0" lang="en-US" sz="5400" spc="-46" strike="noStrike">
                 <a:solidFill>
                   <a:srgbClr val="262626"/>
                 </a:solidFill>
@@ -6018,24 +5285,21 @@
               <a:t>Automatic Code Verification by Formal Analysis</a:t>
             </a:r>
             <a:endParaRPr b="0" lang="en-US" sz="5400" spc="-1" strike="noStrike">
-              <a:solidFill>
-                <a:srgbClr val="000000"/>
-              </a:solidFill>
-              <a:latin typeface="Calibri"/>
-            </a:endParaRPr>
-          </a:p>
-        </p:txBody>
-      </p:sp>
-      <p:sp>
-        <p:nvSpPr>
-          <p:cNvPr id="136" name="TextShape 2"/>
-          <p:cNvSpPr txBox="1"/>
+              <a:latin typeface="Arial"/>
+            </a:endParaRPr>
+          </a:p>
+        </p:txBody>
+      </p:sp>
+      <p:sp>
+        <p:nvSpPr>
+          <p:cNvPr id="127" name="CustomShape 2"/>
+          <p:cNvSpPr/>
           <p:nvPr/>
         </p:nvSpPr>
         <p:spPr>
           <a:xfrm>
             <a:off x="1100160" y="4455720"/>
-            <a:ext cx="10058040" cy="1142640"/>
+            <a:ext cx="10057680" cy="1142280"/>
           </a:xfrm>
           <a:prstGeom prst="rect">
             <a:avLst/>
@@ -6045,8 +5309,14 @@
             <a:noFill/>
           </a:ln>
         </p:spPr>
-        <p:txBody>
-          <a:bodyPr>
+        <p:style>
+          <a:lnRef idx="0"/>
+          <a:fillRef idx="0"/>
+          <a:effectRef idx="0"/>
+          <a:fontRef idx="minor"/>
+        </p:style>
+        <p:txBody>
+          <a:bodyPr lIns="90000" rIns="90000" tIns="45000" bIns="45000">
             <a:normAutofit/>
           </a:bodyPr>
           <a:p>
@@ -6062,7 +5332,7 @@
               </a:spcAft>
             </a:pPr>
             <a:r>
-              <a:rPr b="0" lang="en-US" sz="1800" spc="199" strike="noStrike" cap="all">
+              <a:rPr b="0" lang="en-US" sz="1800" spc="197" strike="noStrike" cap="all">
                 <a:solidFill>
                   <a:srgbClr val="637052"/>
                 </a:solidFill>
@@ -6071,7 +5341,7 @@
               <a:t>Szilvási, Krisztián</a:t>
             </a:r>
             <a:r>
-              <a:rPr b="0" lang="en-US" sz="1800" spc="199" strike="noStrike" cap="all">
+              <a:rPr b="0" lang="en-US" sz="1800" spc="197" strike="noStrike" cap="all">
                 <a:solidFill>
                   <a:srgbClr val="637052"/>
                 </a:solidFill>
@@ -6080,7 +5350,7 @@
               <a:t>	</a:t>
             </a:r>
             <a:r>
-              <a:rPr b="0" lang="en-US" sz="1800" spc="199" strike="noStrike" cap="all">
+              <a:rPr b="0" lang="en-US" sz="1800" spc="197" strike="noStrike" cap="all">
                 <a:solidFill>
                   <a:srgbClr val="637052"/>
                 </a:solidFill>
@@ -6089,7 +5359,7 @@
               <a:t>	</a:t>
             </a:r>
             <a:r>
-              <a:rPr b="0" lang="en-US" sz="1800" spc="199" strike="noStrike" cap="all">
+              <a:rPr b="0" lang="en-US" sz="1800" spc="197" strike="noStrike" cap="all">
                 <a:solidFill>
                   <a:srgbClr val="637052"/>
                 </a:solidFill>
@@ -6098,7 +5368,7 @@
               <a:t>	</a:t>
             </a:r>
             <a:r>
-              <a:rPr b="0" lang="en-US" sz="1800" spc="199" strike="noStrike" cap="all">
+              <a:rPr b="0" lang="en-US" sz="1800" spc="197" strike="noStrike" cap="all">
                 <a:solidFill>
                   <a:srgbClr val="637052"/>
                 </a:solidFill>
@@ -6107,7 +5377,7 @@
               <a:t>	</a:t>
             </a:r>
             <a:r>
-              <a:rPr b="0" lang="en-US" sz="1800" spc="199" strike="noStrike" cap="all">
+              <a:rPr b="0" lang="en-US" sz="1800" spc="197" strike="noStrike" cap="all">
                 <a:solidFill>
                   <a:srgbClr val="637052"/>
                 </a:solidFill>
@@ -6116,7 +5386,7 @@
               <a:t>	</a:t>
             </a:r>
             <a:r>
-              <a:rPr b="0" lang="en-US" sz="1800" spc="199" strike="noStrike" cap="all">
+              <a:rPr b="0" lang="en-US" sz="1800" spc="197" strike="noStrike" cap="all">
                 <a:solidFill>
                   <a:srgbClr val="637052"/>
                 </a:solidFill>
@@ -6125,7 +5395,7 @@
               <a:t>	</a:t>
             </a:r>
             <a:r>
-              <a:rPr b="0" lang="en-US" sz="1800" spc="199" strike="noStrike" cap="all">
+              <a:rPr b="0" lang="en-US" sz="1800" spc="197" strike="noStrike" cap="all">
                 <a:solidFill>
                   <a:srgbClr val="637052"/>
                 </a:solidFill>
@@ -6134,7 +5404,7 @@
               <a:t>	</a:t>
             </a:r>
             <a:r>
-              <a:rPr b="0" lang="en-US" sz="1800" spc="199" strike="noStrike" cap="all">
+              <a:rPr b="0" lang="en-US" sz="1800" spc="197" strike="noStrike" cap="all">
                 <a:solidFill>
                   <a:srgbClr val="637052"/>
                 </a:solidFill>
@@ -6143,7 +5413,7 @@
               <a:t>Fenyvesi, Róbert krisztian.szilvasi.3@gmail.com</a:t>
             </a:r>
             <a:r>
-              <a:rPr b="0" lang="en-US" sz="1800" spc="199" strike="noStrike" cap="all">
+              <a:rPr b="0" lang="en-US" sz="1800" spc="197" strike="noStrike" cap="all">
                 <a:solidFill>
                   <a:srgbClr val="637052"/>
                 </a:solidFill>
@@ -6152,7 +5422,7 @@
               <a:t>	</a:t>
             </a:r>
             <a:r>
-              <a:rPr b="0" lang="en-US" sz="1800" spc="199" strike="noStrike" cap="all">
+              <a:rPr b="0" lang="en-US" sz="1800" spc="197" strike="noStrike" cap="all">
                 <a:solidFill>
                   <a:srgbClr val="637052"/>
                 </a:solidFill>
@@ -6161,7 +5431,7 @@
               <a:t>	</a:t>
             </a:r>
             <a:r>
-              <a:rPr b="0" lang="en-US" sz="1800" spc="199" strike="noStrike" cap="all">
+              <a:rPr b="0" lang="en-US" sz="1800" spc="197" strike="noStrike" cap="all">
                 <a:solidFill>
                   <a:srgbClr val="637052"/>
                 </a:solidFill>
@@ -6170,7 +5440,7 @@
               <a:t>	</a:t>
             </a:r>
             <a:r>
-              <a:rPr b="0" lang="en-US" sz="1800" spc="199" strike="noStrike" cap="all">
+              <a:rPr b="0" lang="en-US" sz="1800" spc="197" strike="noStrike" cap="all">
                 <a:solidFill>
                   <a:srgbClr val="637052"/>
                 </a:solidFill>
@@ -6195,7 +5465,7 @@
               </a:spcAft>
             </a:pPr>
             <a:r>
-              <a:rPr b="0" lang="en-US" sz="1800" spc="199" strike="noStrike" cap="all">
+              <a:rPr b="0" lang="en-US" sz="1800" spc="197" strike="noStrike" cap="all">
                 <a:solidFill>
                   <a:srgbClr val="637052"/>
                 </a:solidFill>
@@ -6292,14 +5562,14 @@
       </p:grpSpPr>
       <p:sp>
         <p:nvSpPr>
-          <p:cNvPr id="137" name="TextShape 1"/>
-          <p:cNvSpPr txBox="1"/>
+          <p:cNvPr id="128" name="CustomShape 1"/>
+          <p:cNvSpPr/>
           <p:nvPr/>
         </p:nvSpPr>
         <p:spPr>
           <a:xfrm>
             <a:off x="1097280" y="286560"/>
-            <a:ext cx="10058040" cy="1450440"/>
+            <a:ext cx="10057680" cy="1450080"/>
           </a:xfrm>
           <a:prstGeom prst="rect">
             <a:avLst/>
@@ -6309,8 +5579,14 @@
             <a:noFill/>
           </a:ln>
         </p:spPr>
-        <p:txBody>
-          <a:bodyPr anchor="b"/>
+        <p:style>
+          <a:lnRef idx="0"/>
+          <a:fillRef idx="0"/>
+          <a:effectRef idx="0"/>
+          <a:fontRef idx="minor"/>
+        </p:style>
+        <p:txBody>
+          <a:bodyPr lIns="90000" rIns="90000" tIns="45000" bIns="45000" anchor="b"/>
           <a:p>
             <a:pPr>
               <a:lnSpc>
@@ -6318,7 +5594,7 @@
               </a:lnSpc>
             </a:pPr>
             <a:r>
-              <a:rPr b="0" lang="en-US" sz="4800" spc="-49" strike="noStrike">
+              <a:rPr b="0" lang="en-US" sz="4800" spc="-46" strike="noStrike">
                 <a:solidFill>
                   <a:srgbClr val="404040"/>
                 </a:solidFill>
@@ -6327,24 +5603,21 @@
               <a:t>Project Information</a:t>
             </a:r>
             <a:endParaRPr b="0" lang="en-US" sz="4800" spc="-1" strike="noStrike">
-              <a:solidFill>
-                <a:srgbClr val="000000"/>
-              </a:solidFill>
-              <a:latin typeface="Calibri"/>
-            </a:endParaRPr>
-          </a:p>
-        </p:txBody>
-      </p:sp>
-      <p:sp>
-        <p:nvSpPr>
-          <p:cNvPr id="138" name="TextShape 2"/>
-          <p:cNvSpPr txBox="1"/>
+              <a:latin typeface="Arial"/>
+            </a:endParaRPr>
+          </a:p>
+        </p:txBody>
+      </p:sp>
+      <p:sp>
+        <p:nvSpPr>
+          <p:cNvPr id="129" name="CustomShape 2"/>
+          <p:cNvSpPr/>
           <p:nvPr/>
         </p:nvSpPr>
         <p:spPr>
           <a:xfrm>
             <a:off x="1097280" y="1845720"/>
-            <a:ext cx="10058040" cy="4023000"/>
+            <a:ext cx="10057680" cy="4022640"/>
           </a:xfrm>
           <a:prstGeom prst="rect">
             <a:avLst/>
@@ -6354,8 +5627,14 @@
             <a:noFill/>
           </a:ln>
         </p:spPr>
-        <p:txBody>
-          <a:bodyPr lIns="0" rIns="0"/>
+        <p:style>
+          <a:lnRef idx="0"/>
+          <a:fillRef idx="0"/>
+          <a:effectRef idx="0"/>
+          <a:fontRef idx="minor"/>
+        </p:style>
+        <p:txBody>
+          <a:bodyPr lIns="0" rIns="0" tIns="45000" bIns="45000"/>
           <a:p>
             <a:pPr>
               <a:lnSpc>
@@ -6368,11 +5647,8 @@
                 <a:spcPts val="201"/>
               </a:spcAft>
             </a:pPr>
-            <a:endParaRPr b="0" lang="en-US" sz="2000" spc="-1" strike="noStrike">
-              <a:solidFill>
-                <a:srgbClr val="404040"/>
-              </a:solidFill>
-              <a:latin typeface="Calibri"/>
+            <a:endParaRPr b="0" lang="en-US" sz="1800" spc="-1" strike="noStrike">
+              <a:latin typeface="Arial"/>
             </a:endParaRPr>
           </a:p>
           <a:p>
@@ -6387,11 +5663,8 @@
                 <a:spcPts val="201"/>
               </a:spcAft>
             </a:pPr>
-            <a:endParaRPr b="0" lang="en-US" sz="2000" spc="-1" strike="noStrike">
-              <a:solidFill>
-                <a:srgbClr val="404040"/>
-              </a:solidFill>
-              <a:latin typeface="Calibri"/>
+            <a:endParaRPr b="0" lang="en-US" sz="1800" spc="-1" strike="noStrike">
+              <a:latin typeface="Arial"/>
             </a:endParaRPr>
           </a:p>
           <a:p>
@@ -6406,11 +5679,8 @@
                 <a:spcPts val="201"/>
               </a:spcAft>
             </a:pPr>
-            <a:endParaRPr b="0" lang="en-US" sz="2000" spc="-1" strike="noStrike">
-              <a:solidFill>
-                <a:srgbClr val="404040"/>
-              </a:solidFill>
-              <a:latin typeface="Calibri"/>
+            <a:endParaRPr b="0" lang="en-US" sz="1800" spc="-1" strike="noStrike">
+              <a:latin typeface="Arial"/>
             </a:endParaRPr>
           </a:p>
           <a:p>
@@ -6425,15 +5695,12 @@
                 <a:spcPts val="201"/>
               </a:spcAft>
             </a:pPr>
-            <a:endParaRPr b="0" lang="en-US" sz="2000" spc="-1" strike="noStrike">
-              <a:solidFill>
-                <a:srgbClr val="404040"/>
-              </a:solidFill>
-              <a:latin typeface="Calibri"/>
-            </a:endParaRPr>
-          </a:p>
-          <a:p>
-            <a:pPr marL="91440" indent="-91080">
+            <a:endParaRPr b="0" lang="en-US" sz="1800" spc="-1" strike="noStrike">
+              <a:latin typeface="Arial"/>
+            </a:endParaRPr>
+          </a:p>
+          <a:p>
+            <a:pPr marL="91440" indent="-90720">
               <a:lnSpc>
                 <a:spcPct val="90000"/>
               </a:lnSpc>
@@ -6459,14 +5726,11 @@
               <a:t>Project acronym: ACROSS</a:t>
             </a:r>
             <a:endParaRPr b="0" lang="en-US" sz="2000" spc="-1" strike="noStrike">
-              <a:solidFill>
-                <a:srgbClr val="404040"/>
-              </a:solidFill>
-              <a:latin typeface="Calibri"/>
-            </a:endParaRPr>
-          </a:p>
-          <a:p>
-            <a:pPr marL="91440" indent="-91080">
+              <a:latin typeface="Arial"/>
+            </a:endParaRPr>
+          </a:p>
+          <a:p>
+            <a:pPr marL="91440" indent="-90720">
               <a:lnSpc>
                 <a:spcPct val="90000"/>
               </a:lnSpc>
@@ -6492,14 +5756,11 @@
               <a:t>Project full title: Automatic Code Verification by Formal Analysis</a:t>
             </a:r>
             <a:endParaRPr b="0" lang="en-US" sz="2000" spc="-1" strike="noStrike">
-              <a:solidFill>
-                <a:srgbClr val="404040"/>
-              </a:solidFill>
-              <a:latin typeface="Calibri"/>
-            </a:endParaRPr>
-          </a:p>
-          <a:p>
-            <a:pPr marL="91440" indent="-91080">
+              <a:latin typeface="Arial"/>
+            </a:endParaRPr>
+          </a:p>
+          <a:p>
+            <a:pPr marL="91440" indent="-90720">
               <a:lnSpc>
                 <a:spcPct val="90000"/>
               </a:lnSpc>
@@ -6525,14 +5786,11 @@
               <a:t>Grant agreement no.: FP7-199502</a:t>
             </a:r>
             <a:endParaRPr b="0" lang="en-US" sz="2000" spc="-1" strike="noStrike">
-              <a:solidFill>
-                <a:srgbClr val="404040"/>
-              </a:solidFill>
-              <a:latin typeface="Calibri"/>
-            </a:endParaRPr>
-          </a:p>
-          <a:p>
-            <a:pPr marL="91440" indent="-91080">
+              <a:latin typeface="Arial"/>
+            </a:endParaRPr>
+          </a:p>
+          <a:p>
+            <a:pPr marL="91440" indent="-90720">
               <a:lnSpc>
                 <a:spcPct val="90000"/>
               </a:lnSpc>
@@ -6558,10 +5816,7 @@
               <a:t>Date of preparation of Annex I (latest version): 2019.11.23</a:t>
             </a:r>
             <a:endParaRPr b="0" lang="en-US" sz="2000" spc="-1" strike="noStrike">
-              <a:solidFill>
-                <a:srgbClr val="404040"/>
-              </a:solidFill>
-              <a:latin typeface="Calibri"/>
+              <a:latin typeface="Arial"/>
             </a:endParaRPr>
           </a:p>
         </p:txBody>
@@ -6617,14 +5872,14 @@
       </p:grpSpPr>
       <p:sp>
         <p:nvSpPr>
-          <p:cNvPr id="139" name="TextShape 1"/>
-          <p:cNvSpPr txBox="1"/>
+          <p:cNvPr id="130" name="CustomShape 1"/>
+          <p:cNvSpPr/>
           <p:nvPr/>
         </p:nvSpPr>
         <p:spPr>
           <a:xfrm>
             <a:off x="1097280" y="0"/>
-            <a:ext cx="10058040" cy="1450440"/>
+            <a:ext cx="10057680" cy="1450080"/>
           </a:xfrm>
           <a:prstGeom prst="rect">
             <a:avLst/>
@@ -6634,8 +5889,14 @@
             <a:noFill/>
           </a:ln>
         </p:spPr>
-        <p:txBody>
-          <a:bodyPr anchor="b"/>
+        <p:style>
+          <a:lnRef idx="0"/>
+          <a:fillRef idx="0"/>
+          <a:effectRef idx="0"/>
+          <a:fontRef idx="minor"/>
+        </p:style>
+        <p:txBody>
+          <a:bodyPr lIns="90000" rIns="90000" tIns="45000" bIns="45000" anchor="b"/>
           <a:p>
             <a:pPr>
               <a:lnSpc>
@@ -6643,7 +5904,7 @@
               </a:lnSpc>
             </a:pPr>
             <a:r>
-              <a:rPr b="0" lang="en-US" sz="4800" spc="-49" strike="noStrike">
+              <a:rPr b="0" lang="en-US" sz="4800" spc="-46" strike="noStrike">
                 <a:solidFill>
                   <a:srgbClr val="404040"/>
                 </a:solidFill>
@@ -6652,17 +5913,14 @@
               <a:t>Project Architecture</a:t>
             </a:r>
             <a:endParaRPr b="0" lang="en-US" sz="4800" spc="-1" strike="noStrike">
-              <a:solidFill>
-                <a:srgbClr val="000000"/>
-              </a:solidFill>
-              <a:latin typeface="Calibri"/>
+              <a:latin typeface="Arial"/>
             </a:endParaRPr>
           </a:p>
         </p:txBody>
       </p:sp>
       <p:pic>
         <p:nvPicPr>
-          <p:cNvPr id="140" name="Picture 3" descr=""/>
+          <p:cNvPr id="131" name="Picture 3" descr=""/>
           <p:cNvPicPr/>
           <p:nvPr/>
         </p:nvPicPr>
@@ -6673,7 +5931,7 @@
         <p:spPr>
           <a:xfrm>
             <a:off x="899280" y="1775520"/>
-            <a:ext cx="10728360" cy="4143600"/>
+            <a:ext cx="10728000" cy="4143240"/>
           </a:xfrm>
           <a:prstGeom prst="rect">
             <a:avLst/>
@@ -6734,14 +5992,14 @@
       </p:grpSpPr>
       <p:sp>
         <p:nvSpPr>
-          <p:cNvPr id="141" name="TextShape 1"/>
-          <p:cNvSpPr txBox="1"/>
+          <p:cNvPr id="132" name="CustomShape 1"/>
+          <p:cNvSpPr/>
           <p:nvPr/>
         </p:nvSpPr>
         <p:spPr>
           <a:xfrm>
             <a:off x="1097280" y="286560"/>
-            <a:ext cx="10058040" cy="1450440"/>
+            <a:ext cx="10057680" cy="1450080"/>
           </a:xfrm>
           <a:prstGeom prst="rect">
             <a:avLst/>
@@ -6751,8 +6009,14 @@
             <a:noFill/>
           </a:ln>
         </p:spPr>
-        <p:txBody>
-          <a:bodyPr anchor="b"/>
+        <p:style>
+          <a:lnRef idx="0"/>
+          <a:fillRef idx="0"/>
+          <a:effectRef idx="0"/>
+          <a:fontRef idx="minor"/>
+        </p:style>
+        <p:txBody>
+          <a:bodyPr lIns="90000" rIns="90000" tIns="45000" bIns="45000" anchor="b"/>
           <a:p>
             <a:pPr>
               <a:lnSpc>
@@ -6760,7 +6024,7 @@
               </a:lnSpc>
             </a:pPr>
             <a:r>
-              <a:rPr b="0" lang="en-US" sz="4800" spc="-49" strike="noStrike">
+              <a:rPr b="0" lang="en-US" sz="4800" spc="-46" strike="noStrike">
                 <a:solidFill>
                   <a:srgbClr val="404040"/>
                 </a:solidFill>
@@ -6769,17 +6033,14 @@
               <a:t>SRS Analysis</a:t>
             </a:r>
             <a:endParaRPr b="0" lang="en-US" sz="4800" spc="-1" strike="noStrike">
-              <a:solidFill>
-                <a:srgbClr val="000000"/>
-              </a:solidFill>
-              <a:latin typeface="Calibri"/>
+              <a:latin typeface="Arial"/>
             </a:endParaRPr>
           </a:p>
         </p:txBody>
       </p:sp>
       <p:pic>
         <p:nvPicPr>
-          <p:cNvPr id="142" name="Content Placeholder 3" descr=""/>
+          <p:cNvPr id="133" name="Content Placeholder 3" descr=""/>
           <p:cNvPicPr/>
           <p:nvPr/>
         </p:nvPicPr>
@@ -6790,7 +6051,7 @@
         <p:spPr>
           <a:xfrm>
             <a:off x="3409200" y="1837800"/>
-            <a:ext cx="5434200" cy="4022280"/>
+            <a:ext cx="5433840" cy="4021920"/>
           </a:xfrm>
           <a:prstGeom prst="rect">
             <a:avLst/>
@@ -6851,14 +6112,14 @@
       </p:grpSpPr>
       <p:sp>
         <p:nvSpPr>
-          <p:cNvPr id="143" name="TextShape 1"/>
-          <p:cNvSpPr txBox="1"/>
+          <p:cNvPr id="134" name="CustomShape 1"/>
+          <p:cNvSpPr/>
           <p:nvPr/>
         </p:nvSpPr>
         <p:spPr>
           <a:xfrm>
             <a:off x="1097280" y="286560"/>
-            <a:ext cx="10058040" cy="1450440"/>
+            <a:ext cx="10057680" cy="1450080"/>
           </a:xfrm>
           <a:prstGeom prst="rect">
             <a:avLst/>
@@ -6868,8 +6129,14 @@
             <a:noFill/>
           </a:ln>
         </p:spPr>
-        <p:txBody>
-          <a:bodyPr anchor="b"/>
+        <p:style>
+          <a:lnRef idx="0"/>
+          <a:fillRef idx="0"/>
+          <a:effectRef idx="0"/>
+          <a:fontRef idx="minor"/>
+        </p:style>
+        <p:txBody>
+          <a:bodyPr lIns="90000" rIns="90000" tIns="45000" bIns="45000" anchor="b"/>
           <a:p>
             <a:pPr>
               <a:lnSpc>
@@ -6877,7 +6144,7 @@
               </a:lnSpc>
             </a:pPr>
             <a:r>
-              <a:rPr b="0" lang="en-US" sz="4800" spc="-49" strike="noStrike">
+              <a:rPr b="0" lang="en-US" sz="4800" spc="-46" strike="noStrike">
                 <a:solidFill>
                   <a:srgbClr val="404040"/>
                 </a:solidFill>
@@ -6886,24 +6153,21 @@
               <a:t>Semantic Analyzer</a:t>
             </a:r>
             <a:endParaRPr b="0" lang="en-US" sz="4800" spc="-1" strike="noStrike">
-              <a:solidFill>
-                <a:srgbClr val="000000"/>
-              </a:solidFill>
-              <a:latin typeface="Calibri"/>
-            </a:endParaRPr>
-          </a:p>
-        </p:txBody>
-      </p:sp>
-      <p:sp>
-        <p:nvSpPr>
-          <p:cNvPr id="144" name="TextShape 2"/>
-          <p:cNvSpPr txBox="1"/>
+              <a:latin typeface="Arial"/>
+            </a:endParaRPr>
+          </a:p>
+        </p:txBody>
+      </p:sp>
+      <p:sp>
+        <p:nvSpPr>
+          <p:cNvPr id="135" name="CustomShape 2"/>
+          <p:cNvSpPr/>
           <p:nvPr/>
         </p:nvSpPr>
         <p:spPr>
           <a:xfrm>
             <a:off x="1097280" y="1845720"/>
-            <a:ext cx="10058040" cy="4023000"/>
+            <a:ext cx="10057680" cy="4022640"/>
           </a:xfrm>
           <a:prstGeom prst="rect">
             <a:avLst/>
@@ -6913,10 +6177,16 @@
             <a:noFill/>
           </a:ln>
         </p:spPr>
-        <p:txBody>
-          <a:bodyPr lIns="0" rIns="0"/>
-          <a:p>
-            <a:pPr marL="91440" indent="-91080">
+        <p:style>
+          <a:lnRef idx="0"/>
+          <a:fillRef idx="0"/>
+          <a:effectRef idx="0"/>
+          <a:fontRef idx="minor"/>
+        </p:style>
+        <p:txBody>
+          <a:bodyPr lIns="0" rIns="0" tIns="45000" bIns="45000"/>
+          <a:p>
+            <a:pPr marL="91440" indent="-90720">
               <a:lnSpc>
                 <a:spcPct val="90000"/>
               </a:lnSpc>
@@ -6942,14 +6212,11 @@
               <a:t>State of the Art:</a:t>
             </a:r>
             <a:endParaRPr b="0" lang="en-US" sz="2000" spc="-1" strike="noStrike">
-              <a:solidFill>
-                <a:srgbClr val="404040"/>
-              </a:solidFill>
-              <a:latin typeface="Calibri"/>
-            </a:endParaRPr>
-          </a:p>
-          <a:p>
-            <a:pPr lvl="1" marL="384120" indent="-182520">
+              <a:latin typeface="Arial"/>
+            </a:endParaRPr>
+          </a:p>
+          <a:p>
+            <a:pPr lvl="1" marL="384120" indent="-182160">
               <a:lnSpc>
                 <a:spcPct val="90000"/>
               </a:lnSpc>
@@ -6975,14 +6242,11 @@
               <a:t>Charles McEwen Ellison III’s “A Formal Semantics of C with Applications”</a:t>
             </a:r>
             <a:endParaRPr b="0" lang="en-US" sz="1800" spc="-1" strike="noStrike">
-              <a:solidFill>
-                <a:srgbClr val="404040"/>
-              </a:solidFill>
-              <a:latin typeface="Calibri"/>
-            </a:endParaRPr>
-          </a:p>
-          <a:p>
-            <a:pPr marL="91440" indent="-91080">
+              <a:latin typeface="Arial"/>
+            </a:endParaRPr>
+          </a:p>
+          <a:p>
+            <a:pPr marL="91440" indent="-90720">
               <a:lnSpc>
                 <a:spcPct val="90000"/>
               </a:lnSpc>
@@ -7008,14 +6272,11 @@
               <a:t>Formal Analysis of MISRA C</a:t>
             </a:r>
             <a:endParaRPr b="0" lang="en-US" sz="2000" spc="-1" strike="noStrike">
-              <a:solidFill>
-                <a:srgbClr val="404040"/>
-              </a:solidFill>
-              <a:latin typeface="Calibri"/>
-            </a:endParaRPr>
-          </a:p>
-          <a:p>
-            <a:pPr marL="91440" indent="-91080">
+              <a:latin typeface="Arial"/>
+            </a:endParaRPr>
+          </a:p>
+          <a:p>
+            <a:pPr marL="91440" indent="-90720">
               <a:lnSpc>
                 <a:spcPct val="90000"/>
               </a:lnSpc>
@@ -7041,43 +6302,7 @@
               <a:t>Problems with _Complex and _Imaginary</a:t>
             </a:r>
             <a:endParaRPr b="0" lang="en-US" sz="2000" spc="-1" strike="noStrike">
-              <a:solidFill>
-                <a:srgbClr val="404040"/>
-              </a:solidFill>
-              <a:latin typeface="Calibri"/>
-            </a:endParaRPr>
-          </a:p>
-          <a:p>
-            <a:pPr marL="91440" indent="-91080">
-              <a:lnSpc>
-                <a:spcPct val="90000"/>
-              </a:lnSpc>
-              <a:spcBef>
-                <a:spcPts val="1199"/>
-              </a:spcBef>
-              <a:spcAft>
-                <a:spcPts val="201"/>
-              </a:spcAft>
-              <a:buClr>
-                <a:srgbClr val="e48312"/>
-              </a:buClr>
-              <a:buFont typeface="Arial"/>
-              <a:buChar char="•"/>
-            </a:pPr>
-            <a:r>
-              <a:rPr b="0" lang="en-US" sz="2000" spc="-1" strike="noStrike">
-                <a:solidFill>
-                  <a:srgbClr val="404040"/>
-                </a:solidFill>
-                <a:latin typeface="Calibri"/>
-              </a:rPr>
-              <a:t>CompCert: the verified compiler for C</a:t>
-            </a:r>
-            <a:endParaRPr b="0" lang="en-US" sz="2000" spc="-1" strike="noStrike">
-              <a:solidFill>
-                <a:srgbClr val="404040"/>
-              </a:solidFill>
-              <a:latin typeface="Calibri"/>
+              <a:latin typeface="Arial"/>
             </a:endParaRPr>
           </a:p>
         </p:txBody>
@@ -7133,14 +6358,14 @@
       </p:grpSpPr>
       <p:sp>
         <p:nvSpPr>
-          <p:cNvPr id="145" name="TextShape 1"/>
-          <p:cNvSpPr txBox="1"/>
+          <p:cNvPr id="136" name="CustomShape 1"/>
+          <p:cNvSpPr/>
           <p:nvPr/>
         </p:nvSpPr>
         <p:spPr>
           <a:xfrm>
             <a:off x="1097280" y="286560"/>
-            <a:ext cx="10058040" cy="1450440"/>
+            <a:ext cx="10057680" cy="1450080"/>
           </a:xfrm>
           <a:prstGeom prst="rect">
             <a:avLst/>
@@ -7150,8 +6375,14 @@
             <a:noFill/>
           </a:ln>
         </p:spPr>
-        <p:txBody>
-          <a:bodyPr anchor="b"/>
+        <p:style>
+          <a:lnRef idx="0"/>
+          <a:fillRef idx="0"/>
+          <a:effectRef idx="0"/>
+          <a:fontRef idx="minor"/>
+        </p:style>
+        <p:txBody>
+          <a:bodyPr lIns="90000" rIns="90000" tIns="45000" bIns="45000" anchor="b"/>
           <a:p>
             <a:pPr>
               <a:lnSpc>
@@ -7159,7 +6390,7 @@
               </a:lnSpc>
             </a:pPr>
             <a:r>
-              <a:rPr b="0" lang="en-US" sz="4800" spc="-49" strike="noStrike">
+              <a:rPr b="0" lang="en-US" sz="4800" spc="-46" strike="noStrike">
                 <a:solidFill>
                   <a:srgbClr val="404040"/>
                 </a:solidFill>
@@ -7168,24 +6399,21 @@
               <a:t>Consistency Check</a:t>
             </a:r>
             <a:endParaRPr b="0" lang="en-US" sz="4800" spc="-1" strike="noStrike">
-              <a:solidFill>
-                <a:srgbClr val="000000"/>
-              </a:solidFill>
-              <a:latin typeface="Calibri"/>
-            </a:endParaRPr>
-          </a:p>
-        </p:txBody>
-      </p:sp>
-      <p:sp>
-        <p:nvSpPr>
-          <p:cNvPr id="146" name="TextShape 2"/>
-          <p:cNvSpPr txBox="1"/>
+              <a:latin typeface="Arial"/>
+            </a:endParaRPr>
+          </a:p>
+        </p:txBody>
+      </p:sp>
+      <p:sp>
+        <p:nvSpPr>
+          <p:cNvPr id="137" name="CustomShape 2"/>
+          <p:cNvSpPr/>
           <p:nvPr/>
         </p:nvSpPr>
         <p:spPr>
           <a:xfrm>
             <a:off x="1097280" y="1845720"/>
-            <a:ext cx="10058040" cy="4023000"/>
+            <a:ext cx="10057680" cy="4022640"/>
           </a:xfrm>
           <a:prstGeom prst="rect">
             <a:avLst/>
@@ -7195,10 +6423,16 @@
             <a:noFill/>
           </a:ln>
         </p:spPr>
-        <p:txBody>
-          <a:bodyPr lIns="0" rIns="0"/>
-          <a:p>
-            <a:pPr marL="91440" indent="-91080">
+        <p:style>
+          <a:lnRef idx="0"/>
+          <a:fillRef idx="0"/>
+          <a:effectRef idx="0"/>
+          <a:fontRef idx="minor"/>
+        </p:style>
+        <p:txBody>
+          <a:bodyPr lIns="0" rIns="0" tIns="45000" bIns="45000"/>
+          <a:p>
+            <a:pPr marL="91440" indent="-90720">
               <a:lnSpc>
                 <a:spcPct val="90000"/>
               </a:lnSpc>
@@ -7224,17 +6458,14 @@
               <a:t>MIS Analysis</a:t>
             </a:r>
             <a:endParaRPr b="0" lang="en-US" sz="2000" spc="-1" strike="noStrike">
-              <a:solidFill>
-                <a:srgbClr val="404040"/>
-              </a:solidFill>
-              <a:latin typeface="Calibri"/>
+              <a:latin typeface="Arial"/>
             </a:endParaRPr>
           </a:p>
         </p:txBody>
       </p:sp>
       <p:pic>
         <p:nvPicPr>
-          <p:cNvPr id="147" name="Picture 6" descr=""/>
+          <p:cNvPr id="138" name="Picture 6" descr=""/>
           <p:cNvPicPr/>
           <p:nvPr/>
         </p:nvPicPr>
@@ -7245,7 +6476,7 @@
         <p:spPr>
           <a:xfrm>
             <a:off x="3466080" y="1966320"/>
-            <a:ext cx="5320080" cy="3781800"/>
+            <a:ext cx="5319720" cy="3781440"/>
           </a:xfrm>
           <a:prstGeom prst="rect">
             <a:avLst/>
@@ -7306,14 +6537,14 @@
       </p:grpSpPr>
       <p:sp>
         <p:nvSpPr>
-          <p:cNvPr id="148" name="TextShape 1"/>
-          <p:cNvSpPr txBox="1"/>
+          <p:cNvPr id="139" name="CustomShape 1"/>
+          <p:cNvSpPr/>
           <p:nvPr/>
         </p:nvSpPr>
         <p:spPr>
           <a:xfrm>
             <a:off x="1097280" y="286560"/>
-            <a:ext cx="10058040" cy="1450440"/>
+            <a:ext cx="10057680" cy="1450080"/>
           </a:xfrm>
           <a:prstGeom prst="rect">
             <a:avLst/>
@@ -7323,8 +6554,14 @@
             <a:noFill/>
           </a:ln>
         </p:spPr>
-        <p:txBody>
-          <a:bodyPr anchor="b"/>
+        <p:style>
+          <a:lnRef idx="0"/>
+          <a:fillRef idx="0"/>
+          <a:effectRef idx="0"/>
+          <a:fontRef idx="minor"/>
+        </p:style>
+        <p:txBody>
+          <a:bodyPr lIns="90000" rIns="90000" tIns="45000" bIns="45000" anchor="b"/>
           <a:p>
             <a:pPr>
               <a:lnSpc>
@@ -7332,7 +6569,7 @@
               </a:lnSpc>
             </a:pPr>
             <a:r>
-              <a:rPr b="0" lang="en-US" sz="4800" spc="-49" strike="noStrike">
+              <a:rPr b="0" lang="en-US" sz="4800" spc="-46" strike="noStrike">
                 <a:solidFill>
                   <a:srgbClr val="404040"/>
                 </a:solidFill>
@@ -7341,24 +6578,21 @@
               <a:t>Verifier</a:t>
             </a:r>
             <a:endParaRPr b="0" lang="en-US" sz="4800" spc="-1" strike="noStrike">
-              <a:solidFill>
-                <a:srgbClr val="000000"/>
-              </a:solidFill>
-              <a:latin typeface="Calibri"/>
-            </a:endParaRPr>
-          </a:p>
-        </p:txBody>
-      </p:sp>
-      <p:sp>
-        <p:nvSpPr>
-          <p:cNvPr id="149" name="TextShape 2"/>
-          <p:cNvSpPr txBox="1"/>
+              <a:latin typeface="Arial"/>
+            </a:endParaRPr>
+          </a:p>
+        </p:txBody>
+      </p:sp>
+      <p:sp>
+        <p:nvSpPr>
+          <p:cNvPr id="140" name="CustomShape 2"/>
+          <p:cNvSpPr/>
           <p:nvPr/>
         </p:nvSpPr>
         <p:spPr>
           <a:xfrm>
             <a:off x="1097280" y="1845720"/>
-            <a:ext cx="10058040" cy="4023000"/>
+            <a:ext cx="10057680" cy="4022640"/>
           </a:xfrm>
           <a:prstGeom prst="rect">
             <a:avLst/>
@@ -7368,10 +6602,16 @@
             <a:noFill/>
           </a:ln>
         </p:spPr>
-        <p:txBody>
-          <a:bodyPr lIns="0" rIns="0"/>
-          <a:p>
-            <a:pPr marL="91440" indent="-91080">
+        <p:style>
+          <a:lnRef idx="0"/>
+          <a:fillRef idx="0"/>
+          <a:effectRef idx="0"/>
+          <a:fontRef idx="minor"/>
+        </p:style>
+        <p:txBody>
+          <a:bodyPr lIns="0" rIns="0" tIns="45000" bIns="45000"/>
+          <a:p>
+            <a:pPr marL="91440" indent="-90720">
               <a:lnSpc>
                 <a:spcPct val="90000"/>
               </a:lnSpc>
@@ -7388,19 +6628,55 @@
               <a:buChar char=" "/>
             </a:pPr>
             <a:r>
+              <a:rPr b="0" lang="en-US" sz="2400" spc="-1" strike="noStrike">
+                <a:solidFill>
+                  <a:srgbClr val="404040"/>
+                </a:solidFill>
+                <a:latin typeface="Calibri"/>
+              </a:rPr>
+              <a:t>Compassing both formal outputs</a:t>
+            </a:r>
+            <a:endParaRPr b="0" lang="en-US" sz="2400" spc="-1" strike="noStrike">
+              <a:latin typeface="Arial"/>
+            </a:endParaRPr>
+          </a:p>
+          <a:p>
+            <a:pPr marL="91440" indent="-90720">
+              <a:lnSpc>
+                <a:spcPct val="90000"/>
+              </a:lnSpc>
+              <a:spcBef>
+                <a:spcPts val="1199"/>
+              </a:spcBef>
+              <a:spcAft>
+                <a:spcPts val="201"/>
+              </a:spcAft>
+              <a:buClr>
+                <a:srgbClr val="e48312"/>
+              </a:buClr>
+              <a:buFont typeface="Calibri"/>
+              <a:buChar char=" "/>
+            </a:pPr>
+            <a:r>
+              <a:rPr b="0" lang="en-US" sz="2400" spc="-1" strike="noStrike">
+                <a:solidFill>
+                  <a:srgbClr val="404040"/>
+                </a:solidFill>
+                <a:latin typeface="Calibri"/>
+              </a:rPr>
+              <a:t>Fix suggestions</a:t>
+            </a:r>
+            <a:r>
               <a:rPr b="0" lang="en-US" sz="2000" spc="-1" strike="noStrike">
                 <a:solidFill>
                   <a:srgbClr val="404040"/>
                 </a:solidFill>
                 <a:latin typeface="Calibri"/>
               </a:rPr>
-              <a:t>Verified</a:t>
+              <a:t>  </a:t>
             </a:r>
             <a:endParaRPr b="0" lang="en-US" sz="2000" spc="-1" strike="noStrike">
-              <a:solidFill>
-                <a:srgbClr val="404040"/>
-              </a:solidFill>
-              <a:latin typeface="Calibri"/>
+              <a:latin typeface="Arial"/>
             </a:endParaRPr>
           </a:p>
         </p:txBody>
@@ -7456,14 +6732,14 @@
       </p:grpSpPr>
       <p:sp>
         <p:nvSpPr>
-          <p:cNvPr id="150" name="TextShape 1"/>
-          <p:cNvSpPr txBox="1"/>
+          <p:cNvPr id="141" name="CustomShape 1"/>
+          <p:cNvSpPr/>
           <p:nvPr/>
         </p:nvSpPr>
         <p:spPr>
           <a:xfrm>
             <a:off x="1097280" y="286560"/>
-            <a:ext cx="10058040" cy="1450440"/>
+            <a:ext cx="10057680" cy="1450080"/>
           </a:xfrm>
           <a:prstGeom prst="rect">
             <a:avLst/>
@@ -7473,8 +6749,14 @@
             <a:noFill/>
           </a:ln>
         </p:spPr>
-        <p:txBody>
-          <a:bodyPr anchor="b"/>
+        <p:style>
+          <a:lnRef idx="0"/>
+          <a:fillRef idx="0"/>
+          <a:effectRef idx="0"/>
+          <a:fontRef idx="minor"/>
+        </p:style>
+        <p:txBody>
+          <a:bodyPr lIns="90000" rIns="90000" tIns="45000" bIns="45000" anchor="b"/>
           <a:p>
             <a:pPr>
               <a:lnSpc>
@@ -7482,7 +6764,7 @@
               </a:lnSpc>
             </a:pPr>
             <a:r>
-              <a:rPr b="0" lang="en-US" sz="4800" spc="-49" strike="noStrike">
+              <a:rPr b="0" lang="en-US" sz="4800" spc="-46" strike="noStrike">
                 <a:solidFill>
                   <a:srgbClr val="404040"/>
                 </a:solidFill>
@@ -7491,24 +6773,21 @@
               <a:t>Conclusions and future work</a:t>
             </a:r>
             <a:endParaRPr b="0" lang="en-US" sz="4800" spc="-1" strike="noStrike">
-              <a:solidFill>
-                <a:srgbClr val="000000"/>
-              </a:solidFill>
-              <a:latin typeface="Calibri"/>
-            </a:endParaRPr>
-          </a:p>
-        </p:txBody>
-      </p:sp>
-      <p:sp>
-        <p:nvSpPr>
-          <p:cNvPr id="151" name="TextShape 2"/>
-          <p:cNvSpPr txBox="1"/>
+              <a:latin typeface="Arial"/>
+            </a:endParaRPr>
+          </a:p>
+        </p:txBody>
+      </p:sp>
+      <p:sp>
+        <p:nvSpPr>
+          <p:cNvPr id="142" name="CustomShape 2"/>
+          <p:cNvSpPr/>
           <p:nvPr/>
         </p:nvSpPr>
         <p:spPr>
           <a:xfrm>
             <a:off x="1097280" y="1845720"/>
-            <a:ext cx="10058040" cy="4023000"/>
+            <a:ext cx="10057680" cy="4022640"/>
           </a:xfrm>
           <a:prstGeom prst="rect">
             <a:avLst/>
@@ -7518,10 +6797,16 @@
             <a:noFill/>
           </a:ln>
         </p:spPr>
-        <p:txBody>
-          <a:bodyPr lIns="0" rIns="0"/>
-          <a:p>
-            <a:pPr marL="91440" indent="-91080">
+        <p:style>
+          <a:lnRef idx="0"/>
+          <a:fillRef idx="0"/>
+          <a:effectRef idx="0"/>
+          <a:fontRef idx="minor"/>
+        </p:style>
+        <p:txBody>
+          <a:bodyPr lIns="0" rIns="0" tIns="45000" bIns="45000"/>
+          <a:p>
+            <a:pPr marL="91440" indent="-90720">
               <a:lnSpc>
                 <a:spcPct val="90000"/>
               </a:lnSpc>
@@ -7544,13 +6829,10 @@
                 </a:solidFill>
                 <a:latin typeface="Calibri"/>
               </a:rPr>
-              <a:t>Forget and die</a:t>
+              <a:t> </a:t>
             </a:r>
             <a:endParaRPr b="0" lang="en-US" sz="2000" spc="-1" strike="noStrike">
-              <a:solidFill>
-                <a:srgbClr val="404040"/>
-              </a:solidFill>
-              <a:latin typeface="Calibri"/>
+              <a:latin typeface="Arial"/>
             </a:endParaRPr>
           </a:p>
           <a:p>
@@ -7566,10 +6848,7 @@
               </a:spcAft>
             </a:pPr>
             <a:endParaRPr b="0" lang="en-US" sz="2000" spc="-1" strike="noStrike">
-              <a:solidFill>
-                <a:srgbClr val="404040"/>
-              </a:solidFill>
-              <a:latin typeface="Calibri"/>
+              <a:latin typeface="Arial"/>
             </a:endParaRPr>
           </a:p>
           <a:p>
@@ -7585,10 +6864,7 @@
               </a:spcAft>
             </a:pPr>
             <a:endParaRPr b="0" lang="en-US" sz="2000" spc="-1" strike="noStrike">
-              <a:solidFill>
-                <a:srgbClr val="404040"/>
-              </a:solidFill>
-              <a:latin typeface="Calibri"/>
+              <a:latin typeface="Arial"/>
             </a:endParaRPr>
           </a:p>
           <a:p>
@@ -7604,10 +6880,7 @@
               </a:spcAft>
             </a:pPr>
             <a:endParaRPr b="0" lang="en-US" sz="2000" spc="-1" strike="noStrike">
-              <a:solidFill>
-                <a:srgbClr val="404040"/>
-              </a:solidFill>
-              <a:latin typeface="Calibri"/>
+              <a:latin typeface="Arial"/>
             </a:endParaRPr>
           </a:p>
           <a:p>
@@ -7623,10 +6896,7 @@
               </a:spcAft>
             </a:pPr>
             <a:endParaRPr b="0" lang="en-US" sz="2000" spc="-1" strike="noStrike">
-              <a:solidFill>
-                <a:srgbClr val="404040"/>
-              </a:solidFill>
-              <a:latin typeface="Calibri"/>
+              <a:latin typeface="Arial"/>
             </a:endParaRPr>
           </a:p>
           <a:p>
@@ -7642,10 +6912,7 @@
               </a:spcAft>
             </a:pPr>
             <a:endParaRPr b="0" lang="en-US" sz="2000" spc="-1" strike="noStrike">
-              <a:solidFill>
-                <a:srgbClr val="404040"/>
-              </a:solidFill>
-              <a:latin typeface="Calibri"/>
+              <a:latin typeface="Arial"/>
             </a:endParaRPr>
           </a:p>
           <a:p>
@@ -7661,33 +6928,11 @@
               </a:spcAft>
             </a:pPr>
             <a:endParaRPr b="0" lang="en-US" sz="2000" spc="-1" strike="noStrike">
-              <a:solidFill>
-                <a:srgbClr val="404040"/>
-              </a:solidFill>
-              <a:latin typeface="Calibri"/>
-            </a:endParaRPr>
-          </a:p>
-          <a:p>
-            <a:pPr>
-              <a:lnSpc>
-                <a:spcPct val="90000"/>
-              </a:lnSpc>
-              <a:spcBef>
-                <a:spcPts val="1199"/>
-              </a:spcBef>
-              <a:spcAft>
-                <a:spcPts val="201"/>
-              </a:spcAft>
-            </a:pPr>
-            <a:endParaRPr b="0" lang="en-US" sz="2000" spc="-1" strike="noStrike">
-              <a:solidFill>
-                <a:srgbClr val="404040"/>
-              </a:solidFill>
-              <a:latin typeface="Calibri"/>
-            </a:endParaRPr>
-          </a:p>
-          <a:p>
-            <a:pPr marL="91440" indent="-91080">
+              <a:latin typeface="Arial"/>
+            </a:endParaRPr>
+          </a:p>
+          <a:p>
+            <a:pPr marL="91440" indent="-90720">
               <a:lnSpc>
                 <a:spcPct val="90000"/>
               </a:lnSpc>
@@ -7710,61 +6955,7 @@
                 </a:solidFill>
                 <a:latin typeface="Calibri"/>
               </a:rPr>
-              <a:t>Do research never again </a:t>
-            </a:r>
-            <a:r>
-              <a:rPr b="0" lang="en-US" sz="2000" spc="-1" strike="noStrike">
-                <a:solidFill>
-                  <a:srgbClr val="404040"/>
-                </a:solidFill>
-                <a:latin typeface="Wingdings"/>
-              </a:rPr>
-              <a:t></a:t>
-            </a:r>
-            <a:r>
-              <a:rPr b="0" lang="en-US" sz="2000" spc="-1" strike="noStrike">
-                <a:solidFill>
-                  <a:srgbClr val="404040"/>
-                </a:solidFill>
-                <a:latin typeface="Calibri"/>
-              </a:rPr>
               <a:t> </a:t>
-            </a:r>
-            <a:r>
-              <a:rPr b="0" lang="en-US" sz="2000" spc="-1" strike="noStrike">
-                <a:solidFill>
-                  <a:srgbClr val="404040"/>
-                </a:solidFill>
-                <a:latin typeface="Wingdings"/>
-              </a:rPr>
-              <a:t></a:t>
-            </a:r>
-            <a:r>
-              <a:rPr b="0" lang="en-US" sz="2000" spc="-1" strike="noStrike">
-                <a:solidFill>
-                  <a:srgbClr val="404040"/>
-                </a:solidFill>
-                <a:latin typeface="Calibri"/>
-              </a:rPr>
-              <a:t> </a:t>
-            </a:r>
-            <a:r>
-              <a:rPr b="0" lang="en-US" sz="2000" spc="-1" strike="noStrike">
-                <a:solidFill>
-                  <a:srgbClr val="404040"/>
-                </a:solidFill>
-                <a:latin typeface="Wingdings"/>
-              </a:rPr>
-              <a:t></a:t>
-            </a:r>
-            <a:r>
-              <a:rPr b="0" lang="en-US" sz="2000" spc="-1" strike="noStrike">
-                <a:solidFill>
-                  <a:srgbClr val="404040"/>
-                </a:solidFill>
-                <a:latin typeface="Calibri"/>
-              </a:rPr>
-              <a:t>  </a:t>
             </a:r>
             <a:r>
               <a:rPr b="0" lang="en-US" sz="2000" spc="-1" strike="noStrike">
@@ -7776,10 +6967,87 @@
               <a:t>	</a:t>
             </a:r>
             <a:endParaRPr b="0" lang="en-US" sz="2000" spc="-1" strike="noStrike">
-              <a:solidFill>
-                <a:srgbClr val="404040"/>
-              </a:solidFill>
-              <a:latin typeface="Calibri"/>
+              <a:latin typeface="Arial"/>
+            </a:endParaRPr>
+          </a:p>
+        </p:txBody>
+      </p:sp>
+      <p:sp>
+        <p:nvSpPr>
+          <p:cNvPr id="143" name="TextShape 3"/>
+          <p:cNvSpPr txBox="1"/>
+          <p:nvPr/>
+        </p:nvSpPr>
+        <p:spPr>
+          <a:xfrm>
+            <a:off x="1206000" y="2135880"/>
+            <a:ext cx="10132560" cy="2984760"/>
+          </a:xfrm>
+          <a:prstGeom prst="rect">
+            <a:avLst/>
+          </a:prstGeom>
+          <a:noFill/>
+          <a:ln>
+            <a:noFill/>
+          </a:ln>
+        </p:spPr>
+        <p:txBody>
+          <a:bodyPr lIns="90000" rIns="90000" tIns="45000" bIns="45000"/>
+          <a:p>
+            <a:r>
+              <a:rPr b="0" lang="en-US" sz="2600" spc="-1" strike="noStrike">
+                <a:solidFill>
+                  <a:srgbClr val="404040"/>
+                </a:solidFill>
+                <a:latin typeface="Calibri"/>
+              </a:rPr>
+              <a:t>Extend training set of RNN’s input</a:t>
+            </a:r>
+            <a:endParaRPr b="0" lang="en-US" sz="2600" spc="-1" strike="noStrike">
+              <a:latin typeface="Arial"/>
+            </a:endParaRPr>
+          </a:p>
+          <a:p>
+            <a:r>
+              <a:rPr b="0" lang="en-US" sz="2600" spc="-1" strike="noStrike">
+                <a:solidFill>
+                  <a:srgbClr val="404040"/>
+                </a:solidFill>
+                <a:latin typeface="Calibri"/>
+              </a:rPr>
+              <a:t>Research of non-functional requirements extension</a:t>
+            </a:r>
+            <a:endParaRPr b="0" lang="en-US" sz="2600" spc="-1" strike="noStrike">
+              <a:latin typeface="Arial"/>
+            </a:endParaRPr>
+          </a:p>
+          <a:p>
+            <a:r>
+              <a:rPr b="0" lang="en-US" sz="2600" spc="-1" strike="noStrike">
+                <a:solidFill>
+                  <a:srgbClr val="404040"/>
+                </a:solidFill>
+                <a:latin typeface="Calibri"/>
+                <a:ea typeface="AR PL SungtiL GB"/>
+              </a:rPr>
+              <a:t>Extend architecture with </a:t>
+            </a:r>
+            <a:r>
+              <a:rPr b="0" lang="en-US" sz="2600" spc="-1" strike="noStrike">
+                <a:solidFill>
+                  <a:srgbClr val="404040"/>
+                </a:solidFill>
+                <a:latin typeface="Calibri"/>
+              </a:rPr>
+              <a:t> semantic analyzers of different languages</a:t>
+            </a:r>
+            <a:endParaRPr b="0" lang="en-US" sz="2600" spc="-1" strike="noStrike">
+              <a:latin typeface="Arial"/>
+            </a:endParaRPr>
+          </a:p>
+          <a:p>
+            <a:endParaRPr b="0" lang="en-US" sz="2600" spc="-1" strike="noStrike">
+              <a:latin typeface="Arial"/>
             </a:endParaRPr>
           </a:p>
         </p:txBody>

--- a/Article/Article.pptx
+++ b/Article/Article.pptx
@@ -15,6 +15,7 @@
     <p:sldId id="261" r:id="rId10"/>
     <p:sldId id="262" r:id="rId11"/>
     <p:sldId id="263" r:id="rId12"/>
+    <p:sldId id="264" r:id="rId13"/>
   </p:sldIdLst>
   <p:sldSz cx="12192000" cy="6858000"/>
   <p:notesSz cx="7559675" cy="10691812"/>
@@ -6150,7 +6151,7 @@
                 </a:solidFill>
                 <a:latin typeface="Calibri Light"/>
               </a:rPr>
-              <a:t>Semantic Analyzer</a:t>
+              <a:t>SRS Analysis</a:t>
             </a:r>
             <a:endParaRPr b="0" lang="en-US" sz="4800" spc="-1" strike="noStrike">
               <a:latin typeface="Arial"/>
@@ -6158,155 +6159,52 @@
           </a:p>
         </p:txBody>
       </p:sp>
-      <p:sp>
-        <p:nvSpPr>
-          <p:cNvPr id="135" name="CustomShape 2"/>
-          <p:cNvSpPr/>
+      <p:pic>
+        <p:nvPicPr>
+          <p:cNvPr id="135" name="" descr=""/>
+          <p:cNvPicPr/>
           <p:nvPr/>
-        </p:nvSpPr>
-        <p:spPr>
-          <a:xfrm>
-            <a:off x="1097280" y="1845720"/>
-            <a:ext cx="10057680" cy="4022640"/>
-          </a:xfrm>
-          <a:prstGeom prst="rect">
-            <a:avLst/>
-          </a:prstGeom>
-          <a:noFill/>
+        </p:nvPicPr>
+        <p:blipFill>
+          <a:blip r:embed="rId1"/>
+          <a:stretch/>
+        </p:blipFill>
+        <p:spPr>
+          <a:xfrm>
+            <a:off x="1248120" y="1920240"/>
+            <a:ext cx="4238280" cy="4019040"/>
+          </a:xfrm>
+          <a:prstGeom prst="rect">
+            <a:avLst/>
+          </a:prstGeom>
           <a:ln>
             <a:noFill/>
           </a:ln>
         </p:spPr>
-        <p:style>
-          <a:lnRef idx="0"/>
-          <a:fillRef idx="0"/>
-          <a:effectRef idx="0"/>
-          <a:fontRef idx="minor"/>
-        </p:style>
-        <p:txBody>
-          <a:bodyPr lIns="0" rIns="0" tIns="45000" bIns="45000"/>
-          <a:p>
-            <a:pPr marL="91440" indent="-90720">
-              <a:lnSpc>
-                <a:spcPct val="90000"/>
-              </a:lnSpc>
-              <a:spcBef>
-                <a:spcPts val="1199"/>
-              </a:spcBef>
-              <a:spcAft>
-                <a:spcPts val="201"/>
-              </a:spcAft>
-              <a:buClr>
-                <a:srgbClr val="e48312"/>
-              </a:buClr>
-              <a:buFont typeface="Arial"/>
-              <a:buChar char="•"/>
-            </a:pPr>
-            <a:r>
-              <a:rPr b="0" lang="en-US" sz="2000" spc="-1" strike="noStrike">
-                <a:solidFill>
-                  <a:srgbClr val="404040"/>
-                </a:solidFill>
-                <a:latin typeface="Calibri"/>
-              </a:rPr>
-              <a:t>State of the Art:</a:t>
-            </a:r>
-            <a:endParaRPr b="0" lang="en-US" sz="2000" spc="-1" strike="noStrike">
-              <a:latin typeface="Arial"/>
-            </a:endParaRPr>
-          </a:p>
-          <a:p>
-            <a:pPr lvl="1" marL="384120" indent="-182160">
-              <a:lnSpc>
-                <a:spcPct val="90000"/>
-              </a:lnSpc>
-              <a:spcBef>
-                <a:spcPts val="201"/>
-              </a:spcBef>
-              <a:spcAft>
-                <a:spcPts val="400"/>
-              </a:spcAft>
-              <a:buClr>
-                <a:srgbClr val="e48312"/>
-              </a:buClr>
-              <a:buFont typeface="Calibri"/>
-              <a:buChar char="◦"/>
-            </a:pPr>
-            <a:r>
-              <a:rPr b="0" lang="en-US" sz="1800" spc="-1" strike="noStrike">
-                <a:solidFill>
-                  <a:srgbClr val="404040"/>
-                </a:solidFill>
-                <a:latin typeface="Calibri"/>
-              </a:rPr>
-              <a:t>Charles McEwen Ellison III’s “A Formal Semantics of C with Applications”</a:t>
-            </a:r>
-            <a:endParaRPr b="0" lang="en-US" sz="1800" spc="-1" strike="noStrike">
-              <a:latin typeface="Arial"/>
-            </a:endParaRPr>
-          </a:p>
-          <a:p>
-            <a:pPr marL="91440" indent="-90720">
-              <a:lnSpc>
-                <a:spcPct val="90000"/>
-              </a:lnSpc>
-              <a:spcBef>
-                <a:spcPts val="1199"/>
-              </a:spcBef>
-              <a:spcAft>
-                <a:spcPts val="201"/>
-              </a:spcAft>
-              <a:buClr>
-                <a:srgbClr val="e48312"/>
-              </a:buClr>
-              <a:buFont typeface="Arial"/>
-              <a:buChar char="•"/>
-            </a:pPr>
-            <a:r>
-              <a:rPr b="0" lang="en-US" sz="2000" spc="-1" strike="noStrike">
-                <a:solidFill>
-                  <a:srgbClr val="404040"/>
-                </a:solidFill>
-                <a:latin typeface="Calibri"/>
-              </a:rPr>
-              <a:t>Formal Analysis of MISRA C</a:t>
-            </a:r>
-            <a:endParaRPr b="0" lang="en-US" sz="2000" spc="-1" strike="noStrike">
-              <a:latin typeface="Arial"/>
-            </a:endParaRPr>
-          </a:p>
-          <a:p>
-            <a:pPr marL="91440" indent="-90720">
-              <a:lnSpc>
-                <a:spcPct val="90000"/>
-              </a:lnSpc>
-              <a:spcBef>
-                <a:spcPts val="1199"/>
-              </a:spcBef>
-              <a:spcAft>
-                <a:spcPts val="201"/>
-              </a:spcAft>
-              <a:buClr>
-                <a:srgbClr val="e48312"/>
-              </a:buClr>
-              <a:buFont typeface="Arial"/>
-              <a:buChar char="•"/>
-            </a:pPr>
-            <a:r>
-              <a:rPr b="0" lang="en-US" sz="2000" spc="-1" strike="noStrike">
-                <a:solidFill>
-                  <a:srgbClr val="404040"/>
-                </a:solidFill>
-                <a:latin typeface="Calibri"/>
-              </a:rPr>
-              <a:t>Problems with _Complex and _Imaginary</a:t>
-            </a:r>
-            <a:endParaRPr b="0" lang="en-US" sz="2000" spc="-1" strike="noStrike">
-              <a:latin typeface="Arial"/>
-            </a:endParaRPr>
-          </a:p>
-        </p:txBody>
-      </p:sp>
+      </p:pic>
+      <p:pic>
+        <p:nvPicPr>
+          <p:cNvPr id="136" name="" descr=""/>
+          <p:cNvPicPr/>
+          <p:nvPr/>
+        </p:nvPicPr>
+        <p:blipFill>
+          <a:blip r:embed="rId2"/>
+          <a:stretch/>
+        </p:blipFill>
+        <p:spPr>
+          <a:xfrm>
+            <a:off x="6105960" y="2008080"/>
+            <a:ext cx="4409640" cy="3752640"/>
+          </a:xfrm>
+          <a:prstGeom prst="rect">
+            <a:avLst/>
+          </a:prstGeom>
+          <a:ln>
+            <a:noFill/>
+          </a:ln>
+        </p:spPr>
+      </p:pic>
     </p:spTree>
   </p:cSld>
   <p:timing>
@@ -6358,7 +6256,7 @@
       </p:grpSpPr>
       <p:sp>
         <p:nvSpPr>
-          <p:cNvPr id="136" name="CustomShape 1"/>
+          <p:cNvPr id="137" name="CustomShape 1"/>
           <p:cNvSpPr/>
           <p:nvPr/>
         </p:nvSpPr>
@@ -6396,7 +6294,7 @@
                 </a:solidFill>
                 <a:latin typeface="Calibri Light"/>
               </a:rPr>
-              <a:t>Consistency Check</a:t>
+              <a:t>Semantic Analyzer</a:t>
             </a:r>
             <a:endParaRPr b="0" lang="en-US" sz="4800" spc="-1" strike="noStrike">
               <a:latin typeface="Arial"/>
@@ -6406,7 +6304,7 @@
       </p:sp>
       <p:sp>
         <p:nvSpPr>
-          <p:cNvPr id="137" name="CustomShape 2"/>
+          <p:cNvPr id="138" name="CustomShape 2"/>
           <p:cNvSpPr/>
           <p:nvPr/>
         </p:nvSpPr>
@@ -6455,37 +6353,104 @@
                 </a:solidFill>
                 <a:latin typeface="Calibri"/>
               </a:rPr>
-              <a:t>MIS Analysis</a:t>
+              <a:t>State of the Art:</a:t>
             </a:r>
             <a:endParaRPr b="0" lang="en-US" sz="2000" spc="-1" strike="noStrike">
               <a:latin typeface="Arial"/>
             </a:endParaRPr>
           </a:p>
-        </p:txBody>
-      </p:sp>
-      <p:pic>
-        <p:nvPicPr>
-          <p:cNvPr id="138" name="Picture 6" descr=""/>
-          <p:cNvPicPr/>
-          <p:nvPr/>
-        </p:nvPicPr>
-        <p:blipFill>
-          <a:blip r:embed="rId1"/>
-          <a:stretch/>
-        </p:blipFill>
-        <p:spPr>
-          <a:xfrm>
-            <a:off x="3466080" y="1966320"/>
-            <a:ext cx="5319720" cy="3781440"/>
-          </a:xfrm>
-          <a:prstGeom prst="rect">
-            <a:avLst/>
-          </a:prstGeom>
-          <a:ln>
-            <a:noFill/>
-          </a:ln>
-        </p:spPr>
-      </p:pic>
+          <a:p>
+            <a:pPr lvl="1" marL="384120" indent="-182160">
+              <a:lnSpc>
+                <a:spcPct val="90000"/>
+              </a:lnSpc>
+              <a:spcBef>
+                <a:spcPts val="201"/>
+              </a:spcBef>
+              <a:spcAft>
+                <a:spcPts val="400"/>
+              </a:spcAft>
+              <a:buClr>
+                <a:srgbClr val="e48312"/>
+              </a:buClr>
+              <a:buFont typeface="Calibri"/>
+              <a:buChar char="◦"/>
+            </a:pPr>
+            <a:r>
+              <a:rPr b="0" lang="en-US" sz="1800" spc="-1" strike="noStrike">
+                <a:solidFill>
+                  <a:srgbClr val="404040"/>
+                </a:solidFill>
+                <a:latin typeface="Calibri"/>
+              </a:rPr>
+              <a:t>Charles McEwen Ellison III’s “A Formal Semantics of C with Applications”</a:t>
+            </a:r>
+            <a:endParaRPr b="0" lang="en-US" sz="1800" spc="-1" strike="noStrike">
+              <a:latin typeface="Arial"/>
+            </a:endParaRPr>
+          </a:p>
+          <a:p>
+            <a:pPr marL="91440" indent="-90720">
+              <a:lnSpc>
+                <a:spcPct val="90000"/>
+              </a:lnSpc>
+              <a:spcBef>
+                <a:spcPts val="1199"/>
+              </a:spcBef>
+              <a:spcAft>
+                <a:spcPts val="201"/>
+              </a:spcAft>
+              <a:buClr>
+                <a:srgbClr val="e48312"/>
+              </a:buClr>
+              <a:buFont typeface="Arial"/>
+              <a:buChar char="•"/>
+            </a:pPr>
+            <a:r>
+              <a:rPr b="0" lang="en-US" sz="2000" spc="-1" strike="noStrike">
+                <a:solidFill>
+                  <a:srgbClr val="404040"/>
+                </a:solidFill>
+                <a:latin typeface="Calibri"/>
+              </a:rPr>
+              <a:t>Formal Analysis of MISRA C</a:t>
+            </a:r>
+            <a:endParaRPr b="0" lang="en-US" sz="2000" spc="-1" strike="noStrike">
+              <a:latin typeface="Arial"/>
+            </a:endParaRPr>
+          </a:p>
+          <a:p>
+            <a:pPr marL="91440" indent="-90720">
+              <a:lnSpc>
+                <a:spcPct val="90000"/>
+              </a:lnSpc>
+              <a:spcBef>
+                <a:spcPts val="1199"/>
+              </a:spcBef>
+              <a:spcAft>
+                <a:spcPts val="201"/>
+              </a:spcAft>
+              <a:buClr>
+                <a:srgbClr val="e48312"/>
+              </a:buClr>
+              <a:buFont typeface="Arial"/>
+              <a:buChar char="•"/>
+            </a:pPr>
+            <a:r>
+              <a:rPr b="0" lang="en-US" sz="2000" spc="-1" strike="noStrike">
+                <a:solidFill>
+                  <a:srgbClr val="404040"/>
+                </a:solidFill>
+                <a:latin typeface="Calibri"/>
+              </a:rPr>
+              <a:t>Problems with _Complex and _Imaginary</a:t>
+            </a:r>
+            <a:endParaRPr b="0" lang="en-US" sz="2000" spc="-1" strike="noStrike">
+              <a:latin typeface="Arial"/>
+            </a:endParaRPr>
+          </a:p>
+        </p:txBody>
+      </p:sp>
     </p:spTree>
   </p:cSld>
   <p:timing>
@@ -6575,7 +6540,7 @@
                 </a:solidFill>
                 <a:latin typeface="Calibri Light"/>
               </a:rPr>
-              <a:t>Verifier</a:t>
+              <a:t>Consistency Check</a:t>
             </a:r>
             <a:endParaRPr b="0" lang="en-US" sz="4800" spc="-1" strike="noStrike">
               <a:latin typeface="Arial"/>
@@ -6624,48 +6589,9 @@
               <a:buClr>
                 <a:srgbClr val="e48312"/>
               </a:buClr>
-              <a:buFont typeface="Calibri"/>
-              <a:buChar char=" "/>
+              <a:buFont typeface="Arial"/>
+              <a:buChar char="•"/>
             </a:pPr>
-            <a:r>
-              <a:rPr b="0" lang="en-US" sz="2400" spc="-1" strike="noStrike">
-                <a:solidFill>
-                  <a:srgbClr val="404040"/>
-                </a:solidFill>
-                <a:latin typeface="Calibri"/>
-              </a:rPr>
-              <a:t>Compassing both formal outputs</a:t>
-            </a:r>
-            <a:endParaRPr b="0" lang="en-US" sz="2400" spc="-1" strike="noStrike">
-              <a:latin typeface="Arial"/>
-            </a:endParaRPr>
-          </a:p>
-          <a:p>
-            <a:pPr marL="91440" indent="-90720">
-              <a:lnSpc>
-                <a:spcPct val="90000"/>
-              </a:lnSpc>
-              <a:spcBef>
-                <a:spcPts val="1199"/>
-              </a:spcBef>
-              <a:spcAft>
-                <a:spcPts val="201"/>
-              </a:spcAft>
-              <a:buClr>
-                <a:srgbClr val="e48312"/>
-              </a:buClr>
-              <a:buFont typeface="Calibri"/>
-              <a:buChar char=" "/>
-            </a:pPr>
-            <a:r>
-              <a:rPr b="0" lang="en-US" sz="2400" spc="-1" strike="noStrike">
-                <a:solidFill>
-                  <a:srgbClr val="404040"/>
-                </a:solidFill>
-                <a:latin typeface="Calibri"/>
-              </a:rPr>
-              <a:t>Fix suggestions</a:t>
-            </a:r>
             <a:r>
               <a:rPr b="0" lang="en-US" sz="2000" spc="-1" strike="noStrike">
                 <a:solidFill>
@@ -6673,7 +6599,7 @@
                 </a:solidFill>
                 <a:latin typeface="Calibri"/>
               </a:rPr>
-              <a:t>  </a:t>
+              <a:t>MIS Analysis</a:t>
             </a:r>
             <a:endParaRPr b="0" lang="en-US" sz="2000" spc="-1" strike="noStrike">
               <a:latin typeface="Arial"/>
@@ -6681,6 +6607,29 @@
           </a:p>
         </p:txBody>
       </p:sp>
+      <p:pic>
+        <p:nvPicPr>
+          <p:cNvPr id="141" name="Picture 6" descr=""/>
+          <p:cNvPicPr/>
+          <p:nvPr/>
+        </p:nvPicPr>
+        <p:blipFill>
+          <a:blip r:embed="rId1"/>
+          <a:stretch/>
+        </p:blipFill>
+        <p:spPr>
+          <a:xfrm>
+            <a:off x="3466080" y="1966320"/>
+            <a:ext cx="5319720" cy="3781440"/>
+          </a:xfrm>
+          <a:prstGeom prst="rect">
+            <a:avLst/>
+          </a:prstGeom>
+          <a:ln>
+            <a:noFill/>
+          </a:ln>
+        </p:spPr>
+      </p:pic>
     </p:spTree>
   </p:cSld>
   <p:timing>
@@ -6732,7 +6681,202 @@
       </p:grpSpPr>
       <p:sp>
         <p:nvSpPr>
-          <p:cNvPr id="141" name="CustomShape 1"/>
+          <p:cNvPr id="142" name="CustomShape 1"/>
+          <p:cNvSpPr/>
+          <p:nvPr/>
+        </p:nvSpPr>
+        <p:spPr>
+          <a:xfrm>
+            <a:off x="1097280" y="286560"/>
+            <a:ext cx="10057680" cy="1450080"/>
+          </a:xfrm>
+          <a:prstGeom prst="rect">
+            <a:avLst/>
+          </a:prstGeom>
+          <a:noFill/>
+          <a:ln>
+            <a:noFill/>
+          </a:ln>
+        </p:spPr>
+        <p:style>
+          <a:lnRef idx="0"/>
+          <a:fillRef idx="0"/>
+          <a:effectRef idx="0"/>
+          <a:fontRef idx="minor"/>
+        </p:style>
+        <p:txBody>
+          <a:bodyPr lIns="90000" rIns="90000" tIns="45000" bIns="45000" anchor="b"/>
+          <a:p>
+            <a:pPr>
+              <a:lnSpc>
+                <a:spcPct val="85000"/>
+              </a:lnSpc>
+            </a:pPr>
+            <a:r>
+              <a:rPr b="0" lang="en-US" sz="4800" spc="-46" strike="noStrike">
+                <a:solidFill>
+                  <a:srgbClr val="404040"/>
+                </a:solidFill>
+                <a:latin typeface="Calibri Light"/>
+              </a:rPr>
+              <a:t>Verifier</a:t>
+            </a:r>
+            <a:endParaRPr b="0" lang="en-US" sz="4800" spc="-1" strike="noStrike">
+              <a:latin typeface="Arial"/>
+            </a:endParaRPr>
+          </a:p>
+        </p:txBody>
+      </p:sp>
+      <p:sp>
+        <p:nvSpPr>
+          <p:cNvPr id="143" name="CustomShape 2"/>
+          <p:cNvSpPr/>
+          <p:nvPr/>
+        </p:nvSpPr>
+        <p:spPr>
+          <a:xfrm>
+            <a:off x="1097280" y="1845720"/>
+            <a:ext cx="10057680" cy="4022640"/>
+          </a:xfrm>
+          <a:prstGeom prst="rect">
+            <a:avLst/>
+          </a:prstGeom>
+          <a:noFill/>
+          <a:ln>
+            <a:noFill/>
+          </a:ln>
+        </p:spPr>
+        <p:style>
+          <a:lnRef idx="0"/>
+          <a:fillRef idx="0"/>
+          <a:effectRef idx="0"/>
+          <a:fontRef idx="minor"/>
+        </p:style>
+        <p:txBody>
+          <a:bodyPr lIns="0" rIns="0" tIns="45000" bIns="45000"/>
+          <a:p>
+            <a:pPr marL="91440" indent="-90720">
+              <a:lnSpc>
+                <a:spcPct val="90000"/>
+              </a:lnSpc>
+              <a:spcBef>
+                <a:spcPts val="1199"/>
+              </a:spcBef>
+              <a:spcAft>
+                <a:spcPts val="201"/>
+              </a:spcAft>
+              <a:buClr>
+                <a:srgbClr val="e48312"/>
+              </a:buClr>
+              <a:buFont typeface="Calibri"/>
+              <a:buChar char=" "/>
+            </a:pPr>
+            <a:r>
+              <a:rPr b="0" lang="en-US" sz="2400" spc="-1" strike="noStrike">
+                <a:solidFill>
+                  <a:srgbClr val="404040"/>
+                </a:solidFill>
+                <a:latin typeface="Calibri"/>
+              </a:rPr>
+              <a:t>Compassing both formal outputs</a:t>
+            </a:r>
+            <a:endParaRPr b="0" lang="en-US" sz="2400" spc="-1" strike="noStrike">
+              <a:latin typeface="Arial"/>
+            </a:endParaRPr>
+          </a:p>
+          <a:p>
+            <a:pPr marL="91440" indent="-90720">
+              <a:lnSpc>
+                <a:spcPct val="90000"/>
+              </a:lnSpc>
+              <a:spcBef>
+                <a:spcPts val="1199"/>
+              </a:spcBef>
+              <a:spcAft>
+                <a:spcPts val="201"/>
+              </a:spcAft>
+              <a:buClr>
+                <a:srgbClr val="e48312"/>
+              </a:buClr>
+              <a:buFont typeface="Calibri"/>
+              <a:buChar char=" "/>
+            </a:pPr>
+            <a:r>
+              <a:rPr b="0" lang="en-US" sz="2400" spc="-1" strike="noStrike">
+                <a:solidFill>
+                  <a:srgbClr val="404040"/>
+                </a:solidFill>
+                <a:latin typeface="Calibri"/>
+              </a:rPr>
+              <a:t>Fix suggestions</a:t>
+            </a:r>
+            <a:r>
+              <a:rPr b="0" lang="en-US" sz="2000" spc="-1" strike="noStrike">
+                <a:solidFill>
+                  <a:srgbClr val="404040"/>
+                </a:solidFill>
+                <a:latin typeface="Calibri"/>
+              </a:rPr>
+              <a:t>  </a:t>
+            </a:r>
+            <a:endParaRPr b="0" lang="en-US" sz="2000" spc="-1" strike="noStrike">
+              <a:latin typeface="Arial"/>
+            </a:endParaRPr>
+          </a:p>
+        </p:txBody>
+      </p:sp>
+    </p:spTree>
+  </p:cSld>
+  <p:timing>
+    <p:tnLst>
+      <p:par>
+        <p:cTn id="15" dur="indefinite" restart="never" nodeType="tmRoot">
+          <p:childTnLst>
+            <p:seq>
+              <p:cTn id="16" dur="indefinite" nodeType="mainSeq"/>
+              <p:prevCondLst>
+                <p:cond delay="0" evt="onPrev">
+                  <p:tgtEl>
+                    <p:sldTgt/>
+                  </p:tgtEl>
+                </p:cond>
+              </p:prevCondLst>
+              <p:nextCondLst>
+                <p:cond delay="0" evt="onNext">
+                  <p:tgtEl>
+                    <p:sldTgt/>
+                  </p:tgtEl>
+                </p:cond>
+              </p:nextCondLst>
+            </p:seq>
+          </p:childTnLst>
+        </p:cTn>
+      </p:par>
+    </p:tnLst>
+  </p:timing>
+</p:sld>
+</file>
+
+<file path=ppt/slides/slide9.xml><?xml version="1.0" encoding="utf-8"?>
+<p:sld xmlns:a="http://schemas.openxmlformats.org/drawingml/2006/main" xmlns:p="http://schemas.openxmlformats.org/presentationml/2006/main" xmlns:r="http://schemas.openxmlformats.org/officeDocument/2006/relationships" xmlns:p14="http://schemas.microsoft.com/office/powerpoint/2010/main" xmlns:p15="http://schemas.microsoft.com/office/powerpoint/2012/main" xmlns:mc="http://schemas.openxmlformats.org/markup-compatibility/2006">
+  <p:cSld>
+    <p:spTree>
+      <p:nvGrpSpPr>
+        <p:cNvPr id="1" name=""/>
+        <p:cNvGrpSpPr/>
+        <p:nvPr/>
+      </p:nvGrpSpPr>
+      <p:grpSpPr>
+        <a:xfrm>
+          <a:off x="0" y="0"/>
+          <a:ext cx="0" cy="0"/>
+          <a:chOff x="0" y="0"/>
+          <a:chExt cx="0" cy="0"/>
+        </a:xfrm>
+      </p:grpSpPr>
+      <p:sp>
+        <p:nvSpPr>
+          <p:cNvPr id="144" name="CustomShape 1"/>
           <p:cNvSpPr/>
           <p:nvPr/>
         </p:nvSpPr>
@@ -6780,7 +6924,7 @@
       </p:sp>
       <p:sp>
         <p:nvSpPr>
-          <p:cNvPr id="142" name="CustomShape 2"/>
+          <p:cNvPr id="145" name="CustomShape 2"/>
           <p:cNvSpPr/>
           <p:nvPr/>
         </p:nvSpPr>
@@ -6974,7 +7118,7 @@
       </p:sp>
       <p:sp>
         <p:nvSpPr>
-          <p:cNvPr id="143" name="TextShape 3"/>
+          <p:cNvPr id="146" name="TextShape 3"/>
           <p:cNvSpPr txBox="1"/>
           <p:nvPr/>
         </p:nvSpPr>
@@ -7008,6 +7152,11 @@
             </a:endParaRPr>
           </a:p>
           <a:p>
+            <a:endParaRPr b="0" lang="en-US" sz="2600" spc="-1" strike="noStrike">
+              <a:latin typeface="Arial"/>
+            </a:endParaRPr>
+          </a:p>
+          <a:p>
             <a:r>
               <a:rPr b="0" lang="en-US" sz="2600" spc="-1" strike="noStrike">
                 <a:solidFill>
@@ -7017,6 +7166,11 @@
               </a:rPr>
               <a:t>Research of non-functional requirements extension</a:t>
             </a:r>
+            <a:endParaRPr b="0" lang="en-US" sz="2600" spc="-1" strike="noStrike">
+              <a:latin typeface="Arial"/>
+            </a:endParaRPr>
+          </a:p>
+          <a:p>
             <a:endParaRPr b="0" lang="en-US" sz="2600" spc="-1" strike="noStrike">
               <a:latin typeface="Arial"/>
             </a:endParaRPr>
@@ -7057,10 +7211,10 @@
   <p:timing>
     <p:tnLst>
       <p:par>
-        <p:cTn id="15" dur="indefinite" restart="never" nodeType="tmRoot">
+        <p:cTn id="17" dur="indefinite" restart="never" nodeType="tmRoot">
           <p:childTnLst>
             <p:seq>
-              <p:cTn id="16" dur="indefinite" nodeType="mainSeq"/>
+              <p:cTn id="18" dur="indefinite" nodeType="mainSeq"/>
               <p:prevCondLst>
                 <p:cond delay="0" evt="onPrev">
                   <p:tgtEl>

--- a/Article/Article.pptx
+++ b/Article/Article.pptx
@@ -6778,7 +6778,7 @@
                 </a:solidFill>
                 <a:latin typeface="Calibri"/>
               </a:rPr>
-              <a:t>Compassing both formal outputs</a:t>
+              <a:t>Comparing both formal outputs</a:t>
             </a:r>
             <a:endParaRPr b="0" lang="en-US" sz="2400" spc="-1" strike="noStrike">
               <a:latin typeface="Arial"/>
